--- a/doc/TPL.pptx
+++ b/doc/TPL.pptx
@@ -5122,29 +5122,6 @@
           <a:chExt cx="0" cy="0"/>
         </a:xfrm>
       </p:grpSpPr>
-      <p:sp>
-        <p:nvSpPr>
-          <p:cNvPr id="2" name="标题 1"/>
-          <p:cNvSpPr>
-            <a:spLocks noGrp="1"/>
-          </p:cNvSpPr>
-          <p:nvPr>
-            <p:ph type="title"/>
-          </p:nvPr>
-        </p:nvSpPr>
-        <p:spPr/>
-        <p:txBody>
-          <a:bodyPr/>
-          <a:lstStyle/>
-          <a:p>
-            <a:r>
-              <a:rPr lang="en-US" altLang="zh-CN" dirty="0" smtClean="0"/>
-              <a:t>Global Placement Diagram</a:t>
-            </a:r>
-            <a:endParaRPr lang="zh-CN" altLang="en-US" dirty="0"/>
-          </a:p>
-        </p:txBody>
-      </p:sp>
       <p:pic>
         <p:nvPicPr>
           <p:cNvPr id="8" name="内容占位符 7"/>
@@ -5174,6 +5151,60 @@
           </a:xfrm>
         </p:spPr>
       </p:pic>
+      <p:sp>
+        <p:nvSpPr>
+          <p:cNvPr id="4" name="标题 1"/>
+          <p:cNvSpPr txBox="1">
+            <a:spLocks/>
+          </p:cNvSpPr>
+          <p:nvPr/>
+        </p:nvSpPr>
+        <p:spPr>
+          <a:xfrm>
+            <a:off x="457199" y="476672"/>
+            <a:ext cx="7467600" cy="594320"/>
+          </a:xfrm>
+          <a:prstGeom prst="rect">
+            <a:avLst/>
+          </a:prstGeom>
+        </p:spPr>
+        <p:txBody>
+          <a:bodyPr vert="horz" anchor="b">
+            <a:normAutofit/>
+          </a:bodyPr>
+          <a:lstStyle>
+            <a:lvl1pPr algn="l" rtl="0" eaLnBrk="1" latinLnBrk="0" hangingPunct="1">
+              <a:spcBef>
+                <a:spcPct val="0"/>
+              </a:spcBef>
+              <a:buNone/>
+              <a:defRPr kumimoji="0" sz="3000" b="0" kern="1200" cap="small" baseline="0">
+                <a:solidFill>
+                  <a:schemeClr val="tx2"/>
+                </a:solidFill>
+                <a:latin typeface="+mj-lt"/>
+                <a:ea typeface="+mj-ea"/>
+                <a:cs typeface="+mj-cs"/>
+              </a:defRPr>
+            </a:lvl1pPr>
+          </a:lstStyle>
+          <a:p>
+            <a:r>
+              <a:rPr lang="en-US" altLang="zh-CN" smtClean="0"/>
+              <a:t>4.</a:t>
+            </a:r>
+            <a:r>
+              <a:rPr lang="zh-CN" altLang="en-US" dirty="0" smtClean="0"/>
+              <a:t> </a:t>
+            </a:r>
+            <a:r>
+              <a:rPr lang="en-US" altLang="zh-CN" dirty="0" smtClean="0"/>
+              <a:t>Thermal Placement Algorithm</a:t>
+            </a:r>
+            <a:endParaRPr lang="zh-CN" altLang="en-US" dirty="0"/>
+          </a:p>
+        </p:txBody>
+      </p:sp>
     </p:spTree>
     <p:extLst>
       <p:ext uri="{BB962C8B-B14F-4D97-AF65-F5344CB8AC3E}">
@@ -10661,488 +10692,6 @@
                 <a:endParaRPr lang="en-US" altLang="zh-CN" dirty="0" smtClean="0"/>
               </a:p>
               <a:p>
-                <a:pPr lvl="1"/>
-                <a:r>
-                  <a:rPr lang="en-US" altLang="zh-CN" dirty="0" err="1" smtClean="0"/>
-                  <a:t>compute_net_force_weight</a:t>
-                </a:r>
-                <a:r>
-                  <a:rPr lang="en-US" altLang="zh-CN" dirty="0" smtClean="0"/>
-                  <a:t>()</a:t>
-                </a:r>
-                <a:r>
-                  <a:rPr lang="zh-CN" altLang="en-US" dirty="0" smtClean="0"/>
-                  <a:t> </a:t>
-                </a:r>
-                <a:endParaRPr lang="en-US" altLang="zh-CN" dirty="0" smtClean="0"/>
-              </a:p>
-              <a:p>
-                <a:pPr lvl="2"/>
-                <a:r>
-                  <a:rPr lang="en-US" altLang="zh-CN" dirty="0" smtClean="0">
-                    <a:latin typeface="Cambria Math" charset="0"/>
-                  </a:rPr>
-                  <a:t>iterate</a:t>
-                </a:r>
-                <a:r>
-                  <a:rPr lang="zh-CN" altLang="en-US" dirty="0" smtClean="0">
-                    <a:latin typeface="Cambria Math" charset="0"/>
-                  </a:rPr>
-                  <a:t> </a:t>
-                </a:r>
-                <a:r>
-                  <a:rPr lang="en-US" altLang="zh-CN" dirty="0" smtClean="0">
-                    <a:latin typeface="Cambria Math" charset="0"/>
-                  </a:rPr>
-                  <a:t>over</a:t>
-                </a:r>
-                <a:r>
-                  <a:rPr lang="zh-CN" altLang="en-US" dirty="0" smtClean="0">
-                    <a:latin typeface="Cambria Math" charset="0"/>
-                  </a:rPr>
-                  <a:t> </a:t>
-                </a:r>
-                <a:r>
-                  <a:rPr lang="en-US" altLang="zh-CN" dirty="0" err="1" smtClean="0">
-                    <a:latin typeface="Cambria Math" charset="0"/>
-                  </a:rPr>
-                  <a:t>TplNets</a:t>
-                </a:r>
-                <a:r>
-                  <a:rPr lang="en-US" altLang="zh-CN" dirty="0" smtClean="0">
-                    <a:latin typeface="Cambria Math" charset="0"/>
-                  </a:rPr>
-                  <a:t>,</a:t>
-                </a:r>
-                <a:r>
-                  <a:rPr lang="zh-CN" altLang="en-US" dirty="0" smtClean="0">
-                    <a:latin typeface="Cambria Math" charset="0"/>
-                  </a:rPr>
-                  <a:t> </a:t>
-                </a:r>
-                <a:r>
-                  <a:rPr lang="en-US" altLang="zh-CN" dirty="0" smtClean="0">
-                    <a:latin typeface="Cambria Math" charset="0"/>
-                  </a:rPr>
-                  <a:t>calculate</a:t>
-                </a:r>
-                <a:r>
-                  <a:rPr lang="zh-CN" altLang="en-US" dirty="0" smtClean="0">
-                    <a:latin typeface="Cambria Math" charset="0"/>
-                  </a:rPr>
-                  <a:t> </a:t>
-                </a:r>
-                <a:r>
-                  <a:rPr lang="en-US" altLang="zh-CN" dirty="0" smtClean="0">
-                    <a:latin typeface="Cambria Math" charset="0"/>
-                  </a:rPr>
-                  <a:t>weight</a:t>
-                </a:r>
-                <a:r>
-                  <a:rPr lang="zh-CN" altLang="en-US" dirty="0" smtClean="0">
-                    <a:latin typeface="Cambria Math" charset="0"/>
-                  </a:rPr>
-                  <a:t> </a:t>
-                </a:r>
-                <a:r>
-                  <a:rPr lang="en-US" altLang="zh-CN" dirty="0" smtClean="0">
-                    <a:latin typeface="Cambria Math" charset="0"/>
-                  </a:rPr>
-                  <a:t>of</a:t>
-                </a:r>
-                <a:r>
-                  <a:rPr lang="zh-CN" altLang="en-US" dirty="0" smtClean="0">
-                    <a:latin typeface="Cambria Math" charset="0"/>
-                  </a:rPr>
-                  <a:t> </a:t>
-                </a:r>
-                <a:r>
-                  <a:rPr lang="en-US" altLang="zh-CN" dirty="0" smtClean="0">
-                    <a:latin typeface="Cambria Math" charset="0"/>
-                  </a:rPr>
-                  <a:t>every</a:t>
-                </a:r>
-                <a:r>
-                  <a:rPr lang="zh-CN" altLang="en-US" dirty="0" smtClean="0">
-                    <a:latin typeface="Cambria Math" charset="0"/>
-                  </a:rPr>
-                  <a:t> </a:t>
-                </a:r>
-                <a:r>
-                  <a:rPr lang="en-US" altLang="zh-CN" dirty="0" smtClean="0">
-                    <a:latin typeface="Cambria Math" charset="0"/>
-                  </a:rPr>
-                  <a:t>two-pin</a:t>
-                </a:r>
-                <a:r>
-                  <a:rPr lang="zh-CN" altLang="en-US" dirty="0" smtClean="0">
-                    <a:latin typeface="Cambria Math" charset="0"/>
-                  </a:rPr>
-                  <a:t> </a:t>
-                </a:r>
-                <a:r>
-                  <a:rPr lang="en-US" altLang="zh-CN" dirty="0" smtClean="0">
-                    <a:latin typeface="Cambria Math" charset="0"/>
-                  </a:rPr>
-                  <a:t>pair</a:t>
-                </a:r>
-                <a:r>
-                  <a:rPr lang="zh-CN" altLang="en-US" dirty="0" smtClean="0">
-                    <a:latin typeface="Cambria Math" charset="0"/>
-                  </a:rPr>
-                  <a:t> </a:t>
-                </a:r>
-                <a:r>
-                  <a:rPr lang="en-US" altLang="zh-CN" dirty="0" smtClean="0">
-                    <a:latin typeface="Cambria Math" charset="0"/>
-                  </a:rPr>
-                  <a:t>in</a:t>
-                </a:r>
-                <a:r>
-                  <a:rPr lang="zh-CN" altLang="en-US" dirty="0" smtClean="0">
-                    <a:latin typeface="Cambria Math" charset="0"/>
-                  </a:rPr>
-                  <a:t> </a:t>
-                </a:r>
-                <a:r>
-                  <a:rPr lang="en-US" altLang="zh-CN" dirty="0" smtClean="0">
-                    <a:latin typeface="Cambria Math" charset="0"/>
-                  </a:rPr>
-                  <a:t>a</a:t>
-                </a:r>
-                <a:r>
-                  <a:rPr lang="zh-CN" altLang="en-US" dirty="0" smtClean="0">
-                    <a:latin typeface="Cambria Math" charset="0"/>
-                  </a:rPr>
-                  <a:t> </a:t>
-                </a:r>
-                <a:r>
-                  <a:rPr lang="en-US" altLang="zh-CN" dirty="0" smtClean="0">
-                    <a:latin typeface="Cambria Math" charset="0"/>
-                  </a:rPr>
-                  <a:t>net</a:t>
-                </a:r>
-                <a:endParaRPr lang="en-US" altLang="zh-CN" b="0" dirty="0" smtClean="0">
-                  <a:latin typeface="Cambria Math" charset="0"/>
-                </a:endParaRPr>
-              </a:p>
-              <a:p>
-                <a:pPr lvl="2"/>
-                <a14:m>
-                  <m:oMath xmlns:m="http://schemas.openxmlformats.org/officeDocument/2006/math">
-                    <m:r>
-                      <a:rPr lang="en-US" altLang="zh-CN" b="0" i="1" smtClean="0">
-                        <a:latin typeface="Cambria Math" charset="0"/>
-                      </a:rPr>
-                      <m:t>𝑤</m:t>
-                    </m:r>
-                    <m:r>
-                      <a:rPr lang="en-US" altLang="zh-CN" b="0" i="1" smtClean="0">
-                        <a:latin typeface="Cambria Math" charset="0"/>
-                      </a:rPr>
-                      <m:t>=</m:t>
-                    </m:r>
-                    <m:f>
-                      <m:fPr>
-                        <m:ctrlPr>
-                          <a:rPr lang="en-US" altLang="zh-CN" b="0" i="1" smtClean="0">
-                            <a:latin typeface="Cambria Math" charset="0"/>
-                          </a:rPr>
-                        </m:ctrlPr>
-                      </m:fPr>
-                      <m:num>
-                        <m:r>
-                          <a:rPr lang="en-US" altLang="zh-CN" b="0" i="1" smtClean="0">
-                            <a:latin typeface="Cambria Math" charset="0"/>
-                          </a:rPr>
-                          <m:t>2</m:t>
-                        </m:r>
-                      </m:num>
-                      <m:den>
-                        <m:d>
-                          <m:dPr>
-                            <m:ctrlPr>
-                              <a:rPr lang="en-US" altLang="zh-CN" b="0" i="1" smtClean="0">
-                                <a:latin typeface="Cambria Math" charset="0"/>
-                              </a:rPr>
-                            </m:ctrlPr>
-                          </m:dPr>
-                          <m:e>
-                            <m:r>
-                              <a:rPr lang="en-US" altLang="zh-CN" b="0" i="1" smtClean="0">
-                                <a:latin typeface="Cambria Math" charset="0"/>
-                              </a:rPr>
-                              <m:t>𝑑𝑒𝑔𝑟𝑒𝑒</m:t>
-                            </m:r>
-                            <m:r>
-                              <a:rPr lang="zh-CN" altLang="en-US" b="0" i="1" smtClean="0">
-                                <a:latin typeface="Cambria Math" charset="0"/>
-                              </a:rPr>
-                              <m:t> </m:t>
-                            </m:r>
-                            <m:r>
-                              <a:rPr lang="en-US" altLang="zh-CN" b="0" i="1" smtClean="0">
-                                <a:latin typeface="Cambria Math" charset="0"/>
-                              </a:rPr>
-                              <m:t>−1</m:t>
-                            </m:r>
-                          </m:e>
-                        </m:d>
-                        <m:r>
-                          <a:rPr lang="zh-CN" altLang="en-US" b="0" i="1" smtClean="0">
-                            <a:latin typeface="Cambria Math" charset="0"/>
-                          </a:rPr>
-                          <m:t> </m:t>
-                        </m:r>
-                        <m:r>
-                          <a:rPr lang="en-US" altLang="zh-CN" b="0" i="1" smtClean="0">
-                            <a:latin typeface="Cambria Math" charset="0"/>
-                            <a:ea typeface="Cambria Math" charset="0"/>
-                            <a:cs typeface="Cambria Math" charset="0"/>
-                          </a:rPr>
-                          <m:t>×</m:t>
-                        </m:r>
-                        <m:r>
-                          <a:rPr lang="zh-CN" altLang="en-US" b="0" i="1" smtClean="0">
-                            <a:latin typeface="Cambria Math" charset="0"/>
-                          </a:rPr>
-                          <m:t> </m:t>
-                        </m:r>
-                        <m:sSub>
-                          <m:sSubPr>
-                            <m:ctrlPr>
-                              <a:rPr lang="en-US" altLang="zh-CN" b="0" i="1" smtClean="0">
-                                <a:latin typeface="Cambria Math" charset="0"/>
-                              </a:rPr>
-                            </m:ctrlPr>
-                          </m:sSubPr>
-                          <m:e>
-                            <m:r>
-                              <a:rPr lang="en-US" altLang="zh-CN" b="0" i="1" smtClean="0">
-                                <a:latin typeface="Cambria Math" charset="0"/>
-                              </a:rPr>
-                              <m:t>|</m:t>
-                            </m:r>
-                            <m:r>
-                              <a:rPr lang="en-US" altLang="zh-CN" b="0" i="1" smtClean="0">
-                                <a:latin typeface="Cambria Math" charset="0"/>
-                              </a:rPr>
-                              <m:t>𝑥</m:t>
-                            </m:r>
-                          </m:e>
-                          <m:sub>
-                            <m:r>
-                              <a:rPr lang="en-US" altLang="zh-CN" b="0" i="1" smtClean="0">
-                                <a:latin typeface="Cambria Math" charset="0"/>
-                              </a:rPr>
-                              <m:t>𝑝</m:t>
-                            </m:r>
-                            <m:r>
-                              <a:rPr lang="zh-CN" altLang="en-US" b="0" i="1" smtClean="0">
-                                <a:latin typeface="Cambria Math" charset="0"/>
-                              </a:rPr>
-                              <m:t> </m:t>
-                            </m:r>
-                            <m:r>
-                              <a:rPr lang="en-US" altLang="zh-CN" b="0" i="1" smtClean="0">
-                                <a:latin typeface="Cambria Math" charset="0"/>
-                              </a:rPr>
-                              <m:t>−</m:t>
-                            </m:r>
-                          </m:sub>
-                        </m:sSub>
-                        <m:sSub>
-                          <m:sSubPr>
-                            <m:ctrlPr>
-                              <a:rPr lang="en-US" altLang="zh-CN" b="0" i="1" smtClean="0">
-                                <a:latin typeface="Cambria Math" charset="0"/>
-                              </a:rPr>
-                            </m:ctrlPr>
-                          </m:sSubPr>
-                          <m:e>
-                            <m:r>
-                              <a:rPr lang="en-US" altLang="zh-CN" b="0" i="1" smtClean="0">
-                                <a:latin typeface="Cambria Math" charset="0"/>
-                              </a:rPr>
-                              <m:t>𝑥</m:t>
-                            </m:r>
-                          </m:e>
-                          <m:sub>
-                            <m:r>
-                              <a:rPr lang="en-US" altLang="zh-CN" b="0" i="1" smtClean="0">
-                                <a:latin typeface="Cambria Math" charset="0"/>
-                              </a:rPr>
-                              <m:t>𝑞</m:t>
-                            </m:r>
-                          </m:sub>
-                        </m:sSub>
-                        <m:r>
-                          <a:rPr lang="en-US" altLang="zh-CN" b="0" i="1" smtClean="0">
-                            <a:latin typeface="Cambria Math" charset="0"/>
-                          </a:rPr>
-                          <m:t>|</m:t>
-                        </m:r>
-                      </m:den>
-                    </m:f>
-                  </m:oMath>
-                </a14:m>
-                <a:r>
-                  <a:rPr lang="zh-CN" altLang="en-US" dirty="0" smtClean="0"/>
-                  <a:t> </a:t>
-                </a:r>
-                <a:r>
-                  <a:rPr lang="en-US" altLang="zh-CN" dirty="0" smtClean="0"/>
-                  <a:t>if</a:t>
-                </a:r>
-                <a:r>
-                  <a:rPr lang="zh-CN" altLang="en-US" dirty="0" smtClean="0"/>
-                  <a:t> </a:t>
-                </a:r>
-                <a:r>
-                  <a:rPr lang="en-US" altLang="zh-CN" dirty="0" smtClean="0"/>
-                  <a:t>p</a:t>
-                </a:r>
-                <a:r>
-                  <a:rPr lang="zh-CN" altLang="en-US" dirty="0" smtClean="0"/>
-                  <a:t> </a:t>
-                </a:r>
-                <a:r>
-                  <a:rPr lang="en-US" altLang="zh-CN" dirty="0" smtClean="0"/>
-                  <a:t>and</a:t>
-                </a:r>
-                <a:r>
-                  <a:rPr lang="zh-CN" altLang="en-US" dirty="0" smtClean="0"/>
-                  <a:t> </a:t>
-                </a:r>
-                <a:r>
-                  <a:rPr lang="en-US" altLang="zh-CN" dirty="0" smtClean="0"/>
-                  <a:t>q</a:t>
-                </a:r>
-                <a:r>
-                  <a:rPr lang="zh-CN" altLang="en-US" dirty="0" smtClean="0"/>
-                  <a:t> </a:t>
-                </a:r>
-                <a:r>
-                  <a:rPr lang="en-US" altLang="zh-CN" dirty="0" smtClean="0"/>
-                  <a:t>are</a:t>
-                </a:r>
-                <a:r>
-                  <a:rPr lang="zh-CN" altLang="en-US" dirty="0" smtClean="0"/>
-                  <a:t> </a:t>
-                </a:r>
-                <a:r>
-                  <a:rPr lang="en-US" altLang="zh-CN" dirty="0" smtClean="0"/>
-                  <a:t>inner</a:t>
-                </a:r>
-                <a:r>
-                  <a:rPr lang="zh-CN" altLang="en-US" dirty="0" smtClean="0"/>
-                  <a:t> </a:t>
-                </a:r>
-                <a:r>
-                  <a:rPr lang="en-US" altLang="zh-CN" dirty="0" smtClean="0"/>
-                  <a:t>pins,</a:t>
-                </a:r>
-                <a:r>
-                  <a:rPr lang="zh-CN" altLang="en-US" dirty="0" smtClean="0"/>
-                  <a:t> </a:t>
-                </a:r>
-                <a:r>
-                  <a:rPr lang="en-US" altLang="zh-CN" dirty="0" smtClean="0"/>
-                  <a:t>else</a:t>
-                </a:r>
-                <a:r>
-                  <a:rPr lang="zh-CN" altLang="en-US" dirty="0" smtClean="0"/>
-                  <a:t> </a:t>
-                </a:r>
-                <a:r>
-                  <a:rPr lang="en-US" altLang="zh-CN" dirty="0" smtClean="0"/>
-                  <a:t>0</a:t>
-                </a:r>
-              </a:p>
-              <a:p>
-                <a:pPr lvl="1"/>
-                <a:r>
-                  <a:rPr lang="en-US" altLang="zh-CN" dirty="0" err="1" smtClean="0"/>
-                  <a:t>compute_net_force_target</a:t>
-                </a:r>
-                <a:r>
-                  <a:rPr lang="en-US" altLang="zh-CN" dirty="0" smtClean="0"/>
-                  <a:t>()</a:t>
-                </a:r>
-                <a:r>
-                  <a:rPr lang="zh-CN" altLang="en-US" dirty="0" smtClean="0"/>
-                  <a:t> </a:t>
-                </a:r>
-                <a:endParaRPr lang="en-US" altLang="zh-CN" dirty="0" smtClean="0"/>
-              </a:p>
-              <a:p>
-                <a:pPr lvl="2"/>
-                <a:r>
-                  <a:rPr lang="en-US" altLang="zh-CN" dirty="0" smtClean="0"/>
-                  <a:t>compute</a:t>
-                </a:r>
-                <a:r>
-                  <a:rPr lang="zh-CN" altLang="en-US" dirty="0" smtClean="0"/>
-                  <a:t> </a:t>
-                </a:r>
-                <a:r>
-                  <a:rPr lang="en-US" altLang="zh-CN" dirty="0" smtClean="0"/>
-                  <a:t>target</a:t>
-                </a:r>
-                <a:r>
-                  <a:rPr lang="zh-CN" altLang="en-US" dirty="0" smtClean="0"/>
-                  <a:t> </a:t>
-                </a:r>
-                <a:r>
-                  <a:rPr lang="en-US" altLang="zh-CN" dirty="0" smtClean="0"/>
-                  <a:t>destination</a:t>
-                </a:r>
-                <a:r>
-                  <a:rPr lang="zh-CN" altLang="en-US" dirty="0" smtClean="0"/>
-                  <a:t> </a:t>
-                </a:r>
-                <a:r>
-                  <a:rPr lang="en-US" altLang="zh-CN" dirty="0" smtClean="0"/>
-                  <a:t>by</a:t>
-                </a:r>
-                <a:r>
-                  <a:rPr lang="zh-CN" altLang="en-US" dirty="0" smtClean="0"/>
-                  <a:t> </a:t>
-                </a:r>
-                <a:r>
-                  <a:rPr lang="en-US" altLang="zh-CN" dirty="0" smtClean="0"/>
-                  <a:t>net</a:t>
-                </a:r>
-                <a:r>
-                  <a:rPr lang="zh-CN" altLang="en-US" dirty="0" smtClean="0"/>
-                  <a:t> </a:t>
-                </a:r>
-                <a:r>
-                  <a:rPr lang="en-US" altLang="zh-CN" dirty="0" smtClean="0"/>
-                  <a:t>force</a:t>
-                </a:r>
-              </a:p>
-              <a:p>
-                <a:pPr lvl="2"/>
-                <a:r>
-                  <a:rPr lang="en-US" altLang="zh-CN" dirty="0" smtClean="0"/>
-                  <a:t>use</a:t>
-                </a:r>
-                <a:r>
-                  <a:rPr lang="zh-CN" altLang="en-US" dirty="0" smtClean="0"/>
-                  <a:t> </a:t>
-                </a:r>
-                <a:r>
-                  <a:rPr lang="en-US" altLang="zh-CN" dirty="0" smtClean="0"/>
-                  <a:t>Eigen::</a:t>
-                </a:r>
-                <a:r>
-                  <a:rPr lang="en-US" altLang="zh-CN" dirty="0" err="1" smtClean="0"/>
-                  <a:t>SimplicialLLT</a:t>
-                </a:r>
-                <a:endParaRPr lang="en-US" altLang="zh-CN" dirty="0"/>
-              </a:p>
-              <a:p>
                 <a:endParaRPr lang="en-US" altLang="zh-CN" dirty="0" smtClean="0">
                   <a:solidFill>
                     <a:srgbClr val="C00000"/>
@@ -11278,8 +10827,8 @@
           </a:p>
         </p:txBody>
       </p:sp>
-      <mc:AlternateContent xmlns:mc="http://schemas.openxmlformats.org/markup-compatibility/2006" xmlns:a14="http://schemas.microsoft.com/office/drawing/2010/main">
-        <mc:Choice Requires="a14">
+      <mc:AlternateContent xmlns:mc="http://schemas.openxmlformats.org/markup-compatibility/2006">
+        <mc:Choice xmlns:a14="http://schemas.microsoft.com/office/drawing/2010/main" Requires="a14">
           <p:sp>
             <p:nvSpPr>
               <p:cNvPr id="3" name="内容占位符 2"/>
@@ -11325,150 +10874,150 @@
               <a:p>
                 <a:pPr lvl="2"/>
                 <a:r>
-                  <a:rPr lang="en-US" altLang="zh-CN" dirty="0" smtClean="0">
+                  <a:rPr lang="en-US" altLang="zh-CN" sz="2000" dirty="0" smtClean="0">
                     <a:latin typeface="Cambria Math" charset="0"/>
                   </a:rPr>
                   <a:t>iterate</a:t>
                 </a:r>
                 <a:r>
-                  <a:rPr lang="zh-CN" altLang="en-US" dirty="0" smtClean="0">
+                  <a:rPr lang="zh-CN" altLang="en-US" sz="2000" dirty="0" smtClean="0">
                     <a:latin typeface="Cambria Math" charset="0"/>
                   </a:rPr>
                   <a:t> </a:t>
                 </a:r>
                 <a:r>
-                  <a:rPr lang="en-US" altLang="zh-CN" dirty="0" smtClean="0">
+                  <a:rPr lang="en-US" altLang="zh-CN" sz="2000" dirty="0" smtClean="0">
                     <a:latin typeface="Cambria Math" charset="0"/>
                   </a:rPr>
                   <a:t>over</a:t>
                 </a:r>
                 <a:r>
-                  <a:rPr lang="zh-CN" altLang="en-US" dirty="0" smtClean="0">
+                  <a:rPr lang="zh-CN" altLang="en-US" sz="2000" dirty="0" smtClean="0">
                     <a:latin typeface="Cambria Math" charset="0"/>
                   </a:rPr>
                   <a:t> </a:t>
                 </a:r>
                 <a:r>
-                  <a:rPr lang="en-US" altLang="zh-CN" dirty="0" err="1" smtClean="0">
+                  <a:rPr lang="en-US" altLang="zh-CN" sz="2000" dirty="0" err="1" smtClean="0">
                     <a:latin typeface="Cambria Math" charset="0"/>
                   </a:rPr>
                   <a:t>TplNets</a:t>
                 </a:r>
                 <a:r>
-                  <a:rPr lang="en-US" altLang="zh-CN" dirty="0" smtClean="0">
+                  <a:rPr lang="en-US" altLang="zh-CN" sz="2000" dirty="0" smtClean="0">
                     <a:latin typeface="Cambria Math" charset="0"/>
                   </a:rPr>
                   <a:t>,</a:t>
                 </a:r>
                 <a:r>
-                  <a:rPr lang="zh-CN" altLang="en-US" dirty="0" smtClean="0">
+                  <a:rPr lang="zh-CN" altLang="en-US" sz="2000" dirty="0" smtClean="0">
                     <a:latin typeface="Cambria Math" charset="0"/>
                   </a:rPr>
                   <a:t> </a:t>
                 </a:r>
                 <a:r>
-                  <a:rPr lang="en-US" altLang="zh-CN" dirty="0" smtClean="0">
+                  <a:rPr lang="en-US" altLang="zh-CN" sz="2000" dirty="0" smtClean="0">
                     <a:latin typeface="Cambria Math" charset="0"/>
                   </a:rPr>
                   <a:t>calculate</a:t>
                 </a:r>
                 <a:r>
-                  <a:rPr lang="zh-CN" altLang="en-US" dirty="0" smtClean="0">
+                  <a:rPr lang="zh-CN" altLang="en-US" sz="2000" dirty="0" smtClean="0">
                     <a:latin typeface="Cambria Math" charset="0"/>
                   </a:rPr>
                   <a:t> </a:t>
                 </a:r>
                 <a:r>
-                  <a:rPr lang="en-US" altLang="zh-CN" dirty="0" smtClean="0">
+                  <a:rPr lang="en-US" altLang="zh-CN" sz="2000" dirty="0" smtClean="0">
                     <a:latin typeface="Cambria Math" charset="0"/>
                   </a:rPr>
                   <a:t>weight</a:t>
                 </a:r>
                 <a:r>
-                  <a:rPr lang="zh-CN" altLang="en-US" dirty="0" smtClean="0">
+                  <a:rPr lang="zh-CN" altLang="en-US" sz="2000" dirty="0" smtClean="0">
                     <a:latin typeface="Cambria Math" charset="0"/>
                   </a:rPr>
                   <a:t> </a:t>
                 </a:r>
                 <a:r>
-                  <a:rPr lang="en-US" altLang="zh-CN" dirty="0" smtClean="0">
+                  <a:rPr lang="en-US" altLang="zh-CN" sz="2000" dirty="0" smtClean="0">
                     <a:latin typeface="Cambria Math" charset="0"/>
                   </a:rPr>
                   <a:t>of</a:t>
                 </a:r>
                 <a:r>
-                  <a:rPr lang="zh-CN" altLang="en-US" dirty="0" smtClean="0">
+                  <a:rPr lang="zh-CN" altLang="en-US" sz="2000" dirty="0" smtClean="0">
                     <a:latin typeface="Cambria Math" charset="0"/>
                   </a:rPr>
                   <a:t> </a:t>
                 </a:r>
                 <a:r>
-                  <a:rPr lang="en-US" altLang="zh-CN" dirty="0" smtClean="0">
+                  <a:rPr lang="en-US" altLang="zh-CN" sz="2000" dirty="0" smtClean="0">
                     <a:latin typeface="Cambria Math" charset="0"/>
                   </a:rPr>
                   <a:t>every</a:t>
                 </a:r>
                 <a:r>
-                  <a:rPr lang="zh-CN" altLang="en-US" dirty="0" smtClean="0">
+                  <a:rPr lang="zh-CN" altLang="en-US" sz="2000" dirty="0" smtClean="0">
                     <a:latin typeface="Cambria Math" charset="0"/>
                   </a:rPr>
                   <a:t> </a:t>
                 </a:r>
                 <a:r>
-                  <a:rPr lang="en-US" altLang="zh-CN" dirty="0" smtClean="0">
+                  <a:rPr lang="en-US" altLang="zh-CN" sz="2000" dirty="0" smtClean="0">
                     <a:latin typeface="Cambria Math" charset="0"/>
                   </a:rPr>
                   <a:t>two-pin</a:t>
                 </a:r>
                 <a:r>
-                  <a:rPr lang="zh-CN" altLang="en-US" dirty="0" smtClean="0">
+                  <a:rPr lang="zh-CN" altLang="en-US" sz="2000" dirty="0" smtClean="0">
                     <a:latin typeface="Cambria Math" charset="0"/>
                   </a:rPr>
                   <a:t> </a:t>
                 </a:r>
                 <a:r>
-                  <a:rPr lang="en-US" altLang="zh-CN" dirty="0" smtClean="0">
+                  <a:rPr lang="en-US" altLang="zh-CN" sz="2000" dirty="0" smtClean="0">
                     <a:latin typeface="Cambria Math" charset="0"/>
                   </a:rPr>
                   <a:t>pair</a:t>
                 </a:r>
                 <a:r>
-                  <a:rPr lang="zh-CN" altLang="en-US" dirty="0" smtClean="0">
+                  <a:rPr lang="zh-CN" altLang="en-US" sz="2000" dirty="0" smtClean="0">
                     <a:latin typeface="Cambria Math" charset="0"/>
                   </a:rPr>
                   <a:t> </a:t>
                 </a:r>
                 <a:r>
-                  <a:rPr lang="en-US" altLang="zh-CN" dirty="0" smtClean="0">
+                  <a:rPr lang="en-US" altLang="zh-CN" sz="2000" dirty="0" smtClean="0">
                     <a:latin typeface="Cambria Math" charset="0"/>
                   </a:rPr>
                   <a:t>in</a:t>
                 </a:r>
                 <a:r>
-                  <a:rPr lang="zh-CN" altLang="en-US" dirty="0" smtClean="0">
+                  <a:rPr lang="zh-CN" altLang="en-US" sz="2000" dirty="0" smtClean="0">
                     <a:latin typeface="Cambria Math" charset="0"/>
                   </a:rPr>
                   <a:t> </a:t>
                 </a:r>
                 <a:r>
-                  <a:rPr lang="en-US" altLang="zh-CN" dirty="0" smtClean="0">
+                  <a:rPr lang="en-US" altLang="zh-CN" sz="2000" dirty="0" smtClean="0">
                     <a:latin typeface="Cambria Math" charset="0"/>
                   </a:rPr>
                   <a:t>a</a:t>
                 </a:r>
                 <a:r>
-                  <a:rPr lang="zh-CN" altLang="en-US" dirty="0" smtClean="0">
+                  <a:rPr lang="zh-CN" altLang="en-US" sz="2000" dirty="0" smtClean="0">
                     <a:latin typeface="Cambria Math" charset="0"/>
                   </a:rPr>
                   <a:t> </a:t>
                 </a:r>
                 <a:r>
-                  <a:rPr lang="en-US" altLang="zh-CN" dirty="0" smtClean="0">
+                  <a:rPr lang="en-US" altLang="zh-CN" sz="2000" dirty="0" smtClean="0">
                     <a:latin typeface="Cambria Math" charset="0"/>
                   </a:rPr>
                   <a:t>net</a:t>
                 </a:r>
-                <a:endParaRPr lang="en-US" altLang="zh-CN" b="0" dirty="0" smtClean="0">
+                <a:endParaRPr lang="en-US" altLang="zh-CN" sz="2000" b="0" dirty="0" smtClean="0">
                   <a:latin typeface="Cambria Math" charset="0"/>
                 </a:endParaRPr>
               </a:p>
@@ -11477,13 +11026,13 @@
                 <a14:m>
                   <m:oMath xmlns:m="http://schemas.openxmlformats.org/officeDocument/2006/math">
                     <m:r>
-                      <a:rPr lang="en-US" altLang="zh-CN" b="0" i="1" smtClean="0">
+                      <a:rPr lang="en-US" altLang="zh-CN" sz="2000" b="0" i="1" smtClean="0">
                         <a:latin typeface="Cambria Math" charset="0"/>
                       </a:rPr>
                       <m:t>𝑤</m:t>
                     </m:r>
                     <m:r>
-                      <a:rPr lang="en-US" altLang="zh-CN" b="0" i="1" smtClean="0">
+                      <a:rPr lang="en-US" altLang="zh-CN" sz="2000" b="0" i="1" smtClean="0">
                         <a:latin typeface="Cambria Math" charset="0"/>
                       </a:rPr>
                       <m:t>=</m:t>
@@ -11491,14 +11040,14 @@
                     <m:f>
                       <m:fPr>
                         <m:ctrlPr>
-                          <a:rPr lang="en-US" altLang="zh-CN" b="0" i="1" smtClean="0">
+                          <a:rPr lang="en-US" altLang="zh-CN" sz="2000" b="0" i="1" smtClean="0">
                             <a:latin typeface="Cambria Math" charset="0"/>
                           </a:rPr>
                         </m:ctrlPr>
                       </m:fPr>
                       <m:num>
                         <m:r>
-                          <a:rPr lang="en-US" altLang="zh-CN" b="0" i="1" smtClean="0">
+                          <a:rPr lang="en-US" altLang="zh-CN" sz="2000" b="0" i="1" smtClean="0">
                             <a:latin typeface="Cambria Math" charset="0"/>
                           </a:rPr>
                           <m:t>2</m:t>
@@ -11508,26 +11057,26 @@
                         <m:d>
                           <m:dPr>
                             <m:ctrlPr>
-                              <a:rPr lang="en-US" altLang="zh-CN" b="0" i="1" smtClean="0">
+                              <a:rPr lang="en-US" altLang="zh-CN" sz="2000" b="0" i="1" smtClean="0">
                                 <a:latin typeface="Cambria Math" charset="0"/>
                               </a:rPr>
                             </m:ctrlPr>
                           </m:dPr>
                           <m:e>
                             <m:r>
-                              <a:rPr lang="en-US" altLang="zh-CN" b="0" i="1" smtClean="0">
+                              <a:rPr lang="en-US" altLang="zh-CN" sz="2000" b="0" i="1" smtClean="0">
                                 <a:latin typeface="Cambria Math" charset="0"/>
                               </a:rPr>
                               <m:t>𝑑𝑒𝑔𝑟𝑒𝑒</m:t>
                             </m:r>
                             <m:r>
-                              <a:rPr lang="zh-CN" altLang="en-US" b="0" i="1" smtClean="0">
+                              <a:rPr lang="zh-CN" altLang="en-US" sz="2000" b="0" i="1" smtClean="0">
                                 <a:latin typeface="Cambria Math" charset="0"/>
                               </a:rPr>
                               <m:t> </m:t>
                             </m:r>
                             <m:r>
-                              <a:rPr lang="en-US" altLang="zh-CN" b="0" i="1" smtClean="0">
+                              <a:rPr lang="en-US" altLang="zh-CN" sz="2000" b="0" i="1" smtClean="0">
                                 <a:latin typeface="Cambria Math" charset="0"/>
                               </a:rPr>
                               <m:t>−1</m:t>
@@ -11535,13 +11084,13 @@
                           </m:e>
                         </m:d>
                         <m:r>
-                          <a:rPr lang="zh-CN" altLang="en-US" b="0" i="1" smtClean="0">
+                          <a:rPr lang="zh-CN" altLang="en-US" sz="2000" b="0" i="1" smtClean="0">
                             <a:latin typeface="Cambria Math" charset="0"/>
                           </a:rPr>
                           <m:t> </m:t>
                         </m:r>
                         <m:r>
-                          <a:rPr lang="en-US" altLang="zh-CN" b="0" i="1" smtClean="0">
+                          <a:rPr lang="en-US" altLang="zh-CN" sz="2000" b="0" i="1" smtClean="0">
                             <a:latin typeface="Cambria Math" charset="0"/>
                             <a:ea typeface="Cambria Math" charset="0"/>
                             <a:cs typeface="Cambria Math" charset="0"/>
@@ -11549,7 +11098,7 @@
                           <m:t>×</m:t>
                         </m:r>
                         <m:r>
-                          <a:rPr lang="zh-CN" altLang="en-US" b="0" i="1" smtClean="0">
+                          <a:rPr lang="zh-CN" altLang="en-US" sz="2000" b="0" i="1" smtClean="0">
                             <a:latin typeface="Cambria Math" charset="0"/>
                           </a:rPr>
                           <m:t> </m:t>
@@ -11557,20 +11106,20 @@
                         <m:sSub>
                           <m:sSubPr>
                             <m:ctrlPr>
-                              <a:rPr lang="en-US" altLang="zh-CN" b="0" i="1" smtClean="0">
+                              <a:rPr lang="en-US" altLang="zh-CN" sz="2000" b="0" i="1" smtClean="0">
                                 <a:latin typeface="Cambria Math" charset="0"/>
                               </a:rPr>
                             </m:ctrlPr>
                           </m:sSubPr>
                           <m:e>
                             <m:r>
-                              <a:rPr lang="en-US" altLang="zh-CN" b="0" i="1" smtClean="0">
+                              <a:rPr lang="en-US" altLang="zh-CN" sz="2000" b="0" i="1" smtClean="0">
                                 <a:latin typeface="Cambria Math" charset="0"/>
                               </a:rPr>
                               <m:t>|</m:t>
                             </m:r>
                             <m:r>
-                              <a:rPr lang="en-US" altLang="zh-CN" b="0" i="1" smtClean="0">
+                              <a:rPr lang="en-US" altLang="zh-CN" sz="2000" b="0" i="1" smtClean="0">
                                 <a:latin typeface="Cambria Math" charset="0"/>
                               </a:rPr>
                               <m:t>𝑥</m:t>
@@ -11578,19 +11127,19 @@
                           </m:e>
                           <m:sub>
                             <m:r>
-                              <a:rPr lang="en-US" altLang="zh-CN" b="0" i="1" smtClean="0">
+                              <a:rPr lang="en-US" altLang="zh-CN" sz="2000" b="0" i="1" smtClean="0">
                                 <a:latin typeface="Cambria Math" charset="0"/>
                               </a:rPr>
                               <m:t>𝑝</m:t>
                             </m:r>
                             <m:r>
-                              <a:rPr lang="zh-CN" altLang="en-US" b="0" i="1" smtClean="0">
+                              <a:rPr lang="zh-CN" altLang="en-US" sz="2000" b="0" i="1" smtClean="0">
                                 <a:latin typeface="Cambria Math" charset="0"/>
                               </a:rPr>
                               <m:t> </m:t>
                             </m:r>
                             <m:r>
-                              <a:rPr lang="en-US" altLang="zh-CN" b="0" i="1" smtClean="0">
+                              <a:rPr lang="en-US" altLang="zh-CN" sz="2000" b="0" i="1" smtClean="0">
                                 <a:latin typeface="Cambria Math" charset="0"/>
                               </a:rPr>
                               <m:t>−</m:t>
@@ -11600,14 +11149,14 @@
                         <m:sSub>
                           <m:sSubPr>
                             <m:ctrlPr>
-                              <a:rPr lang="en-US" altLang="zh-CN" b="0" i="1" smtClean="0">
+                              <a:rPr lang="en-US" altLang="zh-CN" sz="2000" b="0" i="1" smtClean="0">
                                 <a:latin typeface="Cambria Math" charset="0"/>
                               </a:rPr>
                             </m:ctrlPr>
                           </m:sSubPr>
                           <m:e>
                             <m:r>
-                              <a:rPr lang="en-US" altLang="zh-CN" b="0" i="1" smtClean="0">
+                              <a:rPr lang="en-US" altLang="zh-CN" sz="2000" b="0" i="1" smtClean="0">
                                 <a:latin typeface="Cambria Math" charset="0"/>
                               </a:rPr>
                               <m:t>𝑥</m:t>
@@ -11615,7 +11164,7 @@
                           </m:e>
                           <m:sub>
                             <m:r>
-                              <a:rPr lang="en-US" altLang="zh-CN" b="0" i="1" smtClean="0">
+                              <a:rPr lang="en-US" altLang="zh-CN" sz="2000" b="0" i="1" smtClean="0">
                                 <a:latin typeface="Cambria Math" charset="0"/>
                               </a:rPr>
                               <m:t>𝑞</m:t>
@@ -11623,7 +11172,7 @@
                           </m:sub>
                         </m:sSub>
                         <m:r>
-                          <a:rPr lang="en-US" altLang="zh-CN" b="0" i="1" smtClean="0">
+                          <a:rPr lang="en-US" altLang="zh-CN" sz="2000" b="0" i="1" smtClean="0">
                             <a:latin typeface="Cambria Math" charset="0"/>
                           </a:rPr>
                           <m:t>|</m:t>
@@ -11633,75 +11182,75 @@
                   </m:oMath>
                 </a14:m>
                 <a:r>
-                  <a:rPr lang="zh-CN" altLang="en-US" dirty="0" smtClean="0"/>
-                  <a:t> </a:t>
-                </a:r>
-                <a:r>
-                  <a:rPr lang="en-US" altLang="zh-CN" dirty="0" smtClean="0"/>
+                  <a:rPr lang="zh-CN" altLang="en-US" sz="2000" dirty="0" smtClean="0"/>
+                  <a:t> </a:t>
+                </a:r>
+                <a:r>
+                  <a:rPr lang="en-US" altLang="zh-CN" sz="2000" dirty="0" smtClean="0"/>
                   <a:t>if</a:t>
                 </a:r>
                 <a:r>
-                  <a:rPr lang="zh-CN" altLang="en-US" dirty="0" smtClean="0"/>
-                  <a:t> </a:t>
-                </a:r>
-                <a:r>
-                  <a:rPr lang="en-US" altLang="zh-CN" dirty="0" smtClean="0"/>
+                  <a:rPr lang="zh-CN" altLang="en-US" sz="2000" dirty="0" smtClean="0"/>
+                  <a:t> </a:t>
+                </a:r>
+                <a:r>
+                  <a:rPr lang="en-US" altLang="zh-CN" sz="2000" dirty="0" smtClean="0"/>
                   <a:t>p</a:t>
                 </a:r>
                 <a:r>
-                  <a:rPr lang="zh-CN" altLang="en-US" dirty="0" smtClean="0"/>
-                  <a:t> </a:t>
-                </a:r>
-                <a:r>
-                  <a:rPr lang="en-US" altLang="zh-CN" dirty="0" smtClean="0"/>
+                  <a:rPr lang="zh-CN" altLang="en-US" sz="2000" dirty="0" smtClean="0"/>
+                  <a:t> </a:t>
+                </a:r>
+                <a:r>
+                  <a:rPr lang="en-US" altLang="zh-CN" sz="2000" dirty="0" smtClean="0"/>
                   <a:t>and</a:t>
                 </a:r>
                 <a:r>
-                  <a:rPr lang="zh-CN" altLang="en-US" dirty="0" smtClean="0"/>
-                  <a:t> </a:t>
-                </a:r>
-                <a:r>
-                  <a:rPr lang="en-US" altLang="zh-CN" dirty="0" smtClean="0"/>
+                  <a:rPr lang="zh-CN" altLang="en-US" sz="2000" dirty="0" smtClean="0"/>
+                  <a:t> </a:t>
+                </a:r>
+                <a:r>
+                  <a:rPr lang="en-US" altLang="zh-CN" sz="2000" dirty="0" smtClean="0"/>
                   <a:t>q</a:t>
                 </a:r>
                 <a:r>
-                  <a:rPr lang="zh-CN" altLang="en-US" dirty="0" smtClean="0"/>
-                  <a:t> </a:t>
-                </a:r>
-                <a:r>
-                  <a:rPr lang="en-US" altLang="zh-CN" dirty="0" smtClean="0"/>
+                  <a:rPr lang="zh-CN" altLang="en-US" sz="2000" dirty="0" smtClean="0"/>
+                  <a:t> </a:t>
+                </a:r>
+                <a:r>
+                  <a:rPr lang="en-US" altLang="zh-CN" sz="2000" dirty="0" smtClean="0"/>
                   <a:t>are</a:t>
                 </a:r>
                 <a:r>
-                  <a:rPr lang="zh-CN" altLang="en-US" dirty="0" smtClean="0"/>
-                  <a:t> </a:t>
-                </a:r>
-                <a:r>
-                  <a:rPr lang="en-US" altLang="zh-CN" dirty="0" smtClean="0"/>
+                  <a:rPr lang="zh-CN" altLang="en-US" sz="2000" dirty="0" smtClean="0"/>
+                  <a:t> </a:t>
+                </a:r>
+                <a:r>
+                  <a:rPr lang="en-US" altLang="zh-CN" sz="2000" dirty="0" smtClean="0"/>
                   <a:t>inner</a:t>
                 </a:r>
                 <a:r>
-                  <a:rPr lang="zh-CN" altLang="en-US" dirty="0" smtClean="0"/>
-                  <a:t> </a:t>
-                </a:r>
-                <a:r>
-                  <a:rPr lang="en-US" altLang="zh-CN" dirty="0" smtClean="0"/>
+                  <a:rPr lang="zh-CN" altLang="en-US" sz="2000" dirty="0" smtClean="0"/>
+                  <a:t> </a:t>
+                </a:r>
+                <a:r>
+                  <a:rPr lang="en-US" altLang="zh-CN" sz="2000" dirty="0" smtClean="0"/>
                   <a:t>pins,</a:t>
                 </a:r>
                 <a:r>
-                  <a:rPr lang="zh-CN" altLang="en-US" dirty="0" smtClean="0"/>
-                  <a:t> </a:t>
-                </a:r>
-                <a:r>
-                  <a:rPr lang="en-US" altLang="zh-CN" dirty="0" smtClean="0"/>
+                  <a:rPr lang="zh-CN" altLang="en-US" sz="2000" dirty="0" smtClean="0"/>
+                  <a:t> </a:t>
+                </a:r>
+                <a:r>
+                  <a:rPr lang="en-US" altLang="zh-CN" sz="2000" dirty="0" smtClean="0"/>
                   <a:t>else</a:t>
                 </a:r>
                 <a:r>
-                  <a:rPr lang="zh-CN" altLang="en-US" dirty="0" smtClean="0"/>
-                  <a:t> </a:t>
-                </a:r>
-                <a:r>
-                  <a:rPr lang="en-US" altLang="zh-CN" dirty="0" smtClean="0"/>
+                  <a:rPr lang="zh-CN" altLang="en-US" sz="2000" dirty="0" smtClean="0"/>
+                  <a:t> </a:t>
+                </a:r>
+                <a:r>
+                  <a:rPr lang="en-US" altLang="zh-CN" sz="2000" dirty="0" smtClean="0"/>
                   <a:t>0</a:t>
                 </a:r>
               </a:p>
@@ -11728,7 +11277,7 @@
             </p:txBody>
           </p:sp>
         </mc:Choice>
-        <mc:Fallback xmlns="">
+        <mc:Fallback>
           <p:sp>
             <p:nvSpPr>
               <p:cNvPr id="3" name="内容占位符 2"/>
@@ -11747,7 +11296,7 @@
               <a:blipFill rotWithShape="0">
                 <a:blip r:embed="rId2"/>
                 <a:stretch>
-                  <a:fillRect l="-294" t="-928"/>
+                  <a:fillRect l="-294" t="-928" r="-588"/>
                 </a:stretch>
               </a:blipFill>
             </p:spPr>

--- a/doc/TPL.pptx
+++ b/doc/TPL.pptx
@@ -4,23 +4,29 @@
   <p:sldMasterIdLst>
     <p:sldMasterId id="2147483732" r:id="rId1"/>
   </p:sldMasterIdLst>
+  <p:notesMasterIdLst>
+    <p:notesMasterId r:id="rId21"/>
+  </p:notesMasterIdLst>
   <p:sldIdLst>
     <p:sldId id="256" r:id="rId2"/>
     <p:sldId id="284" r:id="rId3"/>
     <p:sldId id="283" r:id="rId4"/>
     <p:sldId id="286" r:id="rId5"/>
     <p:sldId id="291" r:id="rId6"/>
-    <p:sldId id="285" r:id="rId7"/>
+    <p:sldId id="303" r:id="rId7"/>
     <p:sldId id="287" r:id="rId8"/>
     <p:sldId id="292" r:id="rId9"/>
-    <p:sldId id="293" r:id="rId10"/>
-    <p:sldId id="288" r:id="rId11"/>
-    <p:sldId id="295" r:id="rId12"/>
-    <p:sldId id="289" r:id="rId13"/>
-    <p:sldId id="296" r:id="rId14"/>
-    <p:sldId id="297" r:id="rId15"/>
-    <p:sldId id="298" r:id="rId16"/>
-    <p:sldId id="299" r:id="rId17"/>
+    <p:sldId id="304" r:id="rId10"/>
+    <p:sldId id="293" r:id="rId11"/>
+    <p:sldId id="288" r:id="rId12"/>
+    <p:sldId id="295" r:id="rId13"/>
+    <p:sldId id="305" r:id="rId14"/>
+    <p:sldId id="302" r:id="rId15"/>
+    <p:sldId id="306" r:id="rId16"/>
+    <p:sldId id="296" r:id="rId17"/>
+    <p:sldId id="297" r:id="rId18"/>
+    <p:sldId id="298" r:id="rId19"/>
+    <p:sldId id="299" r:id="rId20"/>
   </p:sldIdLst>
   <p:sldSz cx="9144000" cy="6858000" type="screen4x3"/>
   <p:notesSz cx="6858000" cy="9144000"/>
@@ -133,25 +139,36 @@
             <p14:sldId id="283"/>
           </p14:sldIdLst>
         </p14:section>
-        <p14:section name="Net Force模型的计算" id="{8F20A7D3-8352-4D6A-B549-EF21700DF02A}">
+        <p14:section name="线网模型bound2bound model" id="{8F20A7D3-8352-4D6A-B549-EF21700DF02A}">
           <p14:sldIdLst>
             <p14:sldId id="286"/>
             <p14:sldId id="291"/>
-            <p14:sldId id="285"/>
+            <p14:sldId id="303"/>
+          </p14:sldIdLst>
+        </p14:section>
+        <p14:section name="线网力" id="{A1E1477C-CAD5-1146-86AE-7DEDBD2050D2}">
+          <p14:sldIdLst>
             <p14:sldId id="287"/>
             <p14:sldId id="292"/>
+            <p14:sldId id="304"/>
           </p14:sldIdLst>
         </p14:section>
-        <p14:section name="Move Force模型的计算" id="{6ED4196B-69CE-4CB5-BA67-0015E755197A}">
+        <p14:section name="热模型" id="{6ED4196B-69CE-4CB5-BA67-0015E755197A}">
           <p14:sldIdLst>
             <p14:sldId id="293"/>
             <p14:sldId id="288"/>
             <p14:sldId id="295"/>
           </p14:sldIdLst>
         </p14:section>
-        <p14:section name="布局流程" id="{17C8AC07-E6D6-43A0-8009-C902249914D1}">
+        <p14:section name="移动力" id="{B25982C2-904A-2E41-8E78-4DB74DED2493}">
           <p14:sldIdLst>
-            <p14:sldId id="289"/>
+            <p14:sldId id="305"/>
+          </p14:sldIdLst>
+        </p14:section>
+        <p14:section name="初始化、更新和质量控制" id="{E7FDC367-DD8A-CB46-AB99-D6FB7948DE97}">
+          <p14:sldIdLst>
+            <p14:sldId id="302"/>
+            <p14:sldId id="306"/>
           </p14:sldIdLst>
         </p14:section>
         <p14:section name="实现技术" id="{4565E59B-C568-4DED-AE85-96369FE8BBFF}">
@@ -180,6 +197,696 @@
     </p:ext>
   </p:extLst>
 </p:presentation>
+</file>
+
+<file path=ppt/notesMasters/notesMaster1.xml><?xml version="1.0" encoding="utf-8"?>
+<p:notesMaster xmlns:a="http://schemas.openxmlformats.org/drawingml/2006/main" xmlns:r="http://schemas.openxmlformats.org/officeDocument/2006/relationships" xmlns:p="http://schemas.openxmlformats.org/presentationml/2006/main">
+  <p:cSld>
+    <p:bg>
+      <p:bgRef idx="1001">
+        <a:schemeClr val="bg1"/>
+      </p:bgRef>
+    </p:bg>
+    <p:spTree>
+      <p:nvGrpSpPr>
+        <p:cNvPr id="1" name=""/>
+        <p:cNvGrpSpPr/>
+        <p:nvPr/>
+      </p:nvGrpSpPr>
+      <p:grpSpPr>
+        <a:xfrm>
+          <a:off x="0" y="0"/>
+          <a:ext cx="0" cy="0"/>
+          <a:chOff x="0" y="0"/>
+          <a:chExt cx="0" cy="0"/>
+        </a:xfrm>
+      </p:grpSpPr>
+      <p:sp>
+        <p:nvSpPr>
+          <p:cNvPr id="2" name="页眉占位符 1"/>
+          <p:cNvSpPr>
+            <a:spLocks noGrp="1"/>
+          </p:cNvSpPr>
+          <p:nvPr>
+            <p:ph type="hdr" sz="quarter"/>
+          </p:nvPr>
+        </p:nvSpPr>
+        <p:spPr>
+          <a:xfrm>
+            <a:off x="0" y="0"/>
+            <a:ext cx="2971800" cy="458788"/>
+          </a:xfrm>
+          <a:prstGeom prst="rect">
+            <a:avLst/>
+          </a:prstGeom>
+        </p:spPr>
+        <p:txBody>
+          <a:bodyPr vert="horz" lIns="91440" tIns="45720" rIns="91440" bIns="45720" rtlCol="0"/>
+          <a:lstStyle>
+            <a:lvl1pPr algn="l">
+              <a:defRPr sz="1200"/>
+            </a:lvl1pPr>
+          </a:lstStyle>
+          <a:p>
+            <a:endParaRPr kumimoji="1" lang="zh-CN" altLang="en-US"/>
+          </a:p>
+        </p:txBody>
+      </p:sp>
+      <p:sp>
+        <p:nvSpPr>
+          <p:cNvPr id="3" name="日期占位符 2"/>
+          <p:cNvSpPr>
+            <a:spLocks noGrp="1"/>
+          </p:cNvSpPr>
+          <p:nvPr>
+            <p:ph type="dt" idx="1"/>
+          </p:nvPr>
+        </p:nvSpPr>
+        <p:spPr>
+          <a:xfrm>
+            <a:off x="3884613" y="0"/>
+            <a:ext cx="2971800" cy="458788"/>
+          </a:xfrm>
+          <a:prstGeom prst="rect">
+            <a:avLst/>
+          </a:prstGeom>
+        </p:spPr>
+        <p:txBody>
+          <a:bodyPr vert="horz" lIns="91440" tIns="45720" rIns="91440" bIns="45720" rtlCol="0"/>
+          <a:lstStyle>
+            <a:lvl1pPr algn="r">
+              <a:defRPr sz="1200"/>
+            </a:lvl1pPr>
+          </a:lstStyle>
+          <a:p>
+            <a:fld id="{24D00263-6020-9246-B37C-F59D7395B9AF}" type="datetimeFigureOut">
+              <a:rPr kumimoji="1" lang="zh-CN" altLang="en-US" smtClean="0"/>
+              <a:t>16/3/9</a:t>
+            </a:fld>
+            <a:endParaRPr kumimoji="1" lang="zh-CN" altLang="en-US"/>
+          </a:p>
+        </p:txBody>
+      </p:sp>
+      <p:sp>
+        <p:nvSpPr>
+          <p:cNvPr id="4" name="幻灯片图像占位符 3"/>
+          <p:cNvSpPr>
+            <a:spLocks noGrp="1" noRot="1" noChangeAspect="1"/>
+          </p:cNvSpPr>
+          <p:nvPr>
+            <p:ph type="sldImg" idx="2"/>
+          </p:nvPr>
+        </p:nvSpPr>
+        <p:spPr>
+          <a:xfrm>
+            <a:off x="1371600" y="1143000"/>
+            <a:ext cx="4114800" cy="3086100"/>
+          </a:xfrm>
+          <a:prstGeom prst="rect">
+            <a:avLst/>
+          </a:prstGeom>
+          <a:noFill/>
+          <a:ln w="12700">
+            <a:solidFill>
+              <a:prstClr val="black"/>
+            </a:solidFill>
+          </a:ln>
+        </p:spPr>
+        <p:txBody>
+          <a:bodyPr vert="horz" lIns="91440" tIns="45720" rIns="91440" bIns="45720" rtlCol="0" anchor="ctr"/>
+          <a:lstStyle/>
+          <a:p>
+            <a:endParaRPr lang="zh-CN" altLang="en-US"/>
+          </a:p>
+        </p:txBody>
+      </p:sp>
+      <p:sp>
+        <p:nvSpPr>
+          <p:cNvPr id="5" name="备注占位符 4"/>
+          <p:cNvSpPr>
+            <a:spLocks noGrp="1"/>
+          </p:cNvSpPr>
+          <p:nvPr>
+            <p:ph type="body" sz="quarter" idx="3"/>
+          </p:nvPr>
+        </p:nvSpPr>
+        <p:spPr>
+          <a:xfrm>
+            <a:off x="685800" y="4400550"/>
+            <a:ext cx="5486400" cy="3600450"/>
+          </a:xfrm>
+          <a:prstGeom prst="rect">
+            <a:avLst/>
+          </a:prstGeom>
+        </p:spPr>
+        <p:txBody>
+          <a:bodyPr vert="horz" lIns="91440" tIns="45720" rIns="91440" bIns="45720" rtlCol="0"/>
+          <a:lstStyle/>
+          <a:p>
+            <a:pPr lvl="0"/>
+            <a:r>
+              <a:rPr kumimoji="1" lang="zh-CN" altLang="en-US" smtClean="0"/>
+              <a:t>单击此处编辑母版文本样式</a:t>
+            </a:r>
+          </a:p>
+          <a:p>
+            <a:pPr lvl="1"/>
+            <a:r>
+              <a:rPr kumimoji="1" lang="zh-CN" altLang="en-US" smtClean="0"/>
+              <a:t>二级</a:t>
+            </a:r>
+          </a:p>
+          <a:p>
+            <a:pPr lvl="2"/>
+            <a:r>
+              <a:rPr kumimoji="1" lang="zh-CN" altLang="en-US" smtClean="0"/>
+              <a:t>三级</a:t>
+            </a:r>
+          </a:p>
+          <a:p>
+            <a:pPr lvl="3"/>
+            <a:r>
+              <a:rPr kumimoji="1" lang="zh-CN" altLang="en-US" smtClean="0"/>
+              <a:t>四级</a:t>
+            </a:r>
+          </a:p>
+          <a:p>
+            <a:pPr lvl="4"/>
+            <a:r>
+              <a:rPr kumimoji="1" lang="zh-CN" altLang="en-US" smtClean="0"/>
+              <a:t>五级</a:t>
+            </a:r>
+            <a:endParaRPr kumimoji="1" lang="zh-CN" altLang="en-US"/>
+          </a:p>
+        </p:txBody>
+      </p:sp>
+      <p:sp>
+        <p:nvSpPr>
+          <p:cNvPr id="6" name="页脚占位符 5"/>
+          <p:cNvSpPr>
+            <a:spLocks noGrp="1"/>
+          </p:cNvSpPr>
+          <p:nvPr>
+            <p:ph type="ftr" sz="quarter" idx="4"/>
+          </p:nvPr>
+        </p:nvSpPr>
+        <p:spPr>
+          <a:xfrm>
+            <a:off x="0" y="8685213"/>
+            <a:ext cx="2971800" cy="458787"/>
+          </a:xfrm>
+          <a:prstGeom prst="rect">
+            <a:avLst/>
+          </a:prstGeom>
+        </p:spPr>
+        <p:txBody>
+          <a:bodyPr vert="horz" lIns="91440" tIns="45720" rIns="91440" bIns="45720" rtlCol="0" anchor="b"/>
+          <a:lstStyle>
+            <a:lvl1pPr algn="l">
+              <a:defRPr sz="1200"/>
+            </a:lvl1pPr>
+          </a:lstStyle>
+          <a:p>
+            <a:endParaRPr kumimoji="1" lang="zh-CN" altLang="en-US"/>
+          </a:p>
+        </p:txBody>
+      </p:sp>
+      <p:sp>
+        <p:nvSpPr>
+          <p:cNvPr id="7" name="幻灯片编号占位符 6"/>
+          <p:cNvSpPr>
+            <a:spLocks noGrp="1"/>
+          </p:cNvSpPr>
+          <p:nvPr>
+            <p:ph type="sldNum" sz="quarter" idx="5"/>
+          </p:nvPr>
+        </p:nvSpPr>
+        <p:spPr>
+          <a:xfrm>
+            <a:off x="3884613" y="8685213"/>
+            <a:ext cx="2971800" cy="458787"/>
+          </a:xfrm>
+          <a:prstGeom prst="rect">
+            <a:avLst/>
+          </a:prstGeom>
+        </p:spPr>
+        <p:txBody>
+          <a:bodyPr vert="horz" lIns="91440" tIns="45720" rIns="91440" bIns="45720" rtlCol="0" anchor="b"/>
+          <a:lstStyle>
+            <a:lvl1pPr algn="r">
+              <a:defRPr sz="1200"/>
+            </a:lvl1pPr>
+          </a:lstStyle>
+          <a:p>
+            <a:fld id="{54A1AB64-D4AF-F94B-BE17-D16D11673CD4}" type="slidenum">
+              <a:rPr kumimoji="1" lang="zh-CN" altLang="en-US" smtClean="0"/>
+              <a:t>‹#›</a:t>
+            </a:fld>
+            <a:endParaRPr kumimoji="1" lang="zh-CN" altLang="en-US"/>
+          </a:p>
+        </p:txBody>
+      </p:sp>
+    </p:spTree>
+    <p:extLst>
+      <p:ext uri="{BB962C8B-B14F-4D97-AF65-F5344CB8AC3E}">
+        <p14:creationId xmlns:p14="http://schemas.microsoft.com/office/powerpoint/2010/main" val="1174585392"/>
+      </p:ext>
+    </p:extLst>
+  </p:cSld>
+  <p:clrMap bg1="lt1" tx1="dk1" bg2="lt2" tx2="dk2" accent1="accent1" accent2="accent2" accent3="accent3" accent4="accent4" accent5="accent5" accent6="accent6" hlink="hlink" folHlink="folHlink"/>
+  <p:notesStyle>
+    <a:lvl1pPr marL="0" algn="l" defTabSz="914400" rtl="0" eaLnBrk="1" latinLnBrk="0" hangingPunct="1">
+      <a:defRPr sz="1200" kern="1200">
+        <a:solidFill>
+          <a:schemeClr val="tx1"/>
+        </a:solidFill>
+        <a:latin typeface="+mn-lt"/>
+        <a:ea typeface="+mn-ea"/>
+        <a:cs typeface="+mn-cs"/>
+      </a:defRPr>
+    </a:lvl1pPr>
+    <a:lvl2pPr marL="457200" algn="l" defTabSz="914400" rtl="0" eaLnBrk="1" latinLnBrk="0" hangingPunct="1">
+      <a:defRPr sz="1200" kern="1200">
+        <a:solidFill>
+          <a:schemeClr val="tx1"/>
+        </a:solidFill>
+        <a:latin typeface="+mn-lt"/>
+        <a:ea typeface="+mn-ea"/>
+        <a:cs typeface="+mn-cs"/>
+      </a:defRPr>
+    </a:lvl2pPr>
+    <a:lvl3pPr marL="914400" algn="l" defTabSz="914400" rtl="0" eaLnBrk="1" latinLnBrk="0" hangingPunct="1">
+      <a:defRPr sz="1200" kern="1200">
+        <a:solidFill>
+          <a:schemeClr val="tx1"/>
+        </a:solidFill>
+        <a:latin typeface="+mn-lt"/>
+        <a:ea typeface="+mn-ea"/>
+        <a:cs typeface="+mn-cs"/>
+      </a:defRPr>
+    </a:lvl3pPr>
+    <a:lvl4pPr marL="1371600" algn="l" defTabSz="914400" rtl="0" eaLnBrk="1" latinLnBrk="0" hangingPunct="1">
+      <a:defRPr sz="1200" kern="1200">
+        <a:solidFill>
+          <a:schemeClr val="tx1"/>
+        </a:solidFill>
+        <a:latin typeface="+mn-lt"/>
+        <a:ea typeface="+mn-ea"/>
+        <a:cs typeface="+mn-cs"/>
+      </a:defRPr>
+    </a:lvl4pPr>
+    <a:lvl5pPr marL="1828800" algn="l" defTabSz="914400" rtl="0" eaLnBrk="1" latinLnBrk="0" hangingPunct="1">
+      <a:defRPr sz="1200" kern="1200">
+        <a:solidFill>
+          <a:schemeClr val="tx1"/>
+        </a:solidFill>
+        <a:latin typeface="+mn-lt"/>
+        <a:ea typeface="+mn-ea"/>
+        <a:cs typeface="+mn-cs"/>
+      </a:defRPr>
+    </a:lvl5pPr>
+    <a:lvl6pPr marL="2286000" algn="l" defTabSz="914400" rtl="0" eaLnBrk="1" latinLnBrk="0" hangingPunct="1">
+      <a:defRPr sz="1200" kern="1200">
+        <a:solidFill>
+          <a:schemeClr val="tx1"/>
+        </a:solidFill>
+        <a:latin typeface="+mn-lt"/>
+        <a:ea typeface="+mn-ea"/>
+        <a:cs typeface="+mn-cs"/>
+      </a:defRPr>
+    </a:lvl6pPr>
+    <a:lvl7pPr marL="2743200" algn="l" defTabSz="914400" rtl="0" eaLnBrk="1" latinLnBrk="0" hangingPunct="1">
+      <a:defRPr sz="1200" kern="1200">
+        <a:solidFill>
+          <a:schemeClr val="tx1"/>
+        </a:solidFill>
+        <a:latin typeface="+mn-lt"/>
+        <a:ea typeface="+mn-ea"/>
+        <a:cs typeface="+mn-cs"/>
+      </a:defRPr>
+    </a:lvl7pPr>
+    <a:lvl8pPr marL="3200400" algn="l" defTabSz="914400" rtl="0" eaLnBrk="1" latinLnBrk="0" hangingPunct="1">
+      <a:defRPr sz="1200" kern="1200">
+        <a:solidFill>
+          <a:schemeClr val="tx1"/>
+        </a:solidFill>
+        <a:latin typeface="+mn-lt"/>
+        <a:ea typeface="+mn-ea"/>
+        <a:cs typeface="+mn-cs"/>
+      </a:defRPr>
+    </a:lvl8pPr>
+    <a:lvl9pPr marL="3657600" algn="l" defTabSz="914400" rtl="0" eaLnBrk="1" latinLnBrk="0" hangingPunct="1">
+      <a:defRPr sz="1200" kern="1200">
+        <a:solidFill>
+          <a:schemeClr val="tx1"/>
+        </a:solidFill>
+        <a:latin typeface="+mn-lt"/>
+        <a:ea typeface="+mn-ea"/>
+        <a:cs typeface="+mn-cs"/>
+      </a:defRPr>
+    </a:lvl9pPr>
+  </p:notesStyle>
+</p:notesMaster>
+</file>
+
+<file path=ppt/notesSlides/notesSlide1.xml><?xml version="1.0" encoding="utf-8"?>
+<p:notes xmlns:a="http://schemas.openxmlformats.org/drawingml/2006/main" xmlns:r="http://schemas.openxmlformats.org/officeDocument/2006/relationships" xmlns:p="http://schemas.openxmlformats.org/presentationml/2006/main">
+  <p:cSld>
+    <p:spTree>
+      <p:nvGrpSpPr>
+        <p:cNvPr id="1" name=""/>
+        <p:cNvGrpSpPr/>
+        <p:nvPr/>
+      </p:nvGrpSpPr>
+      <p:grpSpPr>
+        <a:xfrm>
+          <a:off x="0" y="0"/>
+          <a:ext cx="0" cy="0"/>
+          <a:chOff x="0" y="0"/>
+          <a:chExt cx="0" cy="0"/>
+        </a:xfrm>
+      </p:grpSpPr>
+      <p:sp>
+        <p:nvSpPr>
+          <p:cNvPr id="2" name="幻灯片图像占位符 1"/>
+          <p:cNvSpPr>
+            <a:spLocks noGrp="1" noRot="1" noChangeAspect="1"/>
+          </p:cNvSpPr>
+          <p:nvPr>
+            <p:ph type="sldImg"/>
+          </p:nvPr>
+        </p:nvSpPr>
+        <p:spPr/>
+      </p:sp>
+      <p:sp>
+        <p:nvSpPr>
+          <p:cNvPr id="3" name="备注占位符 2"/>
+          <p:cNvSpPr>
+            <a:spLocks noGrp="1"/>
+          </p:cNvSpPr>
+          <p:nvPr>
+            <p:ph type="body" idx="1"/>
+          </p:nvPr>
+        </p:nvSpPr>
+        <p:spPr/>
+        <p:txBody>
+          <a:bodyPr/>
+          <a:lstStyle/>
+          <a:p>
+            <a:r>
+              <a:rPr kumimoji="1" lang="zh-CN" altLang="en-US" dirty="0" smtClean="0"/>
+              <a:t>加个图</a:t>
+            </a:r>
+            <a:endParaRPr kumimoji="1" lang="zh-CN" altLang="en-US" dirty="0"/>
+          </a:p>
+        </p:txBody>
+      </p:sp>
+      <p:sp>
+        <p:nvSpPr>
+          <p:cNvPr id="4" name="幻灯片编号占位符 3"/>
+          <p:cNvSpPr>
+            <a:spLocks noGrp="1"/>
+          </p:cNvSpPr>
+          <p:nvPr>
+            <p:ph type="sldNum" sz="quarter" idx="10"/>
+          </p:nvPr>
+        </p:nvSpPr>
+        <p:spPr/>
+        <p:txBody>
+          <a:bodyPr/>
+          <a:lstStyle/>
+          <a:p>
+            <a:fld id="{54A1AB64-D4AF-F94B-BE17-D16D11673CD4}" type="slidenum">
+              <a:rPr kumimoji="1" lang="zh-CN" altLang="en-US" smtClean="0"/>
+              <a:t>2</a:t>
+            </a:fld>
+            <a:endParaRPr kumimoji="1" lang="zh-CN" altLang="en-US"/>
+          </a:p>
+        </p:txBody>
+      </p:sp>
+    </p:spTree>
+    <p:extLst>
+      <p:ext uri="{BB962C8B-B14F-4D97-AF65-F5344CB8AC3E}">
+        <p14:creationId xmlns:p14="http://schemas.microsoft.com/office/powerpoint/2010/main" val="1587000120"/>
+      </p:ext>
+    </p:extLst>
+  </p:cSld>
+  <p:clrMapOvr>
+    <a:masterClrMapping/>
+  </p:clrMapOvr>
+</p:notes>
+</file>
+
+<file path=ppt/notesSlides/notesSlide2.xml><?xml version="1.0" encoding="utf-8"?>
+<p:notes xmlns:a="http://schemas.openxmlformats.org/drawingml/2006/main" xmlns:r="http://schemas.openxmlformats.org/officeDocument/2006/relationships" xmlns:p="http://schemas.openxmlformats.org/presentationml/2006/main">
+  <p:cSld>
+    <p:spTree>
+      <p:nvGrpSpPr>
+        <p:cNvPr id="1" name=""/>
+        <p:cNvGrpSpPr/>
+        <p:nvPr/>
+      </p:nvGrpSpPr>
+      <p:grpSpPr>
+        <a:xfrm>
+          <a:off x="0" y="0"/>
+          <a:ext cx="0" cy="0"/>
+          <a:chOff x="0" y="0"/>
+          <a:chExt cx="0" cy="0"/>
+        </a:xfrm>
+      </p:grpSpPr>
+      <p:sp>
+        <p:nvSpPr>
+          <p:cNvPr id="2" name="幻灯片图像占位符 1"/>
+          <p:cNvSpPr>
+            <a:spLocks noGrp="1" noRot="1" noChangeAspect="1"/>
+          </p:cNvSpPr>
+          <p:nvPr>
+            <p:ph type="sldImg"/>
+          </p:nvPr>
+        </p:nvSpPr>
+        <p:spPr/>
+      </p:sp>
+      <p:sp>
+        <p:nvSpPr>
+          <p:cNvPr id="3" name="备注占位符 2"/>
+          <p:cNvSpPr>
+            <a:spLocks noGrp="1"/>
+          </p:cNvSpPr>
+          <p:nvPr>
+            <p:ph type="body" idx="1"/>
+          </p:nvPr>
+        </p:nvSpPr>
+        <p:spPr/>
+        <p:txBody>
+          <a:bodyPr/>
+          <a:lstStyle/>
+          <a:p>
+            <a:endParaRPr kumimoji="1" lang="zh-CN" altLang="en-US" dirty="0"/>
+          </a:p>
+        </p:txBody>
+      </p:sp>
+      <p:sp>
+        <p:nvSpPr>
+          <p:cNvPr id="4" name="幻灯片编号占位符 3"/>
+          <p:cNvSpPr>
+            <a:spLocks noGrp="1"/>
+          </p:cNvSpPr>
+          <p:nvPr>
+            <p:ph type="sldNum" sz="quarter" idx="10"/>
+          </p:nvPr>
+        </p:nvSpPr>
+        <p:spPr/>
+        <p:txBody>
+          <a:bodyPr/>
+          <a:lstStyle/>
+          <a:p>
+            <a:fld id="{54A1AB64-D4AF-F94B-BE17-D16D11673CD4}" type="slidenum">
+              <a:rPr kumimoji="1" lang="zh-CN" altLang="en-US" smtClean="0"/>
+              <a:t>8</a:t>
+            </a:fld>
+            <a:endParaRPr kumimoji="1" lang="zh-CN" altLang="en-US"/>
+          </a:p>
+        </p:txBody>
+      </p:sp>
+    </p:spTree>
+    <p:extLst>
+      <p:ext uri="{BB962C8B-B14F-4D97-AF65-F5344CB8AC3E}">
+        <p14:creationId xmlns:p14="http://schemas.microsoft.com/office/powerpoint/2010/main" val="484444891"/>
+      </p:ext>
+    </p:extLst>
+  </p:cSld>
+  <p:clrMapOvr>
+    <a:masterClrMapping/>
+  </p:clrMapOvr>
+</p:notes>
+</file>
+
+<file path=ppt/notesSlides/notesSlide3.xml><?xml version="1.0" encoding="utf-8"?>
+<p:notes xmlns:a="http://schemas.openxmlformats.org/drawingml/2006/main" xmlns:r="http://schemas.openxmlformats.org/officeDocument/2006/relationships" xmlns:p="http://schemas.openxmlformats.org/presentationml/2006/main">
+  <p:cSld>
+    <p:spTree>
+      <p:nvGrpSpPr>
+        <p:cNvPr id="1" name=""/>
+        <p:cNvGrpSpPr/>
+        <p:nvPr/>
+      </p:nvGrpSpPr>
+      <p:grpSpPr>
+        <a:xfrm>
+          <a:off x="0" y="0"/>
+          <a:ext cx="0" cy="0"/>
+          <a:chOff x="0" y="0"/>
+          <a:chExt cx="0" cy="0"/>
+        </a:xfrm>
+      </p:grpSpPr>
+      <p:sp>
+        <p:nvSpPr>
+          <p:cNvPr id="2" name="幻灯片图像占位符 1"/>
+          <p:cNvSpPr>
+            <a:spLocks noGrp="1" noRot="1" noChangeAspect="1"/>
+          </p:cNvSpPr>
+          <p:nvPr>
+            <p:ph type="sldImg"/>
+          </p:nvPr>
+        </p:nvSpPr>
+        <p:spPr/>
+      </p:sp>
+      <p:sp>
+        <p:nvSpPr>
+          <p:cNvPr id="3" name="备注占位符 2"/>
+          <p:cNvSpPr>
+            <a:spLocks noGrp="1"/>
+          </p:cNvSpPr>
+          <p:nvPr>
+            <p:ph type="body" idx="1"/>
+          </p:nvPr>
+        </p:nvSpPr>
+        <p:spPr/>
+        <p:txBody>
+          <a:bodyPr/>
+          <a:lstStyle/>
+          <a:p>
+            <a:endParaRPr kumimoji="1" lang="zh-CN" altLang="en-US" dirty="0"/>
+          </a:p>
+        </p:txBody>
+      </p:sp>
+      <p:sp>
+        <p:nvSpPr>
+          <p:cNvPr id="4" name="幻灯片编号占位符 3"/>
+          <p:cNvSpPr>
+            <a:spLocks noGrp="1"/>
+          </p:cNvSpPr>
+          <p:nvPr>
+            <p:ph type="sldNum" sz="quarter" idx="10"/>
+          </p:nvPr>
+        </p:nvSpPr>
+        <p:spPr/>
+        <p:txBody>
+          <a:bodyPr/>
+          <a:lstStyle/>
+          <a:p>
+            <a:fld id="{54A1AB64-D4AF-F94B-BE17-D16D11673CD4}" type="slidenum">
+              <a:rPr kumimoji="1" lang="zh-CN" altLang="en-US" smtClean="0"/>
+              <a:t>12</a:t>
+            </a:fld>
+            <a:endParaRPr kumimoji="1" lang="zh-CN" altLang="en-US"/>
+          </a:p>
+        </p:txBody>
+      </p:sp>
+    </p:spTree>
+    <p:extLst>
+      <p:ext uri="{BB962C8B-B14F-4D97-AF65-F5344CB8AC3E}">
+        <p14:creationId xmlns:p14="http://schemas.microsoft.com/office/powerpoint/2010/main" val="1006902432"/>
+      </p:ext>
+    </p:extLst>
+  </p:cSld>
+  <p:clrMapOvr>
+    <a:masterClrMapping/>
+  </p:clrMapOvr>
+</p:notes>
+</file>
+
+<file path=ppt/notesSlides/notesSlide4.xml><?xml version="1.0" encoding="utf-8"?>
+<p:notes xmlns:a="http://schemas.openxmlformats.org/drawingml/2006/main" xmlns:r="http://schemas.openxmlformats.org/officeDocument/2006/relationships" xmlns:p="http://schemas.openxmlformats.org/presentationml/2006/main">
+  <p:cSld>
+    <p:spTree>
+      <p:nvGrpSpPr>
+        <p:cNvPr id="1" name=""/>
+        <p:cNvGrpSpPr/>
+        <p:nvPr/>
+      </p:nvGrpSpPr>
+      <p:grpSpPr>
+        <a:xfrm>
+          <a:off x="0" y="0"/>
+          <a:ext cx="0" cy="0"/>
+          <a:chOff x="0" y="0"/>
+          <a:chExt cx="0" cy="0"/>
+        </a:xfrm>
+      </p:grpSpPr>
+      <p:sp>
+        <p:nvSpPr>
+          <p:cNvPr id="2" name="幻灯片图像占位符 1"/>
+          <p:cNvSpPr>
+            <a:spLocks noGrp="1" noRot="1" noChangeAspect="1"/>
+          </p:cNvSpPr>
+          <p:nvPr>
+            <p:ph type="sldImg"/>
+          </p:nvPr>
+        </p:nvSpPr>
+        <p:spPr/>
+      </p:sp>
+      <p:sp>
+        <p:nvSpPr>
+          <p:cNvPr id="3" name="备注占位符 2"/>
+          <p:cNvSpPr>
+            <a:spLocks noGrp="1"/>
+          </p:cNvSpPr>
+          <p:nvPr>
+            <p:ph type="body" idx="1"/>
+          </p:nvPr>
+        </p:nvSpPr>
+        <p:spPr/>
+        <p:txBody>
+          <a:bodyPr/>
+          <a:lstStyle/>
+          <a:p>
+            <a:endParaRPr kumimoji="1" lang="zh-CN" altLang="en-US" dirty="0"/>
+          </a:p>
+        </p:txBody>
+      </p:sp>
+      <p:sp>
+        <p:nvSpPr>
+          <p:cNvPr id="4" name="幻灯片编号占位符 3"/>
+          <p:cNvSpPr>
+            <a:spLocks noGrp="1"/>
+          </p:cNvSpPr>
+          <p:nvPr>
+            <p:ph type="sldNum" sz="quarter" idx="10"/>
+          </p:nvPr>
+        </p:nvSpPr>
+        <p:spPr/>
+        <p:txBody>
+          <a:bodyPr/>
+          <a:lstStyle/>
+          <a:p>
+            <a:fld id="{54A1AB64-D4AF-F94B-BE17-D16D11673CD4}" type="slidenum">
+              <a:rPr kumimoji="1" lang="zh-CN" altLang="en-US" smtClean="0"/>
+              <a:t>13</a:t>
+            </a:fld>
+            <a:endParaRPr kumimoji="1" lang="zh-CN" altLang="en-US"/>
+          </a:p>
+        </p:txBody>
+      </p:sp>
+    </p:spTree>
+    <p:extLst>
+      <p:ext uri="{BB962C8B-B14F-4D97-AF65-F5344CB8AC3E}">
+        <p14:creationId xmlns:p14="http://schemas.microsoft.com/office/powerpoint/2010/main" val="791188660"/>
+      </p:ext>
+    </p:extLst>
+  </p:cSld>
+  <p:clrMapOvr>
+    <a:masterClrMapping/>
+  </p:clrMapOvr>
+</p:notes>
 </file>
 
 <file path=ppt/slideLayouts/slideLayout1.xml><?xml version="1.0" encoding="utf-8"?>
@@ -319,7 +1026,7 @@
           <a:p>
             <a:fld id="{530820CF-B880-4189-942D-D702A7CBA730}" type="datetimeFigureOut">
               <a:rPr lang="zh-CN" altLang="en-US" smtClean="0"/>
-              <a:t>16/3/8</a:t>
+              <a:t>16/3/9</a:t>
             </a:fld>
             <a:endParaRPr lang="zh-CN" altLang="en-US"/>
           </a:p>
@@ -1188,7 +1895,7 @@
           <a:p>
             <a:fld id="{530820CF-B880-4189-942D-D702A7CBA730}" type="datetimeFigureOut">
               <a:rPr lang="zh-CN" altLang="en-US" smtClean="0"/>
-              <a:t>16/3/8</a:t>
+              <a:t>16/3/9</a:t>
             </a:fld>
             <a:endParaRPr lang="zh-CN" altLang="en-US"/>
           </a:p>
@@ -1363,7 +2070,7 @@
           <a:p>
             <a:fld id="{530820CF-B880-4189-942D-D702A7CBA730}" type="datetimeFigureOut">
               <a:rPr lang="zh-CN" altLang="en-US" smtClean="0"/>
-              <a:t>16/3/8</a:t>
+              <a:t>16/3/9</a:t>
             </a:fld>
             <a:endParaRPr lang="zh-CN" altLang="en-US"/>
           </a:p>
@@ -1533,7 +2240,7 @@
           <a:p>
             <a:fld id="{530820CF-B880-4189-942D-D702A7CBA730}" type="datetimeFigureOut">
               <a:rPr lang="zh-CN" altLang="en-US" smtClean="0"/>
-              <a:t>16/3/8</a:t>
+              <a:t>16/3/9</a:t>
             </a:fld>
             <a:endParaRPr lang="zh-CN" altLang="en-US"/>
           </a:p>
@@ -1743,7 +2450,7 @@
           <a:p>
             <a:fld id="{530820CF-B880-4189-942D-D702A7CBA730}" type="datetimeFigureOut">
               <a:rPr lang="zh-CN" altLang="en-US" smtClean="0"/>
-              <a:t>16/3/8</a:t>
+              <a:t>16/3/9</a:t>
             </a:fld>
             <a:endParaRPr lang="zh-CN" altLang="en-US"/>
           </a:p>
@@ -2557,7 +3264,7 @@
           <a:p>
             <a:fld id="{530820CF-B880-4189-942D-D702A7CBA730}" type="datetimeFigureOut">
               <a:rPr lang="zh-CN" altLang="en-US" smtClean="0"/>
-              <a:t>16/3/8</a:t>
+              <a:t>16/3/9</a:t>
             </a:fld>
             <a:endParaRPr lang="zh-CN" altLang="en-US"/>
           </a:p>
@@ -2793,7 +3500,7 @@
           <a:p>
             <a:fld id="{530820CF-B880-4189-942D-D702A7CBA730}" type="datetimeFigureOut">
               <a:rPr lang="zh-CN" altLang="en-US" smtClean="0"/>
-              <a:t>16/3/8</a:t>
+              <a:t>16/3/9</a:t>
             </a:fld>
             <a:endParaRPr lang="zh-CN" altLang="en-US"/>
           </a:p>
@@ -3116,7 +3823,7 @@
           <a:p>
             <a:fld id="{530820CF-B880-4189-942D-D702A7CBA730}" type="datetimeFigureOut">
               <a:rPr lang="zh-CN" altLang="en-US" smtClean="0"/>
-              <a:t>16/3/8</a:t>
+              <a:t>16/3/9</a:t>
             </a:fld>
             <a:endParaRPr lang="zh-CN" altLang="en-US"/>
           </a:p>
@@ -3206,7 +3913,7 @@
           <a:p>
             <a:fld id="{530820CF-B880-4189-942D-D702A7CBA730}" type="datetimeFigureOut">
               <a:rPr lang="zh-CN" altLang="en-US" smtClean="0"/>
-              <a:t>16/3/8</a:t>
+              <a:t>16/3/9</a:t>
             </a:fld>
             <a:endParaRPr lang="zh-CN" altLang="en-US"/>
           </a:p>
@@ -3723,7 +4430,7 @@
           <a:p>
             <a:fld id="{530820CF-B880-4189-942D-D702A7CBA730}" type="datetimeFigureOut">
               <a:rPr lang="zh-CN" altLang="en-US" smtClean="0"/>
-              <a:t>16/3/8</a:t>
+              <a:t>16/3/9</a:t>
             </a:fld>
             <a:endParaRPr lang="zh-CN" altLang="en-US"/>
           </a:p>
@@ -4234,7 +4941,7 @@
           <a:p>
             <a:fld id="{530820CF-B880-4189-942D-D702A7CBA730}" type="datetimeFigureOut">
               <a:rPr lang="zh-CN" altLang="en-US" smtClean="0"/>
-              <a:t>16/3/8</a:t>
+              <a:t>16/3/9</a:t>
             </a:fld>
             <a:endParaRPr lang="zh-CN" altLang="en-US"/>
           </a:p>
@@ -4479,7 +5186,7 @@
           <a:p>
             <a:fld id="{530820CF-B880-4189-942D-D702A7CBA730}" type="datetimeFigureOut">
               <a:rPr lang="zh-CN" altLang="en-US" smtClean="0"/>
-              <a:t>16/3/8</a:t>
+              <a:t>16/3/9</a:t>
             </a:fld>
             <a:endParaRPr lang="zh-CN" altLang="en-US"/>
           </a:p>
@@ -5186,7 +5893,693 @@
           <a:p>
             <a:r>
               <a:rPr lang="zh-CN" altLang="en-US" sz="3200" dirty="0" smtClean="0"/>
-              <a:t>移动力的计算</a:t>
+              <a:t>热分布模型</a:t>
+            </a:r>
+            <a:endParaRPr lang="zh-CN" altLang="en-US" sz="3200" dirty="0"/>
+          </a:p>
+        </p:txBody>
+      </p:sp>
+      <mc:AlternateContent xmlns:mc="http://schemas.openxmlformats.org/markup-compatibility/2006" xmlns:a14="http://schemas.microsoft.com/office/drawing/2010/main">
+        <mc:Choice Requires="a14">
+          <p:sp>
+            <p:nvSpPr>
+              <p:cNvPr id="3" name="内容占位符 2"/>
+              <p:cNvSpPr>
+                <a:spLocks noGrp="1"/>
+              </p:cNvSpPr>
+              <p:nvPr>
+                <p:ph sz="quarter" idx="1"/>
+              </p:nvPr>
+            </p:nvSpPr>
+            <p:spPr>
+              <a:xfrm>
+                <a:off x="457200" y="1600200"/>
+                <a:ext cx="8003232" cy="4873752"/>
+              </a:xfrm>
+            </p:spPr>
+            <p:txBody>
+              <a:bodyPr/>
+              <a:lstStyle/>
+              <a:p>
+                <a:r>
+                  <a:rPr lang="zh-CN" altLang="en-US" dirty="0" smtClean="0"/>
+                  <a:t>计算热量分布</a:t>
+                </a:r>
+                <a:endParaRPr lang="en-US" altLang="zh-CN" dirty="0" smtClean="0"/>
+              </a:p>
+              <a:p>
+                <a:r>
+                  <a:rPr lang="zh-CN" altLang="en-US" dirty="0" smtClean="0"/>
+                  <a:t>根据热传导定理</a:t>
+                </a:r>
+                <a:endParaRPr lang="en-US" altLang="zh-CN" dirty="0" smtClean="0"/>
+              </a:p>
+              <a:p>
+                <a:endParaRPr lang="en-US" altLang="zh-CN" dirty="0" smtClean="0"/>
+              </a:p>
+              <a:p>
+                <a:endParaRPr lang="en-US" altLang="zh-CN" dirty="0"/>
+              </a:p>
+              <a:p>
+                <a:r>
+                  <a:rPr lang="zh-CN" altLang="en-US" dirty="0" smtClean="0"/>
+                  <a:t>稳定时</a:t>
+                </a:r>
+                <a14:m>
+                  <m:oMath xmlns:m="http://schemas.openxmlformats.org/officeDocument/2006/math">
+                    <m:f>
+                      <m:fPr>
+                        <m:ctrlPr>
+                          <a:rPr lang="bg-BG" altLang="zh-CN" i="1" smtClean="0">
+                            <a:latin typeface="Cambria Math" charset="0"/>
+                          </a:rPr>
+                        </m:ctrlPr>
+                      </m:fPr>
+                      <m:num>
+                        <m:r>
+                          <a:rPr lang="bg-BG" altLang="zh-CN" i="1" smtClean="0">
+                            <a:latin typeface="Cambria Math" charset="0"/>
+                            <a:ea typeface="Cambria Math" charset="0"/>
+                            <a:cs typeface="Cambria Math" charset="0"/>
+                          </a:rPr>
+                          <m:t>𝜕</m:t>
+                        </m:r>
+                        <m:r>
+                          <m:rPr>
+                            <m:sty m:val="p"/>
+                          </m:rPr>
+                          <a:rPr lang="en-US" altLang="zh-CN" i="1" smtClean="0">
+                            <a:latin typeface="Cambria Math" charset="0"/>
+                            <a:ea typeface="Cambria Math" charset="0"/>
+                            <a:cs typeface="Cambria Math" charset="0"/>
+                          </a:rPr>
+                          <m:t>T</m:t>
+                        </m:r>
+                      </m:num>
+                      <m:den>
+                        <m:r>
+                          <a:rPr lang="bg-BG" altLang="zh-CN" i="1" smtClean="0">
+                            <a:latin typeface="Cambria Math" charset="0"/>
+                            <a:ea typeface="Cambria Math" charset="0"/>
+                            <a:cs typeface="Cambria Math" charset="0"/>
+                          </a:rPr>
+                          <m:t>𝜕</m:t>
+                        </m:r>
+                        <m:r>
+                          <a:rPr lang="en-US" altLang="zh-CN" b="0" i="1" smtClean="0">
+                            <a:latin typeface="Cambria Math" charset="0"/>
+                            <a:ea typeface="Cambria Math" charset="0"/>
+                            <a:cs typeface="Cambria Math" charset="0"/>
+                          </a:rPr>
+                          <m:t>𝑡</m:t>
+                        </m:r>
+                      </m:den>
+                    </m:f>
+                    <m:r>
+                      <a:rPr lang="en-US" altLang="zh-CN" b="0" i="1" smtClean="0">
+                        <a:latin typeface="Cambria Math" charset="0"/>
+                      </a:rPr>
+                      <m:t>=0</m:t>
+                    </m:r>
+                  </m:oMath>
+                </a14:m>
+                <a:r>
+                  <a:rPr lang="zh-CN" altLang="en-US" dirty="0" smtClean="0"/>
+                  <a:t>，上式简化成</a:t>
+                </a:r>
+                <a14:m>
+                  <m:oMath xmlns:m="http://schemas.openxmlformats.org/officeDocument/2006/math">
+                    <m:sSup>
+                      <m:sSupPr>
+                        <m:ctrlPr>
+                          <a:rPr lang="en-US" altLang="zh-CN" i="1" smtClean="0">
+                            <a:latin typeface="Cambria Math" charset="0"/>
+                          </a:rPr>
+                        </m:ctrlPr>
+                      </m:sSupPr>
+                      <m:e>
+                        <m:r>
+                          <a:rPr lang="en-US" altLang="zh-CN" i="1" smtClean="0">
+                            <a:latin typeface="Cambria Math" charset="0"/>
+                            <a:ea typeface="Cambria Math" charset="0"/>
+                            <a:cs typeface="Cambria Math" charset="0"/>
+                          </a:rPr>
+                          <m:t>𝛻</m:t>
+                        </m:r>
+                      </m:e>
+                      <m:sup>
+                        <m:r>
+                          <a:rPr lang="en-US" altLang="zh-CN" b="0" i="1" smtClean="0">
+                            <a:latin typeface="Cambria Math" charset="0"/>
+                          </a:rPr>
+                          <m:t>2</m:t>
+                        </m:r>
+                      </m:sup>
+                    </m:sSup>
+                    <m:r>
+                      <a:rPr lang="en-US" altLang="zh-CN" b="0" i="1" smtClean="0">
+                        <a:latin typeface="Cambria Math" charset="0"/>
+                      </a:rPr>
+                      <m:t>𝑇</m:t>
+                    </m:r>
+                    <m:r>
+                      <a:rPr lang="en-US" altLang="zh-CN" b="0" i="1" smtClean="0">
+                        <a:latin typeface="Cambria Math" charset="0"/>
+                      </a:rPr>
+                      <m:t>=−</m:t>
+                    </m:r>
+                    <m:f>
+                      <m:fPr>
+                        <m:ctrlPr>
+                          <a:rPr lang="en-US" altLang="zh-CN" b="0" i="1" smtClean="0">
+                            <a:latin typeface="Cambria Math" charset="0"/>
+                          </a:rPr>
+                        </m:ctrlPr>
+                      </m:fPr>
+                      <m:num>
+                        <m:r>
+                          <a:rPr lang="en-US" altLang="zh-CN" b="0" i="1" smtClean="0">
+                            <a:latin typeface="Cambria Math" charset="0"/>
+                          </a:rPr>
+                          <m:t>𝑔</m:t>
+                        </m:r>
+                        <m:d>
+                          <m:dPr>
+                            <m:ctrlPr>
+                              <a:rPr lang="en-US" altLang="zh-CN" b="0" i="1" smtClean="0">
+                                <a:latin typeface="Cambria Math" charset="0"/>
+                              </a:rPr>
+                            </m:ctrlPr>
+                          </m:dPr>
+                          <m:e>
+                            <m:r>
+                              <a:rPr lang="en-US" altLang="zh-CN" b="0" i="1" smtClean="0">
+                                <a:latin typeface="Cambria Math" charset="0"/>
+                              </a:rPr>
+                              <m:t>𝑟</m:t>
+                            </m:r>
+                          </m:e>
+                        </m:d>
+                      </m:num>
+                      <m:den>
+                        <m:r>
+                          <a:rPr lang="en-US" altLang="zh-CN" i="1">
+                            <a:latin typeface="Cambria Math" charset="0"/>
+                            <a:ea typeface="Cambria Math" charset="0"/>
+                            <a:cs typeface="Cambria Math" charset="0"/>
+                          </a:rPr>
+                          <m:t>𝜅</m:t>
+                        </m:r>
+                        <m:r>
+                          <a:rPr lang="en-US" altLang="zh-CN" i="1">
+                            <a:latin typeface="Cambria Math" charset="0"/>
+                            <a:ea typeface="Cambria Math" charset="0"/>
+                            <a:cs typeface="Cambria Math" charset="0"/>
+                          </a:rPr>
+                          <m:t>(</m:t>
+                        </m:r>
+                        <m:r>
+                          <a:rPr lang="en-US" altLang="zh-CN" i="1">
+                            <a:latin typeface="Cambria Math" charset="0"/>
+                            <a:ea typeface="Cambria Math" charset="0"/>
+                            <a:cs typeface="Cambria Math" charset="0"/>
+                          </a:rPr>
+                          <m:t>𝑟</m:t>
+                        </m:r>
+                        <m:r>
+                          <a:rPr lang="en-US" altLang="zh-CN" i="1">
+                            <a:latin typeface="Cambria Math" charset="0"/>
+                            <a:ea typeface="Cambria Math" charset="0"/>
+                            <a:cs typeface="Cambria Math" charset="0"/>
+                          </a:rPr>
+                          <m:t>)</m:t>
+                        </m:r>
+                      </m:den>
+                    </m:f>
+                  </m:oMath>
+                </a14:m>
+                <a:endParaRPr lang="en-US" altLang="zh-CN" dirty="0" smtClean="0"/>
+              </a:p>
+              <a:p>
+                <a:r>
+                  <a:rPr lang="zh-CN" altLang="en-US" dirty="0" smtClean="0"/>
+                  <a:t>假设有一个格林函数</a:t>
+                </a:r>
+                <a:r>
+                  <a:rPr lang="en-US" altLang="zh-CN" dirty="0" smtClean="0"/>
+                  <a:t>G</a:t>
+                </a:r>
+                <a:r>
+                  <a:rPr lang="zh-CN" altLang="en-US" dirty="0" smtClean="0"/>
+                  <a:t>，满足</a:t>
+                </a:r>
+                <a14:m>
+                  <m:oMath xmlns:m="http://schemas.openxmlformats.org/officeDocument/2006/math">
+                    <m:sSup>
+                      <m:sSupPr>
+                        <m:ctrlPr>
+                          <a:rPr lang="en-US" altLang="zh-CN" i="1" smtClean="0">
+                            <a:latin typeface="Cambria Math" charset="0"/>
+                          </a:rPr>
+                        </m:ctrlPr>
+                      </m:sSupPr>
+                      <m:e>
+                        <m:r>
+                          <a:rPr lang="en-US" altLang="zh-CN" i="1" smtClean="0">
+                            <a:latin typeface="Cambria Math" charset="0"/>
+                            <a:ea typeface="Cambria Math" charset="0"/>
+                            <a:cs typeface="Cambria Math" charset="0"/>
+                          </a:rPr>
+                          <m:t>𝛻</m:t>
+                        </m:r>
+                      </m:e>
+                      <m:sup>
+                        <m:r>
+                          <a:rPr lang="en-US" altLang="zh-CN" b="0" i="1" smtClean="0">
+                            <a:latin typeface="Cambria Math" charset="0"/>
+                          </a:rPr>
+                          <m:t>2</m:t>
+                        </m:r>
+                      </m:sup>
+                    </m:sSup>
+                    <m:r>
+                      <a:rPr lang="en-US" altLang="zh-CN" b="0" i="1" smtClean="0">
+                        <a:latin typeface="Cambria Math" charset="0"/>
+                      </a:rPr>
+                      <m:t>𝐺</m:t>
+                    </m:r>
+                    <m:d>
+                      <m:dPr>
+                        <m:ctrlPr>
+                          <a:rPr lang="en-US" altLang="zh-CN" b="0" i="1" smtClean="0">
+                            <a:latin typeface="Cambria Math" charset="0"/>
+                          </a:rPr>
+                        </m:ctrlPr>
+                      </m:dPr>
+                      <m:e>
+                        <m:r>
+                          <a:rPr lang="en-US" altLang="zh-CN" b="0" i="1" smtClean="0">
+                            <a:latin typeface="Cambria Math" charset="0"/>
+                          </a:rPr>
+                          <m:t>𝑟</m:t>
+                        </m:r>
+                        <m:r>
+                          <a:rPr lang="en-US" altLang="zh-CN" b="0" i="1" smtClean="0">
+                            <a:latin typeface="Cambria Math" charset="0"/>
+                          </a:rPr>
+                          <m:t>, </m:t>
+                        </m:r>
+                        <m:sSub>
+                          <m:sSubPr>
+                            <m:ctrlPr>
+                              <a:rPr lang="en-US" altLang="zh-CN" b="0" i="1" smtClean="0">
+                                <a:latin typeface="Cambria Math" charset="0"/>
+                              </a:rPr>
+                            </m:ctrlPr>
+                          </m:sSubPr>
+                          <m:e>
+                            <m:r>
+                              <a:rPr lang="en-US" altLang="zh-CN" b="0" i="1" smtClean="0">
+                                <a:latin typeface="Cambria Math" charset="0"/>
+                              </a:rPr>
+                              <m:t>𝑟</m:t>
+                            </m:r>
+                          </m:e>
+                          <m:sub>
+                            <m:r>
+                              <a:rPr lang="en-US" altLang="zh-CN" b="0" i="1" smtClean="0">
+                                <a:latin typeface="Cambria Math" charset="0"/>
+                              </a:rPr>
+                              <m:t>0</m:t>
+                            </m:r>
+                          </m:sub>
+                        </m:sSub>
+                      </m:e>
+                    </m:d>
+                    <m:r>
+                      <a:rPr lang="en-US" altLang="zh-CN" b="0" i="1" smtClean="0">
+                        <a:latin typeface="Cambria Math" charset="0"/>
+                      </a:rPr>
+                      <m:t>=</m:t>
+                    </m:r>
+                    <m:r>
+                      <a:rPr lang="zh-CN" altLang="en-US" b="0" i="1" smtClean="0">
+                        <a:latin typeface="Cambria Math" charset="0"/>
+                        <a:ea typeface="Cambria Math" charset="0"/>
+                        <a:cs typeface="Cambria Math" charset="0"/>
+                      </a:rPr>
+                      <m:t>𝛿</m:t>
+                    </m:r>
+                    <m:r>
+                      <a:rPr lang="en-US" altLang="zh-CN" b="0" i="1" smtClean="0">
+                        <a:latin typeface="Cambria Math" charset="0"/>
+                        <a:ea typeface="Cambria Math" charset="0"/>
+                        <a:cs typeface="Cambria Math" charset="0"/>
+                      </a:rPr>
+                      <m:t>(</m:t>
+                    </m:r>
+                    <m:r>
+                      <a:rPr lang="en-US" altLang="zh-CN" b="0" i="1" smtClean="0">
+                        <a:latin typeface="Cambria Math" charset="0"/>
+                        <a:ea typeface="Cambria Math" charset="0"/>
+                        <a:cs typeface="Cambria Math" charset="0"/>
+                      </a:rPr>
+                      <m:t>𝑟</m:t>
+                    </m:r>
+                    <m:r>
+                      <a:rPr lang="en-US" altLang="zh-CN" b="0" i="1" smtClean="0">
+                        <a:latin typeface="Cambria Math" charset="0"/>
+                        <a:ea typeface="Cambria Math" charset="0"/>
+                        <a:cs typeface="Cambria Math" charset="0"/>
+                      </a:rPr>
+                      <m:t>−</m:t>
+                    </m:r>
+                    <m:sSub>
+                      <m:sSubPr>
+                        <m:ctrlPr>
+                          <a:rPr lang="en-US" altLang="zh-CN" b="0" i="1" smtClean="0">
+                            <a:latin typeface="Cambria Math" charset="0"/>
+                            <a:ea typeface="Cambria Math" charset="0"/>
+                            <a:cs typeface="Cambria Math" charset="0"/>
+                          </a:rPr>
+                        </m:ctrlPr>
+                      </m:sSubPr>
+                      <m:e>
+                        <m:r>
+                          <a:rPr lang="en-US" altLang="zh-CN" b="0" i="1" smtClean="0">
+                            <a:latin typeface="Cambria Math" charset="0"/>
+                            <a:ea typeface="Cambria Math" charset="0"/>
+                            <a:cs typeface="Cambria Math" charset="0"/>
+                          </a:rPr>
+                          <m:t>𝑟</m:t>
+                        </m:r>
+                      </m:e>
+                      <m:sub>
+                        <m:r>
+                          <a:rPr lang="en-US" altLang="zh-CN" b="0" i="1" smtClean="0">
+                            <a:latin typeface="Cambria Math" charset="0"/>
+                            <a:ea typeface="Cambria Math" charset="0"/>
+                            <a:cs typeface="Cambria Math" charset="0"/>
+                          </a:rPr>
+                          <m:t>0</m:t>
+                        </m:r>
+                      </m:sub>
+                    </m:sSub>
+                    <m:r>
+                      <a:rPr lang="en-US" altLang="zh-CN" b="0" i="1" smtClean="0">
+                        <a:latin typeface="Cambria Math" charset="0"/>
+                        <a:ea typeface="Cambria Math" charset="0"/>
+                        <a:cs typeface="Cambria Math" charset="0"/>
+                      </a:rPr>
+                      <m:t>)</m:t>
+                    </m:r>
+                  </m:oMath>
+                </a14:m>
+                <a:endParaRPr lang="en-US" altLang="zh-CN" dirty="0" smtClean="0"/>
+              </a:p>
+              <a:p>
+                <a:r>
+                  <a:rPr lang="zh-CN" altLang="en-US" dirty="0" smtClean="0"/>
+                  <a:t>令</a:t>
+                </a:r>
+                <a14:m>
+                  <m:oMath xmlns:m="http://schemas.openxmlformats.org/officeDocument/2006/math">
+                    <m:r>
+                      <a:rPr lang="en-US" altLang="zh-CN" b="0" i="1" dirty="0" smtClean="0">
+                        <a:latin typeface="Cambria Math" charset="0"/>
+                      </a:rPr>
+                      <m:t>𝑓</m:t>
+                    </m:r>
+                    <m:d>
+                      <m:dPr>
+                        <m:ctrlPr>
+                          <a:rPr lang="en-US" altLang="zh-CN" b="0" i="1" dirty="0" smtClean="0">
+                            <a:latin typeface="Cambria Math" charset="0"/>
+                          </a:rPr>
+                        </m:ctrlPr>
+                      </m:dPr>
+                      <m:e>
+                        <m:r>
+                          <a:rPr lang="en-US" altLang="zh-CN" b="0" i="1" dirty="0" smtClean="0">
+                            <a:latin typeface="Cambria Math" charset="0"/>
+                          </a:rPr>
+                          <m:t>𝑟</m:t>
+                        </m:r>
+                      </m:e>
+                    </m:d>
+                    <m:r>
+                      <a:rPr lang="en-US" altLang="zh-CN" b="0" i="1" dirty="0" smtClean="0">
+                        <a:latin typeface="Cambria Math" charset="0"/>
+                      </a:rPr>
+                      <m:t>=</m:t>
+                    </m:r>
+                    <m:r>
+                      <a:rPr lang="en-US" altLang="zh-CN" i="1">
+                        <a:latin typeface="Cambria Math" charset="0"/>
+                      </a:rPr>
+                      <m:t>−</m:t>
+                    </m:r>
+                    <m:f>
+                      <m:fPr>
+                        <m:ctrlPr>
+                          <a:rPr lang="en-US" altLang="zh-CN" i="1">
+                            <a:latin typeface="Cambria Math" charset="0"/>
+                          </a:rPr>
+                        </m:ctrlPr>
+                      </m:fPr>
+                      <m:num>
+                        <m:r>
+                          <a:rPr lang="en-US" altLang="zh-CN" i="1">
+                            <a:latin typeface="Cambria Math" charset="0"/>
+                          </a:rPr>
+                          <m:t>𝑔</m:t>
+                        </m:r>
+                        <m:d>
+                          <m:dPr>
+                            <m:ctrlPr>
+                              <a:rPr lang="en-US" altLang="zh-CN" i="1">
+                                <a:latin typeface="Cambria Math" charset="0"/>
+                              </a:rPr>
+                            </m:ctrlPr>
+                          </m:dPr>
+                          <m:e>
+                            <m:r>
+                              <a:rPr lang="en-US" altLang="zh-CN" i="1">
+                                <a:latin typeface="Cambria Math" charset="0"/>
+                              </a:rPr>
+                              <m:t>𝑟</m:t>
+                            </m:r>
+                          </m:e>
+                        </m:d>
+                      </m:num>
+                      <m:den>
+                        <m:r>
+                          <a:rPr lang="en-US" altLang="zh-CN" i="1">
+                            <a:latin typeface="Cambria Math" charset="0"/>
+                            <a:ea typeface="Cambria Math" charset="0"/>
+                            <a:cs typeface="Cambria Math" charset="0"/>
+                          </a:rPr>
+                          <m:t>𝜅</m:t>
+                        </m:r>
+                        <m:d>
+                          <m:dPr>
+                            <m:ctrlPr>
+                              <a:rPr lang="en-US" altLang="zh-CN" i="1">
+                                <a:latin typeface="Cambria Math" charset="0"/>
+                                <a:ea typeface="Cambria Math" charset="0"/>
+                                <a:cs typeface="Cambria Math" charset="0"/>
+                              </a:rPr>
+                            </m:ctrlPr>
+                          </m:dPr>
+                          <m:e>
+                            <m:r>
+                              <a:rPr lang="en-US" altLang="zh-CN" i="1">
+                                <a:latin typeface="Cambria Math" charset="0"/>
+                                <a:ea typeface="Cambria Math" charset="0"/>
+                                <a:cs typeface="Cambria Math" charset="0"/>
+                              </a:rPr>
+                              <m:t>𝑟</m:t>
+                            </m:r>
+                          </m:e>
+                        </m:d>
+                      </m:den>
+                    </m:f>
+                  </m:oMath>
+                </a14:m>
+                <a:r>
+                  <a:rPr lang="zh-CN" altLang="en-US" dirty="0" smtClean="0"/>
+                  <a:t>，上式两边乘以</a:t>
+                </a:r>
+                <a14:m>
+                  <m:oMath xmlns:m="http://schemas.openxmlformats.org/officeDocument/2006/math">
+                    <m:r>
+                      <a:rPr lang="en-US" altLang="zh-CN" i="1" dirty="0">
+                        <a:latin typeface="Cambria Math" charset="0"/>
+                      </a:rPr>
+                      <m:t>𝑓</m:t>
+                    </m:r>
+                    <m:d>
+                      <m:dPr>
+                        <m:ctrlPr>
+                          <a:rPr lang="en-US" altLang="zh-CN" i="1" dirty="0">
+                            <a:latin typeface="Cambria Math" charset="0"/>
+                          </a:rPr>
+                        </m:ctrlPr>
+                      </m:dPr>
+                      <m:e>
+                        <m:sSub>
+                          <m:sSubPr>
+                            <m:ctrlPr>
+                              <a:rPr lang="en-US" altLang="zh-CN" i="1" dirty="0" smtClean="0">
+                                <a:latin typeface="Cambria Math" charset="0"/>
+                              </a:rPr>
+                            </m:ctrlPr>
+                          </m:sSubPr>
+                          <m:e>
+                            <m:r>
+                              <a:rPr lang="en-US" altLang="zh-CN" b="0" i="1" dirty="0" smtClean="0">
+                                <a:latin typeface="Cambria Math" charset="0"/>
+                              </a:rPr>
+                              <m:t>𝑟</m:t>
+                            </m:r>
+                          </m:e>
+                          <m:sub>
+                            <m:r>
+                              <a:rPr lang="en-US" altLang="zh-CN" b="0" i="1" dirty="0" smtClean="0">
+                                <a:latin typeface="Cambria Math" charset="0"/>
+                              </a:rPr>
+                              <m:t>0</m:t>
+                            </m:r>
+                          </m:sub>
+                        </m:sSub>
+                      </m:e>
+                    </m:d>
+                  </m:oMath>
+                </a14:m>
+                <a:r>
+                  <a:rPr lang="zh-CN" altLang="en-US" dirty="0" smtClean="0"/>
+                  <a:t>并积分</a:t>
+                </a:r>
+                <a:endParaRPr lang="en-US" altLang="zh-CN" dirty="0" smtClean="0"/>
+              </a:p>
+              <a:p>
+                <a:endParaRPr lang="zh-CN" altLang="en-US" dirty="0"/>
+              </a:p>
+            </p:txBody>
+          </p:sp>
+        </mc:Choice>
+        <mc:Fallback xmlns="">
+          <p:sp>
+            <p:nvSpPr>
+              <p:cNvPr id="3" name="内容占位符 2"/>
+              <p:cNvSpPr>
+                <a:spLocks noGrp="1" noRot="1" noChangeAspect="1" noMove="1" noResize="1" noEditPoints="1" noAdjustHandles="1" noChangeArrowheads="1" noChangeShapeType="1" noTextEdit="1"/>
+              </p:cNvSpPr>
+              <p:nvPr>
+                <p:ph sz="quarter" idx="1"/>
+              </p:nvPr>
+            </p:nvSpPr>
+            <p:spPr>
+              <a:xfrm>
+                <a:off x="457200" y="1600200"/>
+                <a:ext cx="8003232" cy="4873752"/>
+              </a:xfrm>
+              <a:blipFill rotWithShape="0">
+                <a:blip r:embed="rId2"/>
+                <a:stretch>
+                  <a:fillRect l="-305" t="-1252"/>
+                </a:stretch>
+              </a:blipFill>
+            </p:spPr>
+            <p:txBody>
+              <a:bodyPr/>
+              <a:lstStyle/>
+              <a:p>
+                <a:r>
+                  <a:rPr lang="zh-CN" altLang="en-US">
+                    <a:noFill/>
+                  </a:rPr>
+                  <a:t> </a:t>
+                </a:r>
+              </a:p>
+            </p:txBody>
+          </p:sp>
+        </mc:Fallback>
+      </mc:AlternateContent>
+      <p:pic>
+        <p:nvPicPr>
+          <p:cNvPr id="6" name="图片 5"/>
+          <p:cNvPicPr>
+            <a:picLocks noChangeAspect="1"/>
+          </p:cNvPicPr>
+          <p:nvPr/>
+        </p:nvPicPr>
+        <p:blipFill>
+          <a:blip r:embed="rId3"/>
+          <a:stretch>
+            <a:fillRect/>
+          </a:stretch>
+        </p:blipFill>
+        <p:spPr>
+          <a:xfrm>
+            <a:off x="918330" y="2636912"/>
+            <a:ext cx="7526796" cy="620518"/>
+          </a:xfrm>
+          <a:prstGeom prst="rect">
+            <a:avLst/>
+          </a:prstGeom>
+        </p:spPr>
+      </p:pic>
+    </p:spTree>
+    <p:extLst>
+      <p:ext uri="{BB962C8B-B14F-4D97-AF65-F5344CB8AC3E}">
+        <p14:creationId xmlns:p14="http://schemas.microsoft.com/office/powerpoint/2010/main" val="2058093221"/>
+      </p:ext>
+    </p:extLst>
+  </p:cSld>
+  <p:clrMapOvr>
+    <a:masterClrMapping/>
+  </p:clrMapOvr>
+</p:sld>
+</file>
+
+<file path=ppt/slides/slide11.xml><?xml version="1.0" encoding="utf-8"?>
+<p:sld xmlns:a="http://schemas.openxmlformats.org/drawingml/2006/main" xmlns:r="http://schemas.openxmlformats.org/officeDocument/2006/relationships" xmlns:p="http://schemas.openxmlformats.org/presentationml/2006/main">
+  <p:cSld>
+    <p:spTree>
+      <p:nvGrpSpPr>
+        <p:cNvPr id="1" name=""/>
+        <p:cNvGrpSpPr/>
+        <p:nvPr/>
+      </p:nvGrpSpPr>
+      <p:grpSpPr>
+        <a:xfrm>
+          <a:off x="0" y="0"/>
+          <a:ext cx="0" cy="0"/>
+          <a:chOff x="0" y="0"/>
+          <a:chExt cx="0" cy="0"/>
+        </a:xfrm>
+      </p:grpSpPr>
+      <p:sp>
+        <p:nvSpPr>
+          <p:cNvPr id="2" name="标题 1"/>
+          <p:cNvSpPr>
+            <a:spLocks noGrp="1"/>
+          </p:cNvSpPr>
+          <p:nvPr>
+            <p:ph type="title"/>
+          </p:nvPr>
+        </p:nvSpPr>
+        <p:spPr/>
+        <p:txBody>
+          <a:bodyPr>
+            <a:normAutofit/>
+          </a:bodyPr>
+          <a:lstStyle/>
+          <a:p>
+            <a:r>
+              <a:rPr lang="zh-CN" altLang="en-US" sz="3200" dirty="0" smtClean="0"/>
+              <a:t>热分布的计算</a:t>
             </a:r>
             <a:endParaRPr lang="zh-CN" altLang="en-US" sz="3200" dirty="0"/>
           </a:p>
@@ -5240,8 +6633,8 @@
           </a:prstGeom>
         </p:spPr>
       </p:pic>
-      <mc:AlternateContent xmlns:mc="http://schemas.openxmlformats.org/markup-compatibility/2006">
-        <mc:Choice xmlns:a14="http://schemas.microsoft.com/office/drawing/2010/main" Requires="a14">
+      <mc:AlternateContent xmlns:mc="http://schemas.openxmlformats.org/markup-compatibility/2006" xmlns:a14="http://schemas.microsoft.com/office/drawing/2010/main">
+        <mc:Choice Requires="a14">
           <p:sp>
             <p:nvSpPr>
               <p:cNvPr id="15" name="内容占位符 14"/>
@@ -5255,11 +6648,13 @@
             <p:spPr>
               <a:xfrm>
                 <a:off x="457200" y="4597104"/>
-                <a:ext cx="7467600" cy="1876847"/>
+                <a:ext cx="8147248" cy="2144264"/>
               </a:xfrm>
             </p:spPr>
             <p:txBody>
-              <a:bodyPr/>
+              <a:bodyPr>
+                <a:normAutofit/>
+              </a:bodyPr>
               <a:lstStyle/>
               <a:p>
                 <a14:m>
@@ -5299,6 +6694,52 @@
               <a:p>
                 <a:r>
                   <a:rPr kumimoji="1" lang="zh-CN" altLang="en-US" dirty="0" smtClean="0"/>
+                  <a:t>将芯片划分成矩形格子，用</a:t>
+                </a:r>
+                <a:r>
+                  <a:rPr kumimoji="1" lang="en-US" altLang="zh-CN" dirty="0" err="1" smtClean="0"/>
+                  <a:t>i</a:t>
+                </a:r>
+                <a:r>
+                  <a:rPr kumimoji="1" lang="en-US" altLang="zh-CN" dirty="0" smtClean="0"/>
+                  <a:t>,</a:t>
+                </a:r>
+                <a:r>
+                  <a:rPr kumimoji="1" lang="zh-CN" altLang="en-US" dirty="0" smtClean="0"/>
+                  <a:t> </a:t>
+                </a:r>
+                <a:r>
+                  <a:rPr kumimoji="1" lang="en-US" altLang="zh-CN" dirty="0" smtClean="0"/>
+                  <a:t>j</a:t>
+                </a:r>
+                <a:r>
+                  <a:rPr kumimoji="1" lang="zh-CN" altLang="en-US" dirty="0" smtClean="0"/>
+                  <a:t>表示第</a:t>
+                </a:r>
+                <a:r>
+                  <a:rPr kumimoji="1" lang="en-US" altLang="zh-CN" dirty="0" err="1" smtClean="0"/>
+                  <a:t>i</a:t>
+                </a:r>
+                <a:r>
+                  <a:rPr kumimoji="1" lang="zh-CN" altLang="en-US" dirty="0" smtClean="0"/>
+                  <a:t>行第</a:t>
+                </a:r>
+                <a:r>
+                  <a:rPr kumimoji="1" lang="en-US" altLang="zh-CN" dirty="0" smtClean="0"/>
+                  <a:t>j</a:t>
+                </a:r>
+                <a:r>
+                  <a:rPr kumimoji="1" lang="zh-CN" altLang="en-US" dirty="0" smtClean="0"/>
+                  <a:t>列个格子，替换</a:t>
+                </a:r>
+                <a:r>
+                  <a:rPr kumimoji="1" lang="en-US" altLang="zh-CN" dirty="0" smtClean="0"/>
+                  <a:t>r</a:t>
+                </a:r>
+              </a:p>
+              <a:p>
+                <a:r>
+                  <a:rPr kumimoji="1" lang="zh-CN" altLang="en-US" dirty="0" smtClean="0"/>
                   <a:t>把积分换成对芯片上的所有格子求和</a:t>
                 </a:r>
                 <a:endParaRPr kumimoji="1" lang="en-US" altLang="zh-CN" dirty="0" smtClean="0"/>
@@ -5306,7 +6747,7 @@
             </p:txBody>
           </p:sp>
         </mc:Choice>
-        <mc:Fallback>
+        <mc:Fallback xmlns="">
           <p:sp>
             <p:nvSpPr>
               <p:cNvPr id="15" name="内容占位符 14"/>
@@ -5320,12 +6761,12 @@
             <p:spPr>
               <a:xfrm>
                 <a:off x="457200" y="4597104"/>
-                <a:ext cx="7467600" cy="1876847"/>
+                <a:ext cx="8147248" cy="2144264"/>
               </a:xfrm>
               <a:blipFill rotWithShape="0">
                 <a:blip r:embed="rId4"/>
                 <a:stretch>
-                  <a:fillRect l="-327" t="-3571"/>
+                  <a:fillRect l="-299" t="-3125" r="-4865" b="-2557"/>
                 </a:stretch>
               </a:blipFill>
             </p:spPr>
@@ -5357,7 +6798,7 @@
 </p:sld>
 </file>
 
-<file path=ppt/slides/slide11.xml><?xml version="1.0" encoding="utf-8"?>
+<file path=ppt/slides/slide12.xml><?xml version="1.0" encoding="utf-8"?>
 <p:sld xmlns:a="http://schemas.openxmlformats.org/drawingml/2006/main" xmlns:r="http://schemas.openxmlformats.org/officeDocument/2006/relationships" xmlns:p="http://schemas.openxmlformats.org/presentationml/2006/main">
   <p:cSld>
     <p:spTree>
@@ -5374,8 +6815,8 @@
           <a:chExt cx="0" cy="0"/>
         </a:xfrm>
       </p:grpSpPr>
-      <mc:AlternateContent xmlns:mc="http://schemas.openxmlformats.org/markup-compatibility/2006">
-        <mc:Choice xmlns:a14="http://schemas.microsoft.com/office/drawing/2010/main" Requires="a14">
+      <mc:AlternateContent xmlns:mc="http://schemas.openxmlformats.org/markup-compatibility/2006" xmlns:a14="http://schemas.microsoft.com/office/drawing/2010/main">
+        <mc:Choice Requires="a14">
           <p:sp>
             <p:nvSpPr>
               <p:cNvPr id="15" name="内容占位符 14"/>
@@ -5502,7 +6943,11 @@
                 </a14:m>
                 <a:r>
                   <a:rPr kumimoji="1" lang="zh-CN" altLang="en-US" dirty="0"/>
-                  <a:t>由格子包含的元件的个数决定</a:t>
+                  <a:t>由格子包含的元件的个数</a:t>
+                </a:r>
+                <a:r>
+                  <a:rPr kumimoji="1" lang="zh-CN" altLang="en-US" dirty="0" smtClean="0"/>
+                  <a:t>决定</a:t>
                 </a:r>
                 <a:endParaRPr kumimoji="1" lang="en-US" altLang="zh-CN" dirty="0"/>
               </a:p>
@@ -5512,8 +6957,11 @@
               <a:p>
                 <a:r>
                   <a:rPr kumimoji="1" lang="zh-CN" altLang="en-US" dirty="0" smtClean="0"/>
-                  <a:t>得到移动力</a:t>
-                </a:r>
+                  <a:t>得到格子受到的移动力</a:t>
+                </a:r>
+                <a:endParaRPr kumimoji="1" lang="en-US" altLang="zh-CN" dirty="0" smtClean="0"/>
+              </a:p>
+              <a:p>
                 <a:endParaRPr kumimoji="1" lang="en-US" altLang="zh-CN" dirty="0"/>
               </a:p>
               <a:p>
@@ -5524,7 +6972,7 @@
             </p:txBody>
           </p:sp>
         </mc:Choice>
-        <mc:Fallback>
+        <mc:Fallback xmlns="">
           <p:sp>
             <p:nvSpPr>
               <p:cNvPr id="15" name="内容占位符 14"/>
@@ -5541,7 +6989,7 @@
                 <a:ext cx="8147248" cy="4917159"/>
               </a:xfrm>
               <a:blipFill rotWithShape="0">
-                <a:blip r:embed="rId2"/>
+                <a:blip r:embed="rId3"/>
                 <a:stretch>
                   <a:fillRect l="-299" t="-1365"/>
                 </a:stretch>
@@ -5586,7 +7034,7 @@
           <a:p>
             <a:r>
               <a:rPr lang="zh-CN" altLang="en-US" sz="3200" dirty="0" smtClean="0"/>
-              <a:t>移动力的计算</a:t>
+              <a:t>热分布的计算</a:t>
             </a:r>
             <a:endParaRPr lang="zh-CN" altLang="en-US" sz="3200" dirty="0"/>
           </a:p>
@@ -5601,7 +7049,7 @@
           <p:nvPr/>
         </p:nvPicPr>
         <p:blipFill>
-          <a:blip r:embed="rId3"/>
+          <a:blip r:embed="rId4"/>
           <a:stretch>
             <a:fillRect/>
           </a:stretch>
@@ -5625,7 +7073,7 @@
           <p:nvPr/>
         </p:nvPicPr>
         <p:blipFill>
-          <a:blip r:embed="rId4">
+          <a:blip r:embed="rId5">
             <a:extLst>
               <a:ext uri="{28A0092B-C50C-407E-A947-70E740481C1C}">
                 <a14:useLocalDpi xmlns:a14="http://schemas.microsoft.com/office/drawing/2010/main" val="0"/>
@@ -5638,8 +7086,8 @@
         </p:blipFill>
         <p:spPr>
           <a:xfrm>
-            <a:off x="2627784" y="1823645"/>
-            <a:ext cx="4624935" cy="1777068"/>
+            <a:off x="2627784" y="1823644"/>
+            <a:ext cx="4927663" cy="1893387"/>
           </a:xfrm>
           <a:prstGeom prst="rect">
             <a:avLst/>
@@ -5648,22 +7096,22 @@
       </p:pic>
       <p:pic>
         <p:nvPicPr>
-          <p:cNvPr id="8" name="图片 7"/>
+          <p:cNvPr id="6" name="图片 5"/>
           <p:cNvPicPr>
             <a:picLocks noChangeAspect="1"/>
           </p:cNvPicPr>
           <p:nvPr/>
         </p:nvPicPr>
         <p:blipFill>
-          <a:blip r:embed="rId5"/>
+          <a:blip r:embed="rId6"/>
           <a:stretch>
             <a:fillRect/>
           </a:stretch>
         </p:blipFill>
         <p:spPr>
           <a:xfrm>
-            <a:off x="792294" y="6050238"/>
-            <a:ext cx="6797412" cy="403699"/>
+            <a:off x="899592" y="6007429"/>
+            <a:ext cx="5754010" cy="341731"/>
           </a:xfrm>
           <a:prstGeom prst="rect">
             <a:avLst/>
@@ -5683,7 +7131,7 @@
 </p:sld>
 </file>
 
-<file path=ppt/slides/slide12.xml><?xml version="1.0" encoding="utf-8"?>
+<file path=ppt/slides/slide13.xml><?xml version="1.0" encoding="utf-8"?>
 <p:sld xmlns:a="http://schemas.openxmlformats.org/drawingml/2006/main" xmlns:r="http://schemas.openxmlformats.org/officeDocument/2006/relationships" xmlns:p="http://schemas.openxmlformats.org/presentationml/2006/main">
   <p:cSld>
     <p:spTree>
@@ -5700,36 +7148,183 @@
           <a:chExt cx="0" cy="0"/>
         </a:xfrm>
       </p:grpSpPr>
-      <p:pic>
-        <p:nvPicPr>
-          <p:cNvPr id="4" name="内容占位符 7"/>
-          <p:cNvPicPr>
-            <a:picLocks noChangeAspect="1"/>
-          </p:cNvPicPr>
-          <p:nvPr/>
-        </p:nvPicPr>
-        <p:blipFill>
-          <a:blip r:embed="rId2">
-            <a:extLst>
-              <a:ext uri="{28A0092B-C50C-407E-A947-70E740481C1C}">
-                <a14:useLocalDpi xmlns:a14="http://schemas.microsoft.com/office/drawing/2010/main" val="0"/>
-              </a:ext>
-            </a:extLst>
-          </a:blip>
-          <a:stretch>
-            <a:fillRect/>
-          </a:stretch>
-        </p:blipFill>
+      <p:sp>
+        <p:nvSpPr>
+          <p:cNvPr id="15" name="内容占位符 14"/>
+          <p:cNvSpPr>
+            <a:spLocks noGrp="1"/>
+          </p:cNvSpPr>
+          <p:nvPr>
+            <p:ph sz="quarter" idx="1"/>
+          </p:nvPr>
+        </p:nvSpPr>
         <p:spPr>
           <a:xfrm>
-            <a:off x="3563888" y="1844824"/>
-            <a:ext cx="5145791" cy="4464496"/>
+            <a:off x="457200" y="1090270"/>
+            <a:ext cx="8147248" cy="4917159"/>
           </a:xfrm>
-          <a:prstGeom prst="rect">
-            <a:avLst/>
-          </a:prstGeom>
         </p:spPr>
-      </p:pic>
+        <p:txBody>
+          <a:bodyPr>
+            <a:normAutofit/>
+          </a:bodyPr>
+          <a:lstStyle/>
+          <a:p>
+            <a:pPr marL="274320" lvl="1">
+              <a:spcBef>
+                <a:spcPts val="600"/>
+              </a:spcBef>
+              <a:buSzPct val="70000"/>
+              <a:buFont typeface="Wingdings"/>
+              <a:buChar char=""/>
+            </a:pPr>
+            <a:r>
+              <a:rPr kumimoji="1" lang="en-US" altLang="zh-CN" dirty="0"/>
+              <a:t>1.</a:t>
+            </a:r>
+            <a:r>
+              <a:rPr kumimoji="1" lang="zh-CN" altLang="en-US" dirty="0"/>
+              <a:t> 将芯片划分成矩形网格，考察每个</a:t>
+            </a:r>
+            <a:r>
+              <a:rPr kumimoji="1" lang="zh-CN" altLang="en-US" dirty="0" smtClean="0"/>
+              <a:t>矩形格</a:t>
+            </a:r>
+            <a:endParaRPr kumimoji="1" lang="en-US" altLang="zh-CN" dirty="0"/>
+          </a:p>
+          <a:p>
+            <a:pPr marL="651510" lvl="2" indent="-285750">
+              <a:spcBef>
+                <a:spcPts val="600"/>
+              </a:spcBef>
+              <a:buClr>
+                <a:schemeClr val="accent1"/>
+              </a:buClr>
+              <a:buSzPct val="70000"/>
+              <a:buFont typeface=".LucidaGrandeUI" charset="0"/>
+              <a:buChar char="●"/>
+            </a:pPr>
+            <a:r>
+              <a:rPr kumimoji="1" lang="zh-CN" altLang="en-US" dirty="0" smtClean="0"/>
+              <a:t>根据</a:t>
+            </a:r>
+            <a:r>
+              <a:rPr kumimoji="1" lang="zh-CN" altLang="en-US" dirty="0"/>
+              <a:t>格子受到的移动力，计算元件受到的移动力</a:t>
+            </a:r>
+            <a:endParaRPr kumimoji="1" lang="en-US" altLang="zh-CN" dirty="0"/>
+          </a:p>
+          <a:p>
+            <a:pPr lvl="1"/>
+            <a:endParaRPr kumimoji="1" lang="en-US" altLang="zh-CN" dirty="0" smtClean="0"/>
+          </a:p>
+          <a:p>
+            <a:endParaRPr kumimoji="1" lang="en-US" altLang="zh-CN" dirty="0"/>
+          </a:p>
+          <a:p>
+            <a:endParaRPr kumimoji="1" lang="en-US" altLang="zh-CN" dirty="0" smtClean="0"/>
+          </a:p>
+          <a:p>
+            <a:pPr marL="274320" lvl="1">
+              <a:spcBef>
+                <a:spcPts val="600"/>
+              </a:spcBef>
+              <a:buSzPct val="70000"/>
+              <a:buFont typeface="Wingdings"/>
+              <a:buChar char=""/>
+            </a:pPr>
+            <a:r>
+              <a:rPr kumimoji="1" lang="en-US" altLang="zh-CN" dirty="0"/>
+              <a:t>2</a:t>
+            </a:r>
+            <a:r>
+              <a:rPr kumimoji="1" lang="en-US" altLang="zh-CN" dirty="0" smtClean="0"/>
+              <a:t>.</a:t>
+            </a:r>
+            <a:r>
+              <a:rPr kumimoji="1" lang="zh-CN" altLang="en-US" dirty="0" smtClean="0"/>
+              <a:t> 将</a:t>
+            </a:r>
+            <a:r>
+              <a:rPr kumimoji="1" lang="zh-CN" altLang="en-US" dirty="0"/>
+              <a:t>芯片划分成矩形网格，但考察每个矩形的四个</a:t>
+            </a:r>
+            <a:r>
+              <a:rPr kumimoji="1" lang="zh-CN" altLang="en-US" dirty="0" smtClean="0"/>
+              <a:t>顶点</a:t>
+            </a:r>
+            <a:endParaRPr kumimoji="1" lang="en-US" altLang="zh-CN" dirty="0" smtClean="0"/>
+          </a:p>
+          <a:p>
+            <a:pPr marL="651510" lvl="2" indent="-285750">
+              <a:spcBef>
+                <a:spcPts val="600"/>
+              </a:spcBef>
+              <a:buClr>
+                <a:schemeClr val="accent1"/>
+              </a:buClr>
+              <a:buSzPct val="80000"/>
+              <a:buFont typeface=".LucidaGrandeUI" charset="0"/>
+              <a:buChar char="●"/>
+            </a:pPr>
+            <a:r>
+              <a:rPr kumimoji="1" lang="zh-CN" altLang="en-US" dirty="0" smtClean="0"/>
+              <a:t>每个点的能量密度等于覆盖该点的元件个数</a:t>
+            </a:r>
+            <a:endParaRPr kumimoji="1" lang="en-US" altLang="zh-CN" dirty="0" smtClean="0"/>
+          </a:p>
+          <a:p>
+            <a:pPr marL="651510" lvl="2" indent="-285750">
+              <a:spcBef>
+                <a:spcPts val="600"/>
+              </a:spcBef>
+              <a:buClr>
+                <a:schemeClr val="accent1"/>
+              </a:buClr>
+              <a:buSzPct val="80000"/>
+              <a:buFont typeface=".LucidaGrandeUI" charset="0"/>
+              <a:buChar char="●"/>
+            </a:pPr>
+            <a:r>
+              <a:rPr kumimoji="1" lang="zh-CN" altLang="en-US" dirty="0" smtClean="0"/>
+              <a:t>之前的公式计算出来的是每个格点受到的移动力</a:t>
+            </a:r>
+            <a:endParaRPr kumimoji="1" lang="en-US" altLang="zh-CN" dirty="0" smtClean="0"/>
+          </a:p>
+          <a:p>
+            <a:pPr marL="651510" lvl="2" indent="-285750">
+              <a:spcBef>
+                <a:spcPts val="600"/>
+              </a:spcBef>
+              <a:buClr>
+                <a:schemeClr val="accent1"/>
+              </a:buClr>
+              <a:buSzPct val="80000"/>
+              <a:buFont typeface=".LucidaGrandeUI" charset="0"/>
+              <a:buChar char="●"/>
+            </a:pPr>
+            <a:r>
+              <a:rPr kumimoji="1" lang="zh-CN" altLang="en-US" dirty="0" smtClean="0"/>
+              <a:t>元件受到的力等于元件中心的四周四个点的力的矢量和</a:t>
+            </a:r>
+            <a:endParaRPr kumimoji="1" lang="en-US" altLang="zh-CN" dirty="0"/>
+          </a:p>
+          <a:p>
+            <a:endParaRPr kumimoji="1" lang="en-US" altLang="zh-CN" dirty="0"/>
+          </a:p>
+          <a:p>
+            <a:endParaRPr kumimoji="1" lang="en-US" altLang="zh-CN" dirty="0" smtClean="0"/>
+          </a:p>
+          <a:p>
+            <a:endParaRPr kumimoji="1" lang="en-US" altLang="zh-CN" dirty="0"/>
+          </a:p>
+          <a:p>
+            <a:endParaRPr kumimoji="1" lang="en-US" altLang="zh-CN" i="1" dirty="0" smtClean="0">
+              <a:latin typeface="Cambria Math" charset="0"/>
+            </a:endParaRPr>
+          </a:p>
+        </p:txBody>
+      </p:sp>
       <p:sp>
         <p:nvSpPr>
           <p:cNvPr id="2" name="标题 1"/>
@@ -5742,329 +7337,2574 @@
         </p:nvSpPr>
         <p:spPr>
           <a:xfrm>
-            <a:off x="457200" y="260648"/>
-            <a:ext cx="7467600" cy="508918"/>
+            <a:off x="457200" y="332656"/>
+            <a:ext cx="7467600" cy="580926"/>
           </a:xfrm>
         </p:spPr>
         <p:txBody>
           <a:bodyPr>
-            <a:normAutofit fontScale="90000"/>
+            <a:normAutofit/>
           </a:bodyPr>
           <a:lstStyle/>
           <a:p>
             <a:r>
-              <a:rPr lang="zh-CN" altLang="en-US" dirty="0" smtClean="0"/>
-              <a:t>布局流程</a:t>
-            </a:r>
-            <a:endParaRPr lang="zh-CN" altLang="en-US" dirty="0"/>
+              <a:rPr kumimoji="1" lang="zh-CN" altLang="en-US" sz="3200" dirty="0"/>
+              <a:t>格子的划分方式</a:t>
+            </a:r>
+            <a:endParaRPr lang="zh-CN" altLang="en-US" sz="3200" dirty="0"/>
           </a:p>
         </p:txBody>
       </p:sp>
-      <p:sp>
-        <p:nvSpPr>
-          <p:cNvPr id="3" name="内容占位符 2"/>
-          <p:cNvSpPr>
-            <a:spLocks noGrp="1"/>
-          </p:cNvSpPr>
-          <p:nvPr>
-            <p:ph sz="quarter" idx="1"/>
-          </p:nvPr>
-        </p:nvSpPr>
-        <p:spPr>
+      <p:grpSp>
+        <p:nvGrpSpPr>
+          <p:cNvPr id="8" name="组 7"/>
+          <p:cNvGrpSpPr/>
+          <p:nvPr/>
+        </p:nvGrpSpPr>
+        <p:grpSpPr>
           <a:xfrm>
-            <a:off x="457200" y="980728"/>
-            <a:ext cx="7467600" cy="4873752"/>
+            <a:off x="1259632" y="1916832"/>
+            <a:ext cx="6048671" cy="972509"/>
+            <a:chOff x="1763688" y="2311902"/>
+            <a:chExt cx="6586846" cy="1549146"/>
           </a:xfrm>
-        </p:spPr>
-        <p:txBody>
-          <a:bodyPr/>
-          <a:lstStyle/>
-          <a:p>
-            <a:r>
-              <a:rPr lang="zh-CN" altLang="en-US" dirty="0" smtClean="0"/>
-              <a:t>初始布局</a:t>
-            </a:r>
-            <a:endParaRPr lang="en-US" altLang="zh-CN" dirty="0" smtClean="0"/>
-          </a:p>
-          <a:p>
-            <a:pPr lvl="1"/>
-            <a:r>
-              <a:rPr lang="zh-CN" altLang="en-US" dirty="0"/>
-              <a:t>使用</a:t>
-            </a:r>
-            <a:r>
-              <a:rPr lang="en-US" altLang="zh-CN" dirty="0"/>
-              <a:t>bound2bound</a:t>
-            </a:r>
-            <a:r>
-              <a:rPr lang="zh-CN" altLang="en-US" dirty="0"/>
-              <a:t> </a:t>
-            </a:r>
-            <a:r>
-              <a:rPr lang="en-US" altLang="zh-CN" dirty="0"/>
-              <a:t>model</a:t>
-            </a:r>
-            <a:r>
-              <a:rPr lang="zh-CN" altLang="en-US" dirty="0"/>
-              <a:t>进行几次布局，确定模块的初始</a:t>
-            </a:r>
-            <a:r>
-              <a:rPr lang="zh-CN" altLang="en-US" dirty="0" smtClean="0"/>
-              <a:t>位置</a:t>
-            </a:r>
-            <a:endParaRPr lang="en-US" altLang="zh-CN" dirty="0"/>
-          </a:p>
-          <a:p>
-            <a:endParaRPr lang="en-US" altLang="zh-CN" dirty="0" smtClean="0"/>
-          </a:p>
-          <a:p>
-            <a:r>
-              <a:rPr lang="zh-CN" altLang="en-US" dirty="0" smtClean="0"/>
-              <a:t>全局布局</a:t>
-            </a:r>
-            <a:endParaRPr lang="en-US" altLang="zh-CN" dirty="0"/>
-          </a:p>
-          <a:p>
-            <a:endParaRPr lang="zh-CN" altLang="en-US" dirty="0"/>
-          </a:p>
-        </p:txBody>
-      </p:sp>
-      <p:sp>
-        <p:nvSpPr>
-          <p:cNvPr id="5" name="内容占位符 2"/>
-          <p:cNvSpPr txBox="1">
-            <a:spLocks/>
-          </p:cNvSpPr>
-          <p:nvPr/>
-        </p:nvSpPr>
-        <p:spPr>
-          <a:xfrm>
-            <a:off x="457200" y="3356992"/>
-            <a:ext cx="3106688" cy="4873752"/>
-          </a:xfrm>
-          <a:prstGeom prst="rect">
-            <a:avLst/>
-          </a:prstGeom>
-        </p:spPr>
-        <p:txBody>
-          <a:bodyPr vert="horz">
-            <a:normAutofit/>
-          </a:bodyPr>
-          <a:lstStyle>
-            <a:lvl1pPr marL="274320" indent="-274320" algn="l" rtl="0" eaLnBrk="1" latinLnBrk="0" hangingPunct="1">
-              <a:spcBef>
-                <a:spcPts val="600"/>
-              </a:spcBef>
-              <a:buClr>
+        </p:grpSpPr>
+        <p:grpSp>
+          <p:nvGrpSpPr>
+            <p:cNvPr id="9" name="组 8"/>
+            <p:cNvGrpSpPr/>
+            <p:nvPr/>
+          </p:nvGrpSpPr>
+          <p:grpSpPr>
+            <a:xfrm>
+              <a:off x="1763688" y="2311902"/>
+              <a:ext cx="2376264" cy="1549146"/>
+              <a:chOff x="1763688" y="2311902"/>
+              <a:chExt cx="2376264" cy="1549146"/>
+            </a:xfrm>
+            <a:noFill/>
+          </p:grpSpPr>
+          <p:sp>
+            <p:nvSpPr>
+              <p:cNvPr id="12" name="圆角矩形 11"/>
+              <p:cNvSpPr/>
+              <p:nvPr/>
+            </p:nvSpPr>
+            <p:spPr>
+              <a:xfrm>
+                <a:off x="2267744" y="2636912"/>
+                <a:ext cx="792088" cy="576064"/>
+              </a:xfrm>
+              <a:prstGeom prst="roundRect">
+                <a:avLst/>
+              </a:prstGeom>
+              <a:solidFill>
                 <a:schemeClr val="accent1"/>
-              </a:buClr>
-              <a:buSzPct val="70000"/>
-              <a:buFont typeface="Wingdings"/>
-              <a:buChar char=""/>
-              <a:defRPr kumimoji="0" sz="2400" kern="1200">
+              </a:solidFill>
+              <a:ln>
+                <a:solidFill>
+                  <a:schemeClr val="accent1"/>
+                </a:solidFill>
+              </a:ln>
+            </p:spPr>
+            <p:style>
+              <a:lnRef idx="2">
+                <a:schemeClr val="accent1">
+                  <a:shade val="50000"/>
+                </a:schemeClr>
+              </a:lnRef>
+              <a:fillRef idx="1">
+                <a:schemeClr val="accent1"/>
+              </a:fillRef>
+              <a:effectRef idx="0">
+                <a:schemeClr val="accent1"/>
+              </a:effectRef>
+              <a:fontRef idx="minor">
+                <a:schemeClr val="lt1"/>
+              </a:fontRef>
+            </p:style>
+            <p:txBody>
+              <a:bodyPr rtlCol="0" anchor="ctr"/>
+              <a:lstStyle/>
+              <a:p>
+                <a:pPr algn="ctr"/>
+                <a:endParaRPr kumimoji="1" lang="zh-CN" altLang="en-US"/>
+              </a:p>
+            </p:txBody>
+          </p:sp>
+          <p:sp>
+            <p:nvSpPr>
+              <p:cNvPr id="13" name="矩形 12"/>
+              <p:cNvSpPr/>
+              <p:nvPr/>
+            </p:nvSpPr>
+            <p:spPr>
+              <a:xfrm>
+                <a:off x="1763688" y="2420888"/>
+                <a:ext cx="2376264" cy="1440160"/>
+              </a:xfrm>
+              <a:prstGeom prst="rect">
+                <a:avLst/>
+              </a:prstGeom>
+              <a:grpFill/>
+              <a:ln>
                 <a:solidFill>
                   <a:schemeClr val="tx1"/>
                 </a:solidFill>
-                <a:latin typeface="+mn-lt"/>
-                <a:ea typeface="+mn-ea"/>
-                <a:cs typeface="+mn-cs"/>
-              </a:defRPr>
-            </a:lvl1pPr>
-            <a:lvl2pPr marL="640080" indent="-274320" algn="l" rtl="0" eaLnBrk="1" latinLnBrk="0" hangingPunct="1">
-              <a:spcBef>
-                <a:spcPct val="20000"/>
-              </a:spcBef>
-              <a:buClr>
+              </a:ln>
+            </p:spPr>
+            <p:style>
+              <a:lnRef idx="2">
+                <a:schemeClr val="accent1">
+                  <a:shade val="50000"/>
+                </a:schemeClr>
+              </a:lnRef>
+              <a:fillRef idx="1">
                 <a:schemeClr val="accent1"/>
-              </a:buClr>
-              <a:buSzPct val="80000"/>
-              <a:buFont typeface="Wingdings 2"/>
-              <a:buChar char=""/>
-              <a:defRPr kumimoji="0" sz="2100" kern="1200">
+              </a:fillRef>
+              <a:effectRef idx="0">
+                <a:schemeClr val="accent1"/>
+              </a:effectRef>
+              <a:fontRef idx="minor">
+                <a:schemeClr val="lt1"/>
+              </a:fontRef>
+            </p:style>
+            <p:txBody>
+              <a:bodyPr rtlCol="0" anchor="ctr"/>
+              <a:lstStyle/>
+              <a:p>
+                <a:pPr algn="ctr"/>
+                <a:endParaRPr kumimoji="1" lang="zh-CN" altLang="en-US"/>
+              </a:p>
+            </p:txBody>
+          </p:sp>
+          <p:cxnSp>
+            <p:nvCxnSpPr>
+              <p:cNvPr id="14" name="直线连接符 13"/>
+              <p:cNvCxnSpPr/>
+              <p:nvPr/>
+            </p:nvCxnSpPr>
+            <p:spPr>
+              <a:xfrm>
+                <a:off x="1763688" y="2924944"/>
+                <a:ext cx="2376264" cy="15302"/>
+              </a:xfrm>
+              <a:prstGeom prst="line">
+                <a:avLst/>
+              </a:prstGeom>
+              <a:grpFill/>
+              <a:ln w="25400">
                 <a:solidFill>
                   <a:schemeClr val="tx1"/>
                 </a:solidFill>
-                <a:latin typeface="+mn-lt"/>
-                <a:ea typeface="+mn-ea"/>
-                <a:cs typeface="+mn-cs"/>
-              </a:defRPr>
-            </a:lvl2pPr>
-            <a:lvl3pPr marL="914400" indent="-182880" algn="l" rtl="0" eaLnBrk="1" latinLnBrk="0" hangingPunct="1">
-              <a:spcBef>
-                <a:spcPct val="20000"/>
-              </a:spcBef>
-              <a:buClr>
-                <a:schemeClr val="accent1">
-                  <a:shade val="75000"/>
-                </a:schemeClr>
-              </a:buClr>
-              <a:buSzPct val="60000"/>
-              <a:buFont typeface="Wingdings"/>
-              <a:buChar char=""/>
-              <a:defRPr kumimoji="0" sz="1800" kern="1200">
+              </a:ln>
+            </p:spPr>
+            <p:style>
+              <a:lnRef idx="1">
+                <a:schemeClr val="accent1"/>
+              </a:lnRef>
+              <a:fillRef idx="0">
+                <a:schemeClr val="accent1"/>
+              </a:fillRef>
+              <a:effectRef idx="0">
+                <a:schemeClr val="accent1"/>
+              </a:effectRef>
+              <a:fontRef idx="minor">
+                <a:schemeClr val="tx1"/>
+              </a:fontRef>
+            </p:style>
+          </p:cxnSp>
+          <p:cxnSp>
+            <p:nvCxnSpPr>
+              <p:cNvPr id="16" name="直线连接符 15"/>
+              <p:cNvCxnSpPr/>
+              <p:nvPr/>
+            </p:nvCxnSpPr>
+            <p:spPr>
+              <a:xfrm>
+                <a:off x="1763688" y="3429000"/>
+                <a:ext cx="2376264" cy="0"/>
+              </a:xfrm>
+              <a:prstGeom prst="line">
+                <a:avLst/>
+              </a:prstGeom>
+              <a:grpFill/>
+              <a:ln w="25400">
                 <a:solidFill>
                   <a:schemeClr val="tx1"/>
                 </a:solidFill>
-                <a:latin typeface="+mn-lt"/>
-                <a:ea typeface="+mn-ea"/>
-                <a:cs typeface="+mn-cs"/>
-              </a:defRPr>
-            </a:lvl3pPr>
-            <a:lvl4pPr marL="1188720" indent="-182880" algn="l" rtl="0" eaLnBrk="1" latinLnBrk="0" hangingPunct="1">
-              <a:spcBef>
-                <a:spcPct val="20000"/>
-              </a:spcBef>
-              <a:buClr>
-                <a:schemeClr val="accent1">
-                  <a:tint val="60000"/>
-                </a:schemeClr>
-              </a:buClr>
-              <a:buSzPct val="60000"/>
-              <a:buFont typeface="Wingdings"/>
-              <a:buChar char=""/>
-              <a:defRPr kumimoji="0" sz="1800" kern="1200">
+              </a:ln>
+            </p:spPr>
+            <p:style>
+              <a:lnRef idx="1">
+                <a:schemeClr val="accent1"/>
+              </a:lnRef>
+              <a:fillRef idx="0">
+                <a:schemeClr val="accent1"/>
+              </a:fillRef>
+              <a:effectRef idx="0">
+                <a:schemeClr val="accent1"/>
+              </a:effectRef>
+              <a:fontRef idx="minor">
+                <a:schemeClr val="tx1"/>
+              </a:fontRef>
+            </p:style>
+          </p:cxnSp>
+          <p:cxnSp>
+            <p:nvCxnSpPr>
+              <p:cNvPr id="17" name="直线连接符 16"/>
+              <p:cNvCxnSpPr/>
+              <p:nvPr/>
+            </p:nvCxnSpPr>
+            <p:spPr>
+              <a:xfrm>
+                <a:off x="2555776" y="2420888"/>
+                <a:ext cx="0" cy="1440160"/>
+              </a:xfrm>
+              <a:prstGeom prst="line">
+                <a:avLst/>
+              </a:prstGeom>
+              <a:grpFill/>
+              <a:ln w="25400">
                 <a:solidFill>
                   <a:schemeClr val="tx1"/>
                 </a:solidFill>
-                <a:latin typeface="+mn-lt"/>
-                <a:ea typeface="+mn-ea"/>
-                <a:cs typeface="+mn-cs"/>
-              </a:defRPr>
-            </a:lvl4pPr>
-            <a:lvl5pPr marL="1463040" indent="-182880" algn="l" rtl="0" eaLnBrk="1" latinLnBrk="0" hangingPunct="1">
-              <a:spcBef>
-                <a:spcPct val="20000"/>
-              </a:spcBef>
-              <a:buClr>
-                <a:schemeClr val="accent2">
-                  <a:tint val="60000"/>
-                </a:schemeClr>
-              </a:buClr>
-              <a:buSzPct val="68000"/>
-              <a:buFont typeface="Wingdings 2"/>
-              <a:buChar char=""/>
-              <a:defRPr kumimoji="0" sz="1600" kern="1200">
+              </a:ln>
+            </p:spPr>
+            <p:style>
+              <a:lnRef idx="1">
+                <a:schemeClr val="accent1"/>
+              </a:lnRef>
+              <a:fillRef idx="0">
+                <a:schemeClr val="accent1"/>
+              </a:fillRef>
+              <a:effectRef idx="0">
+                <a:schemeClr val="accent1"/>
+              </a:effectRef>
+              <a:fontRef idx="minor">
+                <a:schemeClr val="tx1"/>
+              </a:fontRef>
+            </p:style>
+          </p:cxnSp>
+          <p:cxnSp>
+            <p:nvCxnSpPr>
+              <p:cNvPr id="18" name="直线连接符 17"/>
+              <p:cNvCxnSpPr/>
+              <p:nvPr/>
+            </p:nvCxnSpPr>
+            <p:spPr>
+              <a:xfrm>
+                <a:off x="3347864" y="2420888"/>
+                <a:ext cx="0" cy="1440160"/>
+              </a:xfrm>
+              <a:prstGeom prst="line">
+                <a:avLst/>
+              </a:prstGeom>
+              <a:grpFill/>
+              <a:ln w="25400">
                 <a:solidFill>
                   <a:schemeClr val="tx1"/>
                 </a:solidFill>
-                <a:latin typeface="+mn-lt"/>
-                <a:ea typeface="+mn-ea"/>
-                <a:cs typeface="+mn-cs"/>
-              </a:defRPr>
-            </a:lvl5pPr>
-            <a:lvl6pPr marL="1737360" indent="-182880" algn="l" rtl="0" eaLnBrk="1" latinLnBrk="0" hangingPunct="1">
-              <a:spcBef>
-                <a:spcPct val="20000"/>
-              </a:spcBef>
-              <a:buClr>
+              </a:ln>
+            </p:spPr>
+            <p:style>
+              <a:lnRef idx="1">
                 <a:schemeClr val="accent1"/>
-              </a:buClr>
-              <a:buChar char="•"/>
-              <a:defRPr kumimoji="0" sz="1600" kern="1200">
+              </a:lnRef>
+              <a:fillRef idx="0">
+                <a:schemeClr val="accent1"/>
+              </a:fillRef>
+              <a:effectRef idx="0">
+                <a:schemeClr val="accent1"/>
+              </a:effectRef>
+              <a:fontRef idx="minor">
+                <a:schemeClr val="tx1"/>
+              </a:fontRef>
+            </p:style>
+          </p:cxnSp>
+          <p:sp>
+            <p:nvSpPr>
+              <p:cNvPr id="19" name="文本框 18"/>
+              <p:cNvSpPr txBox="1"/>
+              <p:nvPr/>
+            </p:nvSpPr>
+            <p:spPr>
+              <a:xfrm>
+                <a:off x="2735379" y="2821930"/>
+                <a:ext cx="432048" cy="461665"/>
+              </a:xfrm>
+              <a:prstGeom prst="rect">
+                <a:avLst/>
+              </a:prstGeom>
+              <a:grpFill/>
+            </p:spPr>
+            <p:txBody>
+              <a:bodyPr wrap="square" rtlCol="0">
+                <a:spAutoFit/>
+              </a:bodyPr>
+              <a:lstStyle/>
+              <a:p>
+                <a:r>
+                  <a:rPr kumimoji="1" lang="en-US" altLang="zh-CN" sz="2400" dirty="0"/>
+                  <a:t>D</a:t>
+                </a:r>
+                <a:endParaRPr kumimoji="1" lang="zh-CN" altLang="en-US" sz="2400" dirty="0" smtClean="0"/>
+              </a:p>
+            </p:txBody>
+          </p:sp>
+          <p:sp>
+            <p:nvSpPr>
+              <p:cNvPr id="20" name="文本框 19"/>
+              <p:cNvSpPr txBox="1"/>
+              <p:nvPr/>
+            </p:nvSpPr>
+            <p:spPr>
+              <a:xfrm>
+                <a:off x="2735379" y="2311902"/>
+                <a:ext cx="432048" cy="461665"/>
+              </a:xfrm>
+              <a:prstGeom prst="rect">
+                <a:avLst/>
+              </a:prstGeom>
+              <a:grpFill/>
+            </p:spPr>
+            <p:txBody>
+              <a:bodyPr wrap="square" rtlCol="0">
+                <a:spAutoFit/>
+              </a:bodyPr>
+              <a:lstStyle/>
+              <a:p>
+                <a:r>
+                  <a:rPr kumimoji="1" lang="en-US" altLang="zh-CN" sz="2400" dirty="0"/>
+                  <a:t>B</a:t>
+                </a:r>
+                <a:endParaRPr kumimoji="1" lang="zh-CN" altLang="en-US" sz="2400" dirty="0" smtClean="0"/>
+              </a:p>
+            </p:txBody>
+          </p:sp>
+          <p:sp>
+            <p:nvSpPr>
+              <p:cNvPr id="21" name="文本框 20"/>
+              <p:cNvSpPr txBox="1"/>
+              <p:nvPr/>
+            </p:nvSpPr>
+            <p:spPr>
+              <a:xfrm>
+                <a:off x="1919337" y="2810416"/>
+                <a:ext cx="432048" cy="461665"/>
+              </a:xfrm>
+              <a:prstGeom prst="rect">
+                <a:avLst/>
+              </a:prstGeom>
+              <a:grpFill/>
+            </p:spPr>
+            <p:txBody>
+              <a:bodyPr wrap="square" rtlCol="0">
+                <a:spAutoFit/>
+              </a:bodyPr>
+              <a:lstStyle/>
+              <a:p>
+                <a:r>
+                  <a:rPr kumimoji="1" lang="en-US" altLang="zh-CN" sz="2400" dirty="0"/>
+                  <a:t>C</a:t>
+                </a:r>
+                <a:endParaRPr kumimoji="1" lang="zh-CN" altLang="en-US" sz="2400" dirty="0" smtClean="0"/>
+              </a:p>
+            </p:txBody>
+          </p:sp>
+          <p:sp>
+            <p:nvSpPr>
+              <p:cNvPr id="22" name="文本框 21"/>
+              <p:cNvSpPr txBox="1"/>
+              <p:nvPr/>
+            </p:nvSpPr>
+            <p:spPr>
+              <a:xfrm>
+                <a:off x="1931806" y="2317874"/>
+                <a:ext cx="432048" cy="461664"/>
+              </a:xfrm>
+              <a:prstGeom prst="rect">
+                <a:avLst/>
+              </a:prstGeom>
+              <a:grpFill/>
+            </p:spPr>
+            <p:txBody>
+              <a:bodyPr wrap="square" rtlCol="0">
+                <a:spAutoFit/>
+              </a:bodyPr>
+              <a:lstStyle/>
+              <a:p>
+                <a:r>
+                  <a:rPr kumimoji="1" lang="en-US" altLang="zh-CN" sz="2400" dirty="0" smtClean="0"/>
+                  <a:t>A</a:t>
+                </a:r>
+                <a:endParaRPr kumimoji="1" lang="zh-CN" altLang="en-US" sz="2400" dirty="0" smtClean="0"/>
+              </a:p>
+            </p:txBody>
+          </p:sp>
+        </p:grpSp>
+        <p:sp>
+          <p:nvSpPr>
+            <p:cNvPr id="10" name="文本框 9"/>
+            <p:cNvSpPr txBox="1"/>
+            <p:nvPr/>
+          </p:nvSpPr>
+          <p:spPr>
+            <a:xfrm>
+              <a:off x="2492758" y="2501751"/>
+              <a:ext cx="432048" cy="735403"/>
+            </a:xfrm>
+            <a:prstGeom prst="rect">
+              <a:avLst/>
+            </a:prstGeom>
+            <a:noFill/>
+          </p:spPr>
+          <p:txBody>
+            <a:bodyPr wrap="square" rtlCol="0">
+              <a:spAutoFit/>
+            </a:bodyPr>
+            <a:lstStyle/>
+            <a:p>
+              <a:r>
+                <a:rPr kumimoji="1" lang="en-US" altLang="zh-CN" sz="2400" dirty="0">
+                  <a:solidFill>
+                    <a:schemeClr val="bg1"/>
+                  </a:solidFill>
+                </a:rPr>
+                <a:t>1</a:t>
+              </a:r>
+              <a:endParaRPr kumimoji="1" lang="zh-CN" altLang="en-US" sz="2400" dirty="0" smtClean="0">
                 <a:solidFill>
-                  <a:schemeClr val="tx2"/>
+                  <a:schemeClr val="bg1"/>
                 </a:solidFill>
-                <a:latin typeface="+mn-lt"/>
-                <a:ea typeface="+mn-ea"/>
-                <a:cs typeface="+mn-cs"/>
-              </a:defRPr>
-            </a:lvl6pPr>
-            <a:lvl7pPr marL="2011680" indent="-182880" algn="l" rtl="0" eaLnBrk="1" latinLnBrk="0" hangingPunct="1">
-              <a:spcBef>
-                <a:spcPct val="20000"/>
-              </a:spcBef>
-              <a:buClr>
+              </a:endParaRPr>
+            </a:p>
+          </p:txBody>
+        </p:sp>
+        <mc:AlternateContent xmlns:mc="http://schemas.openxmlformats.org/markup-compatibility/2006" xmlns:a14="http://schemas.microsoft.com/office/drawing/2010/main">
+          <mc:Choice Requires="a14">
+            <p:sp>
+              <p:nvSpPr>
+                <p:cNvPr id="11" name="文本框 10"/>
+                <p:cNvSpPr txBox="1"/>
+                <p:nvPr/>
+              </p:nvSpPr>
+              <p:spPr>
+                <a:xfrm>
+                  <a:off x="4072862" y="2325447"/>
+                  <a:ext cx="4277672" cy="806697"/>
+                </a:xfrm>
+                <a:prstGeom prst="rect">
+                  <a:avLst/>
+                </a:prstGeom>
+                <a:noFill/>
+              </p:spPr>
+              <p:txBody>
+                <a:bodyPr wrap="square" rtlCol="0">
+                  <a:spAutoFit/>
+                </a:bodyPr>
+                <a:lstStyle/>
+                <a:p>
+                  <a:pPr/>
+                  <a14:m>
+                    <m:oMathPara xmlns:m="http://schemas.openxmlformats.org/officeDocument/2006/math">
+                      <m:oMathParaPr>
+                        <m:jc m:val="centerGroup"/>
+                      </m:oMathParaPr>
+                      <m:oMath xmlns:m="http://schemas.openxmlformats.org/officeDocument/2006/math">
+                        <m:acc>
+                          <m:accPr>
+                            <m:chr m:val="⃑"/>
+                            <m:ctrlPr>
+                              <a:rPr kumimoji="1" lang="en-US" altLang="zh-CN" sz="2400" b="0" i="1" smtClean="0">
+                                <a:solidFill>
+                                  <a:schemeClr val="tx1"/>
+                                </a:solidFill>
+                                <a:latin typeface="Cambria Math" charset="0"/>
+                              </a:rPr>
+                            </m:ctrlPr>
+                          </m:accPr>
+                          <m:e>
+                            <m:sSub>
+                              <m:sSubPr>
+                                <m:ctrlPr>
+                                  <a:rPr kumimoji="1" lang="en-US" altLang="zh-CN" sz="2400" b="0" i="1" smtClean="0">
+                                    <a:solidFill>
+                                      <a:schemeClr val="tx1"/>
+                                    </a:solidFill>
+                                    <a:latin typeface="Cambria Math" charset="0"/>
+                                  </a:rPr>
+                                </m:ctrlPr>
+                              </m:sSubPr>
+                              <m:e>
+                                <m:r>
+                                  <a:rPr kumimoji="1" lang="en-US" altLang="zh-CN" sz="2400" b="0" i="1" smtClean="0">
+                                    <a:latin typeface="Cambria Math" charset="0"/>
+                                  </a:rPr>
+                                  <m:t>𝐹</m:t>
+                                </m:r>
+                              </m:e>
+                              <m:sub>
+                                <m:r>
+                                  <a:rPr kumimoji="1" lang="en-US" altLang="zh-CN" sz="2400" b="0" i="1" smtClean="0">
+                                    <a:solidFill>
+                                      <a:schemeClr val="tx1"/>
+                                    </a:solidFill>
+                                    <a:latin typeface="Cambria Math" charset="0"/>
+                                  </a:rPr>
+                                  <m:t>1</m:t>
+                                </m:r>
+                              </m:sub>
+                            </m:sSub>
+                          </m:e>
+                        </m:acc>
+                        <m:r>
+                          <a:rPr kumimoji="1" lang="en-US" altLang="zh-CN" sz="2400" b="0" i="1" smtClean="0">
+                            <a:solidFill>
+                              <a:schemeClr val="tx1"/>
+                            </a:solidFill>
+                            <a:latin typeface="Cambria Math" charset="0"/>
+                          </a:rPr>
+                          <m:t>=</m:t>
+                        </m:r>
+                        <m:acc>
+                          <m:accPr>
+                            <m:chr m:val="⃑"/>
+                            <m:ctrlPr>
+                              <a:rPr kumimoji="1" lang="en-US" altLang="zh-CN" sz="2400" i="1">
+                                <a:latin typeface="Cambria Math" charset="0"/>
+                              </a:rPr>
+                            </m:ctrlPr>
+                          </m:accPr>
+                          <m:e>
+                            <m:sSub>
+                              <m:sSubPr>
+                                <m:ctrlPr>
+                                  <a:rPr kumimoji="1" lang="en-US" altLang="zh-CN" sz="2400" i="1">
+                                    <a:latin typeface="Cambria Math" charset="0"/>
+                                  </a:rPr>
+                                </m:ctrlPr>
+                              </m:sSubPr>
+                              <m:e>
+                                <m:r>
+                                  <a:rPr kumimoji="1" lang="en-US" altLang="zh-CN" sz="2400" i="1">
+                                    <a:latin typeface="Cambria Math" charset="0"/>
+                                  </a:rPr>
+                                  <m:t>𝐹</m:t>
+                                </m:r>
+                              </m:e>
+                              <m:sub>
+                                <m:r>
+                                  <a:rPr kumimoji="1" lang="en-US" altLang="zh-CN" sz="2400" i="1">
+                                    <a:latin typeface="Cambria Math" charset="0"/>
+                                  </a:rPr>
+                                  <m:t>𝐴</m:t>
+                                </m:r>
+                              </m:sub>
+                            </m:sSub>
+                          </m:e>
+                        </m:acc>
+                        <m:r>
+                          <a:rPr kumimoji="1" lang="en-US" altLang="zh-CN" sz="2400" b="0" i="1" smtClean="0">
+                            <a:latin typeface="Cambria Math" charset="0"/>
+                          </a:rPr>
+                          <m:t>+</m:t>
+                        </m:r>
+                        <m:acc>
+                          <m:accPr>
+                            <m:chr m:val="⃑"/>
+                            <m:ctrlPr>
+                              <a:rPr kumimoji="1" lang="en-US" altLang="zh-CN" sz="2400" i="1">
+                                <a:latin typeface="Cambria Math" charset="0"/>
+                              </a:rPr>
+                            </m:ctrlPr>
+                          </m:accPr>
+                          <m:e>
+                            <m:sSub>
+                              <m:sSubPr>
+                                <m:ctrlPr>
+                                  <a:rPr kumimoji="1" lang="en-US" altLang="zh-CN" sz="2400" i="1">
+                                    <a:latin typeface="Cambria Math" charset="0"/>
+                                  </a:rPr>
+                                </m:ctrlPr>
+                              </m:sSubPr>
+                              <m:e>
+                                <m:r>
+                                  <a:rPr kumimoji="1" lang="en-US" altLang="zh-CN" sz="2400" i="1">
+                                    <a:latin typeface="Cambria Math" charset="0"/>
+                                  </a:rPr>
+                                  <m:t>𝐹</m:t>
+                                </m:r>
+                              </m:e>
+                              <m:sub>
+                                <m:r>
+                                  <a:rPr kumimoji="1" lang="en-US" altLang="zh-CN" sz="2400" i="1">
+                                    <a:latin typeface="Cambria Math" charset="0"/>
+                                  </a:rPr>
+                                  <m:t>𝐵</m:t>
+                                </m:r>
+                              </m:sub>
+                            </m:sSub>
+                          </m:e>
+                        </m:acc>
+                        <m:r>
+                          <a:rPr kumimoji="1" lang="en-US" altLang="zh-CN" sz="2400" b="0" i="1" smtClean="0">
+                            <a:latin typeface="Cambria Math" charset="0"/>
+                          </a:rPr>
+                          <m:t>+</m:t>
+                        </m:r>
+                        <m:acc>
+                          <m:accPr>
+                            <m:chr m:val="⃑"/>
+                            <m:ctrlPr>
+                              <a:rPr kumimoji="1" lang="en-US" altLang="zh-CN" sz="2400" i="1">
+                                <a:latin typeface="Cambria Math" charset="0"/>
+                              </a:rPr>
+                            </m:ctrlPr>
+                          </m:accPr>
+                          <m:e>
+                            <m:sSub>
+                              <m:sSubPr>
+                                <m:ctrlPr>
+                                  <a:rPr kumimoji="1" lang="en-US" altLang="zh-CN" sz="2400" i="1">
+                                    <a:latin typeface="Cambria Math" charset="0"/>
+                                  </a:rPr>
+                                </m:ctrlPr>
+                              </m:sSubPr>
+                              <m:e>
+                                <m:r>
+                                  <a:rPr kumimoji="1" lang="en-US" altLang="zh-CN" sz="2400" i="1">
+                                    <a:latin typeface="Cambria Math" charset="0"/>
+                                  </a:rPr>
+                                  <m:t>𝐹</m:t>
+                                </m:r>
+                              </m:e>
+                              <m:sub>
+                                <m:r>
+                                  <a:rPr kumimoji="1" lang="en-US" altLang="zh-CN" sz="2400" i="1">
+                                    <a:latin typeface="Cambria Math" charset="0"/>
+                                  </a:rPr>
+                                  <m:t>𝐶</m:t>
+                                </m:r>
+                              </m:sub>
+                            </m:sSub>
+                          </m:e>
+                        </m:acc>
+                        <m:r>
+                          <a:rPr kumimoji="1" lang="en-US" altLang="zh-CN" sz="2400" b="0" i="1" smtClean="0">
+                            <a:latin typeface="Cambria Math" charset="0"/>
+                          </a:rPr>
+                          <m:t>+</m:t>
+                        </m:r>
+                        <m:acc>
+                          <m:accPr>
+                            <m:chr m:val="⃑"/>
+                            <m:ctrlPr>
+                              <a:rPr kumimoji="1" lang="en-US" altLang="zh-CN" sz="2400" i="1">
+                                <a:latin typeface="Cambria Math" charset="0"/>
+                              </a:rPr>
+                            </m:ctrlPr>
+                          </m:accPr>
+                          <m:e>
+                            <m:sSub>
+                              <m:sSubPr>
+                                <m:ctrlPr>
+                                  <a:rPr kumimoji="1" lang="en-US" altLang="zh-CN" sz="2400" i="1">
+                                    <a:latin typeface="Cambria Math" charset="0"/>
+                                  </a:rPr>
+                                </m:ctrlPr>
+                              </m:sSubPr>
+                              <m:e>
+                                <m:r>
+                                  <a:rPr kumimoji="1" lang="en-US" altLang="zh-CN" sz="2400" i="1">
+                                    <a:latin typeface="Cambria Math" charset="0"/>
+                                  </a:rPr>
+                                  <m:t>𝐹</m:t>
+                                </m:r>
+                              </m:e>
+                              <m:sub>
+                                <m:r>
+                                  <a:rPr kumimoji="1" lang="en-US" altLang="zh-CN" sz="2400" i="1">
+                                    <a:latin typeface="Cambria Math" charset="0"/>
+                                  </a:rPr>
+                                  <m:t>𝐷</m:t>
+                                </m:r>
+                              </m:sub>
+                            </m:sSub>
+                          </m:e>
+                        </m:acc>
+                      </m:oMath>
+                    </m:oMathPara>
+                  </a14:m>
+                  <a:endParaRPr kumimoji="1" lang="zh-CN" altLang="en-US" sz="2400" dirty="0" smtClean="0">
+                    <a:solidFill>
+                      <a:schemeClr val="tx1"/>
+                    </a:solidFill>
+                  </a:endParaRPr>
+                </a:p>
+              </p:txBody>
+            </p:sp>
+          </mc:Choice>
+          <mc:Fallback xmlns="">
+            <p:sp>
+              <p:nvSpPr>
+                <p:cNvPr id="11" name="文本框 10"/>
+                <p:cNvSpPr txBox="1">
+                  <a:spLocks noRot="1" noChangeAspect="1" noMove="1" noResize="1" noEditPoints="1" noAdjustHandles="1" noChangeArrowheads="1" noChangeShapeType="1" noTextEdit="1"/>
+                </p:cNvSpPr>
+                <p:nvPr/>
+              </p:nvSpPr>
+              <p:spPr>
+                <a:xfrm>
+                  <a:off x="4072862" y="2325447"/>
+                  <a:ext cx="4277672" cy="806697"/>
+                </a:xfrm>
+                <a:prstGeom prst="rect">
+                  <a:avLst/>
+                </a:prstGeom>
+                <a:blipFill rotWithShape="0">
+                  <a:blip r:embed="rId3"/>
+                  <a:stretch>
+                    <a:fillRect/>
+                  </a:stretch>
+                </a:blipFill>
+              </p:spPr>
+              <p:txBody>
+                <a:bodyPr/>
+                <a:lstStyle/>
+                <a:p>
+                  <a:r>
+                    <a:rPr lang="zh-CN" altLang="en-US">
+                      <a:noFill/>
+                    </a:rPr>
+                    <a:t> </a:t>
+                  </a:r>
+                </a:p>
+              </p:txBody>
+            </p:sp>
+          </mc:Fallback>
+        </mc:AlternateContent>
+      </p:grpSp>
+      <p:grpSp>
+        <p:nvGrpSpPr>
+          <p:cNvPr id="24" name="组 23"/>
+          <p:cNvGrpSpPr/>
+          <p:nvPr/>
+        </p:nvGrpSpPr>
+        <p:grpSpPr>
+          <a:xfrm>
+            <a:off x="857298" y="4539575"/>
+            <a:ext cx="4163254" cy="2024517"/>
+            <a:chOff x="1379635" y="2468966"/>
+            <a:chExt cx="4558688" cy="2523537"/>
+          </a:xfrm>
+        </p:grpSpPr>
+        <p:sp>
+          <p:nvSpPr>
+            <p:cNvPr id="25" name="文本框 24"/>
+            <p:cNvSpPr txBox="1"/>
+            <p:nvPr/>
+          </p:nvSpPr>
+          <p:spPr>
+            <a:xfrm>
+              <a:off x="2193907" y="4530839"/>
+              <a:ext cx="3744416" cy="461664"/>
+            </a:xfrm>
+            <a:prstGeom prst="rect">
+              <a:avLst/>
+            </a:prstGeom>
+            <a:noFill/>
+          </p:spPr>
+          <p:txBody>
+            <a:bodyPr wrap="square" rtlCol="0">
+              <a:spAutoFit/>
+            </a:bodyPr>
+            <a:lstStyle/>
+            <a:p>
+              <a:r>
+                <a:rPr kumimoji="1" lang="en-US" altLang="zh-CN" sz="2400" dirty="0" smtClean="0">
+                  <a:solidFill>
+                    <a:schemeClr val="tx1"/>
+                  </a:solidFill>
+                </a:rPr>
+                <a:t>g(B)</a:t>
+              </a:r>
+              <a:r>
+                <a:rPr kumimoji="1" lang="zh-CN" altLang="en-US" sz="2400" dirty="0" smtClean="0">
+                  <a:solidFill>
+                    <a:schemeClr val="tx1"/>
+                  </a:solidFill>
+                </a:rPr>
+                <a:t> </a:t>
+              </a:r>
+              <a:r>
+                <a:rPr kumimoji="1" lang="en-US" altLang="zh-CN" sz="2400" dirty="0" smtClean="0">
+                  <a:solidFill>
+                    <a:schemeClr val="tx1"/>
+                  </a:solidFill>
+                </a:rPr>
+                <a:t>=</a:t>
+              </a:r>
+              <a:r>
+                <a:rPr kumimoji="1" lang="zh-CN" altLang="en-US" sz="2400" dirty="0" smtClean="0">
+                  <a:solidFill>
+                    <a:schemeClr val="tx1"/>
+                  </a:solidFill>
+                </a:rPr>
+                <a:t> </a:t>
+              </a:r>
+              <a:r>
+                <a:rPr kumimoji="1" lang="en-US" altLang="zh-CN" sz="2400" dirty="0" smtClean="0">
+                  <a:solidFill>
+                    <a:schemeClr val="tx1"/>
+                  </a:solidFill>
+                </a:rPr>
+                <a:t>2</a:t>
+              </a:r>
+              <a:endParaRPr kumimoji="1" lang="zh-CN" altLang="en-US" sz="2400" dirty="0" smtClean="0">
+                <a:solidFill>
+                  <a:schemeClr val="tx1"/>
+                </a:solidFill>
+              </a:endParaRPr>
+            </a:p>
+          </p:txBody>
+        </p:sp>
+        <p:grpSp>
+          <p:nvGrpSpPr>
+            <p:cNvPr id="26" name="组 25"/>
+            <p:cNvGrpSpPr/>
+            <p:nvPr/>
+          </p:nvGrpSpPr>
+          <p:grpSpPr>
+            <a:xfrm>
+              <a:off x="1379635" y="2468966"/>
+              <a:ext cx="2854263" cy="1974657"/>
+              <a:chOff x="1379635" y="2468966"/>
+              <a:chExt cx="2854263" cy="1974657"/>
+            </a:xfrm>
+          </p:grpSpPr>
+          <p:grpSp>
+            <p:nvGrpSpPr>
+              <p:cNvPr id="27" name="组 26"/>
+              <p:cNvGrpSpPr/>
+              <p:nvPr/>
+            </p:nvGrpSpPr>
+            <p:grpSpPr>
+              <a:xfrm>
+                <a:off x="1989189" y="2861271"/>
+                <a:ext cx="811537" cy="479872"/>
+                <a:chOff x="2104279" y="5037360"/>
+                <a:chExt cx="811537" cy="479872"/>
+              </a:xfrm>
+            </p:grpSpPr>
+            <p:sp>
+              <p:nvSpPr>
+                <p:cNvPr id="45" name="圆角矩形 44"/>
+                <p:cNvSpPr/>
+                <p:nvPr/>
+              </p:nvSpPr>
+              <p:spPr>
+                <a:xfrm>
+                  <a:off x="2104279" y="5050953"/>
+                  <a:ext cx="811537" cy="466279"/>
+                </a:xfrm>
+                <a:prstGeom prst="roundRect">
+                  <a:avLst/>
+                </a:prstGeom>
+                <a:solidFill>
+                  <a:schemeClr val="accent1"/>
+                </a:solidFill>
+                <a:ln>
+                  <a:solidFill>
+                    <a:srgbClr val="00B0F0"/>
+                  </a:solidFill>
+                </a:ln>
+              </p:spPr>
+              <p:style>
+                <a:lnRef idx="2">
+                  <a:schemeClr val="accent1">
+                    <a:shade val="50000"/>
+                  </a:schemeClr>
+                </a:lnRef>
+                <a:fillRef idx="1">
+                  <a:schemeClr val="accent1"/>
+                </a:fillRef>
+                <a:effectRef idx="0">
+                  <a:schemeClr val="accent1"/>
+                </a:effectRef>
+                <a:fontRef idx="minor">
+                  <a:schemeClr val="lt1"/>
+                </a:fontRef>
+              </p:style>
+              <p:txBody>
+                <a:bodyPr rtlCol="0" anchor="ctr"/>
+                <a:lstStyle/>
+                <a:p>
+                  <a:pPr algn="ctr"/>
+                  <a:endParaRPr kumimoji="1" lang="zh-CN" altLang="en-US"/>
+                </a:p>
+              </p:txBody>
+            </p:sp>
+            <p:sp>
+              <p:nvSpPr>
+                <p:cNvPr id="46" name="文本框 45"/>
+                <p:cNvSpPr txBox="1"/>
+                <p:nvPr/>
+              </p:nvSpPr>
+              <p:spPr>
+                <a:xfrm>
+                  <a:off x="2329206" y="5037360"/>
+                  <a:ext cx="432048" cy="461665"/>
+                </a:xfrm>
+                <a:prstGeom prst="rect">
+                  <a:avLst/>
+                </a:prstGeom>
+                <a:noFill/>
+              </p:spPr>
+              <p:txBody>
+                <a:bodyPr wrap="square" rtlCol="0">
+                  <a:spAutoFit/>
+                </a:bodyPr>
+                <a:lstStyle/>
+                <a:p>
+                  <a:r>
+                    <a:rPr kumimoji="1" lang="en-US" altLang="zh-CN" sz="2400" dirty="0">
+                      <a:solidFill>
+                        <a:schemeClr val="bg1"/>
+                      </a:solidFill>
+                    </a:rPr>
+                    <a:t>1</a:t>
+                  </a:r>
+                  <a:endParaRPr kumimoji="1" lang="zh-CN" altLang="en-US" sz="2400" dirty="0" smtClean="0">
+                    <a:solidFill>
+                      <a:schemeClr val="bg1"/>
+                    </a:solidFill>
+                  </a:endParaRPr>
+                </a:p>
+              </p:txBody>
+            </p:sp>
+          </p:grpSp>
+          <p:grpSp>
+            <p:nvGrpSpPr>
+              <p:cNvPr id="28" name="组 27"/>
+              <p:cNvGrpSpPr/>
+              <p:nvPr/>
+            </p:nvGrpSpPr>
+            <p:grpSpPr>
+              <a:xfrm>
+                <a:off x="2481978" y="2778566"/>
+                <a:ext cx="811537" cy="479872"/>
+                <a:chOff x="2104279" y="5037360"/>
+                <a:chExt cx="811537" cy="479872"/>
+              </a:xfrm>
+            </p:grpSpPr>
+            <p:sp>
+              <p:nvSpPr>
+                <p:cNvPr id="43" name="圆角矩形 42"/>
+                <p:cNvSpPr/>
+                <p:nvPr/>
+              </p:nvSpPr>
+              <p:spPr>
+                <a:xfrm>
+                  <a:off x="2104279" y="5050953"/>
+                  <a:ext cx="811537" cy="466279"/>
+                </a:xfrm>
+                <a:prstGeom prst="roundRect">
+                  <a:avLst/>
+                </a:prstGeom>
+                <a:solidFill>
+                  <a:schemeClr val="accent1"/>
+                </a:solidFill>
+                <a:ln>
+                  <a:solidFill>
+                    <a:srgbClr val="00B0F0"/>
+                  </a:solidFill>
+                </a:ln>
+              </p:spPr>
+              <p:style>
+                <a:lnRef idx="2">
+                  <a:schemeClr val="accent1">
+                    <a:shade val="50000"/>
+                  </a:schemeClr>
+                </a:lnRef>
+                <a:fillRef idx="1">
+                  <a:schemeClr val="accent1"/>
+                </a:fillRef>
+                <a:effectRef idx="0">
+                  <a:schemeClr val="accent1"/>
+                </a:effectRef>
+                <a:fontRef idx="minor">
+                  <a:schemeClr val="lt1"/>
+                </a:fontRef>
+              </p:style>
+              <p:txBody>
+                <a:bodyPr rtlCol="0" anchor="ctr"/>
+                <a:lstStyle/>
+                <a:p>
+                  <a:pPr algn="ctr"/>
+                  <a:endParaRPr kumimoji="1" lang="zh-CN" altLang="en-US"/>
+                </a:p>
+              </p:txBody>
+            </p:sp>
+            <p:sp>
+              <p:nvSpPr>
+                <p:cNvPr id="44" name="文本框 43"/>
+                <p:cNvSpPr txBox="1"/>
+                <p:nvPr/>
+              </p:nvSpPr>
+              <p:spPr>
+                <a:xfrm>
+                  <a:off x="2329206" y="5037360"/>
+                  <a:ext cx="432048" cy="461665"/>
+                </a:xfrm>
+                <a:prstGeom prst="rect">
+                  <a:avLst/>
+                </a:prstGeom>
+                <a:noFill/>
+              </p:spPr>
+              <p:txBody>
+                <a:bodyPr wrap="square" rtlCol="0">
+                  <a:spAutoFit/>
+                </a:bodyPr>
+                <a:lstStyle/>
+                <a:p>
+                  <a:r>
+                    <a:rPr kumimoji="1" lang="en-US" altLang="zh-CN" sz="2400" dirty="0">
+                      <a:solidFill>
+                        <a:schemeClr val="bg1"/>
+                      </a:solidFill>
+                    </a:rPr>
+                    <a:t>2</a:t>
+                  </a:r>
+                  <a:endParaRPr kumimoji="1" lang="zh-CN" altLang="en-US" sz="2400" dirty="0" smtClean="0">
+                    <a:solidFill>
+                      <a:schemeClr val="bg1"/>
+                    </a:solidFill>
+                  </a:endParaRPr>
+                </a:p>
+              </p:txBody>
+            </p:sp>
+          </p:grpSp>
+          <p:grpSp>
+            <p:nvGrpSpPr>
+              <p:cNvPr id="29" name="组 28"/>
+              <p:cNvGrpSpPr/>
+              <p:nvPr/>
+            </p:nvGrpSpPr>
+            <p:grpSpPr>
+              <a:xfrm>
+                <a:off x="1857634" y="3003463"/>
+                <a:ext cx="2376264" cy="1440160"/>
+                <a:chOff x="1846040" y="2659881"/>
+                <a:chExt cx="2376264" cy="1440160"/>
+              </a:xfrm>
+            </p:grpSpPr>
+            <p:sp>
+              <p:nvSpPr>
+                <p:cNvPr id="38" name="矩形 37"/>
+                <p:cNvSpPr/>
+                <p:nvPr/>
+              </p:nvSpPr>
+              <p:spPr>
+                <a:xfrm>
+                  <a:off x="1846040" y="2659881"/>
+                  <a:ext cx="2376264" cy="1440160"/>
+                </a:xfrm>
+                <a:prstGeom prst="rect">
+                  <a:avLst/>
+                </a:prstGeom>
+                <a:noFill/>
+                <a:ln>
+                  <a:solidFill>
+                    <a:schemeClr val="tx1"/>
+                  </a:solidFill>
+                </a:ln>
+              </p:spPr>
+              <p:style>
+                <a:lnRef idx="2">
+                  <a:schemeClr val="accent1">
+                    <a:shade val="50000"/>
+                  </a:schemeClr>
+                </a:lnRef>
+                <a:fillRef idx="1">
+                  <a:schemeClr val="accent1"/>
+                </a:fillRef>
+                <a:effectRef idx="0">
+                  <a:schemeClr val="accent1"/>
+                </a:effectRef>
+                <a:fontRef idx="minor">
+                  <a:schemeClr val="lt1"/>
+                </a:fontRef>
+              </p:style>
+              <p:txBody>
+                <a:bodyPr rtlCol="0" anchor="ctr"/>
+                <a:lstStyle/>
+                <a:p>
+                  <a:pPr algn="ctr"/>
+                  <a:endParaRPr kumimoji="1" lang="zh-CN" altLang="en-US"/>
+                </a:p>
+              </p:txBody>
+            </p:sp>
+            <p:cxnSp>
+              <p:nvCxnSpPr>
+                <p:cNvPr id="39" name="直线连接符 38"/>
+                <p:cNvCxnSpPr/>
+                <p:nvPr/>
+              </p:nvCxnSpPr>
+              <p:spPr>
+                <a:xfrm>
+                  <a:off x="1846040" y="3163937"/>
+                  <a:ext cx="2376264" cy="15302"/>
+                </a:xfrm>
+                <a:prstGeom prst="line">
+                  <a:avLst/>
+                </a:prstGeom>
+                <a:noFill/>
+                <a:ln w="25400">
+                  <a:solidFill>
+                    <a:schemeClr val="tx1"/>
+                  </a:solidFill>
+                </a:ln>
+              </p:spPr>
+              <p:style>
+                <a:lnRef idx="1">
+                  <a:schemeClr val="accent1"/>
+                </a:lnRef>
+                <a:fillRef idx="0">
+                  <a:schemeClr val="accent1"/>
+                </a:fillRef>
+                <a:effectRef idx="0">
+                  <a:schemeClr val="accent1"/>
+                </a:effectRef>
+                <a:fontRef idx="minor">
+                  <a:schemeClr val="tx1"/>
+                </a:fontRef>
+              </p:style>
+            </p:cxnSp>
+            <p:cxnSp>
+              <p:nvCxnSpPr>
+                <p:cNvPr id="40" name="直线连接符 39"/>
+                <p:cNvCxnSpPr/>
+                <p:nvPr/>
+              </p:nvCxnSpPr>
+              <p:spPr>
+                <a:xfrm>
+                  <a:off x="1846040" y="3667993"/>
+                  <a:ext cx="2376264" cy="0"/>
+                </a:xfrm>
+                <a:prstGeom prst="line">
+                  <a:avLst/>
+                </a:prstGeom>
+                <a:noFill/>
+                <a:ln w="25400">
+                  <a:solidFill>
+                    <a:schemeClr val="tx1"/>
+                  </a:solidFill>
+                </a:ln>
+              </p:spPr>
+              <p:style>
+                <a:lnRef idx="1">
+                  <a:schemeClr val="accent1"/>
+                </a:lnRef>
+                <a:fillRef idx="0">
+                  <a:schemeClr val="accent1"/>
+                </a:fillRef>
+                <a:effectRef idx="0">
+                  <a:schemeClr val="accent1"/>
+                </a:effectRef>
+                <a:fontRef idx="minor">
+                  <a:schemeClr val="tx1"/>
+                </a:fontRef>
+              </p:style>
+            </p:cxnSp>
+            <p:cxnSp>
+              <p:nvCxnSpPr>
+                <p:cNvPr id="41" name="直线连接符 40"/>
+                <p:cNvCxnSpPr/>
+                <p:nvPr/>
+              </p:nvCxnSpPr>
+              <p:spPr>
+                <a:xfrm>
+                  <a:off x="2638128" y="2659881"/>
+                  <a:ext cx="0" cy="1440160"/>
+                </a:xfrm>
+                <a:prstGeom prst="line">
+                  <a:avLst/>
+                </a:prstGeom>
+                <a:noFill/>
+                <a:ln w="25400">
+                  <a:solidFill>
+                    <a:schemeClr val="tx1"/>
+                  </a:solidFill>
+                </a:ln>
+              </p:spPr>
+              <p:style>
+                <a:lnRef idx="1">
+                  <a:schemeClr val="accent1"/>
+                </a:lnRef>
+                <a:fillRef idx="0">
+                  <a:schemeClr val="accent1"/>
+                </a:fillRef>
+                <a:effectRef idx="0">
+                  <a:schemeClr val="accent1"/>
+                </a:effectRef>
+                <a:fontRef idx="minor">
+                  <a:schemeClr val="tx1"/>
+                </a:fontRef>
+              </p:style>
+            </p:cxnSp>
+            <p:cxnSp>
+              <p:nvCxnSpPr>
+                <p:cNvPr id="42" name="直线连接符 41"/>
+                <p:cNvCxnSpPr/>
+                <p:nvPr/>
+              </p:nvCxnSpPr>
+              <p:spPr>
+                <a:xfrm>
+                  <a:off x="3430216" y="2659881"/>
+                  <a:ext cx="0" cy="1440160"/>
+                </a:xfrm>
+                <a:prstGeom prst="line">
+                  <a:avLst/>
+                </a:prstGeom>
+                <a:noFill/>
+                <a:ln w="25400">
+                  <a:solidFill>
+                    <a:schemeClr val="tx1"/>
+                  </a:solidFill>
+                </a:ln>
+              </p:spPr>
+              <p:style>
+                <a:lnRef idx="1">
+                  <a:schemeClr val="accent1"/>
+                </a:lnRef>
+                <a:fillRef idx="0">
+                  <a:schemeClr val="accent1"/>
+                </a:fillRef>
+                <a:effectRef idx="0">
+                  <a:schemeClr val="accent1"/>
+                </a:effectRef>
+                <a:fontRef idx="minor">
+                  <a:schemeClr val="tx1"/>
+                </a:fontRef>
+              </p:style>
+            </p:cxnSp>
+          </p:grpSp>
+          <p:sp>
+            <p:nvSpPr>
+              <p:cNvPr id="30" name="文本框 29"/>
+              <p:cNvSpPr txBox="1"/>
+              <p:nvPr/>
+            </p:nvSpPr>
+            <p:spPr>
+              <a:xfrm>
+                <a:off x="2433881" y="2468966"/>
+                <a:ext cx="432048" cy="461665"/>
+              </a:xfrm>
+              <a:prstGeom prst="rect">
+                <a:avLst/>
+              </a:prstGeom>
+              <a:noFill/>
+            </p:spPr>
+            <p:txBody>
+              <a:bodyPr wrap="square" rtlCol="0">
+                <a:spAutoFit/>
+              </a:bodyPr>
+              <a:lstStyle/>
+              <a:p>
+                <a:r>
+                  <a:rPr kumimoji="1" lang="en-US" altLang="zh-CN" sz="2400" dirty="0"/>
+                  <a:t>B</a:t>
+                </a:r>
+                <a:endParaRPr kumimoji="1" lang="zh-CN" altLang="en-US" sz="2400" dirty="0" smtClean="0"/>
+              </a:p>
+            </p:txBody>
+          </p:sp>
+          <p:sp>
+            <p:nvSpPr>
+              <p:cNvPr id="31" name="文本框 30"/>
+              <p:cNvSpPr txBox="1"/>
+              <p:nvPr/>
+            </p:nvSpPr>
+            <p:spPr>
+              <a:xfrm>
+                <a:off x="1379635" y="3276686"/>
+                <a:ext cx="432048" cy="461665"/>
+              </a:xfrm>
+              <a:prstGeom prst="rect">
+                <a:avLst/>
+              </a:prstGeom>
+              <a:noFill/>
+            </p:spPr>
+            <p:txBody>
+              <a:bodyPr wrap="square" rtlCol="0">
+                <a:spAutoFit/>
+              </a:bodyPr>
+              <a:lstStyle/>
+              <a:p>
+                <a:r>
+                  <a:rPr kumimoji="1" lang="en-US" altLang="zh-CN" sz="2400" dirty="0"/>
+                  <a:t>C</a:t>
+                </a:r>
+                <a:endParaRPr kumimoji="1" lang="zh-CN" altLang="en-US" sz="2400" dirty="0" smtClean="0"/>
+              </a:p>
+            </p:txBody>
+          </p:sp>
+          <p:sp>
+            <p:nvSpPr>
+              <p:cNvPr id="32" name="文本框 31"/>
+              <p:cNvSpPr txBox="1"/>
+              <p:nvPr/>
+            </p:nvSpPr>
+            <p:spPr>
+              <a:xfrm>
+                <a:off x="1379635" y="2703662"/>
+                <a:ext cx="432048" cy="461665"/>
+              </a:xfrm>
+              <a:prstGeom prst="rect">
+                <a:avLst/>
+              </a:prstGeom>
+              <a:noFill/>
+            </p:spPr>
+            <p:txBody>
+              <a:bodyPr wrap="square" rtlCol="0">
+                <a:spAutoFit/>
+              </a:bodyPr>
+              <a:lstStyle/>
+              <a:p>
+                <a:r>
+                  <a:rPr kumimoji="1" lang="en-US" altLang="zh-CN" sz="2400" dirty="0" smtClean="0"/>
+                  <a:t>A</a:t>
+                </a:r>
+                <a:endParaRPr kumimoji="1" lang="zh-CN" altLang="en-US" sz="2400" dirty="0" smtClean="0"/>
+              </a:p>
+            </p:txBody>
+          </p:sp>
+          <p:sp>
+            <p:nvSpPr>
+              <p:cNvPr id="33" name="椭圆 32"/>
+              <p:cNvSpPr/>
+              <p:nvPr/>
+            </p:nvSpPr>
+            <p:spPr>
+              <a:xfrm>
+                <a:off x="1755107" y="2913782"/>
+                <a:ext cx="205054" cy="187425"/>
+              </a:xfrm>
+              <a:prstGeom prst="ellipse">
+                <a:avLst/>
+              </a:prstGeom>
+              <a:solidFill>
+                <a:schemeClr val="tx1"/>
+              </a:solidFill>
+              <a:ln>
+                <a:solidFill>
+                  <a:schemeClr val="tx1"/>
+                </a:solidFill>
+              </a:ln>
+            </p:spPr>
+            <p:style>
+              <a:lnRef idx="2">
                 <a:schemeClr val="accent1">
-                  <a:tint val="60000"/>
+                  <a:shade val="50000"/>
                 </a:schemeClr>
-              </a:buClr>
-              <a:buSzPct val="60000"/>
-              <a:buFont typeface="Wingdings"/>
-              <a:buChar char=""/>
-              <a:defRPr kumimoji="0" sz="1400" kern="1200" baseline="0">
+              </a:lnRef>
+              <a:fillRef idx="1">
+                <a:schemeClr val="accent1"/>
+              </a:fillRef>
+              <a:effectRef idx="0">
+                <a:schemeClr val="accent1"/>
+              </a:effectRef>
+              <a:fontRef idx="minor">
+                <a:schemeClr val="lt1"/>
+              </a:fontRef>
+            </p:style>
+            <p:txBody>
+              <a:bodyPr rtlCol="0" anchor="ctr"/>
+              <a:lstStyle/>
+              <a:p>
+                <a:pPr algn="ctr"/>
+                <a:endParaRPr kumimoji="1" lang="zh-CN" altLang="en-US"/>
+              </a:p>
+            </p:txBody>
+          </p:sp>
+          <p:sp>
+            <p:nvSpPr>
+              <p:cNvPr id="34" name="椭圆 33"/>
+              <p:cNvSpPr/>
+              <p:nvPr/>
+            </p:nvSpPr>
+            <p:spPr>
+              <a:xfrm>
+                <a:off x="2545230" y="2913782"/>
+                <a:ext cx="205054" cy="187425"/>
+              </a:xfrm>
+              <a:prstGeom prst="ellipse">
+                <a:avLst/>
+              </a:prstGeom>
+              <a:solidFill>
+                <a:schemeClr val="tx1"/>
+              </a:solidFill>
+              <a:ln>
                 <a:solidFill>
-                  <a:schemeClr val="tx2"/>
+                  <a:schemeClr val="tx1"/>
                 </a:solidFill>
-                <a:latin typeface="+mn-lt"/>
-                <a:ea typeface="+mn-ea"/>
-                <a:cs typeface="+mn-cs"/>
-              </a:defRPr>
-            </a:lvl7pPr>
-            <a:lvl8pPr marL="2286000" indent="-182880" algn="l" rtl="0" eaLnBrk="1" latinLnBrk="0" hangingPunct="1">
-              <a:spcBef>
-                <a:spcPct val="20000"/>
-              </a:spcBef>
-              <a:buClr>
-                <a:schemeClr val="accent2"/>
-              </a:buClr>
-              <a:buChar char="•"/>
-              <a:defRPr kumimoji="0" sz="1400" kern="1200" cap="small" baseline="0">
+              </a:ln>
+            </p:spPr>
+            <p:style>
+              <a:lnRef idx="2">
+                <a:schemeClr val="accent1">
+                  <a:shade val="50000"/>
+                </a:schemeClr>
+              </a:lnRef>
+              <a:fillRef idx="1">
+                <a:schemeClr val="accent1"/>
+              </a:fillRef>
+              <a:effectRef idx="0">
+                <a:schemeClr val="accent1"/>
+              </a:effectRef>
+              <a:fontRef idx="minor">
+                <a:schemeClr val="lt1"/>
+              </a:fontRef>
+            </p:style>
+            <p:txBody>
+              <a:bodyPr rtlCol="0" anchor="ctr"/>
+              <a:lstStyle/>
+              <a:p>
+                <a:pPr algn="ctr"/>
+                <a:endParaRPr kumimoji="1" lang="zh-CN" altLang="en-US"/>
+              </a:p>
+            </p:txBody>
+          </p:sp>
+          <p:sp>
+            <p:nvSpPr>
+              <p:cNvPr id="35" name="椭圆 34"/>
+              <p:cNvSpPr/>
+              <p:nvPr/>
+            </p:nvSpPr>
+            <p:spPr>
+              <a:xfrm>
+                <a:off x="2545230" y="3421457"/>
+                <a:ext cx="205054" cy="187425"/>
+              </a:xfrm>
+              <a:prstGeom prst="ellipse">
+                <a:avLst/>
+              </a:prstGeom>
+              <a:solidFill>
+                <a:schemeClr val="tx1"/>
+              </a:solidFill>
+              <a:ln>
                 <a:solidFill>
-                  <a:schemeClr val="tx2"/>
+                  <a:schemeClr val="tx1"/>
                 </a:solidFill>
-                <a:latin typeface="+mn-lt"/>
-                <a:ea typeface="+mn-ea"/>
-                <a:cs typeface="+mn-cs"/>
-              </a:defRPr>
-            </a:lvl8pPr>
-            <a:lvl9pPr marL="2560320" indent="-182880" algn="l" rtl="0" eaLnBrk="1" latinLnBrk="0" hangingPunct="1">
-              <a:spcBef>
-                <a:spcPct val="20000"/>
-              </a:spcBef>
-              <a:buClr>
+              </a:ln>
+            </p:spPr>
+            <p:style>
+              <a:lnRef idx="2">
                 <a:schemeClr val="accent1">
-                  <a:shade val="75000"/>
+                  <a:shade val="50000"/>
                 </a:schemeClr>
-              </a:buClr>
-              <a:buChar char="•"/>
-              <a:defRPr kumimoji="0" sz="1400" kern="1200" baseline="0">
+              </a:lnRef>
+              <a:fillRef idx="1">
+                <a:schemeClr val="accent1"/>
+              </a:fillRef>
+              <a:effectRef idx="0">
+                <a:schemeClr val="accent1"/>
+              </a:effectRef>
+              <a:fontRef idx="minor">
+                <a:schemeClr val="lt1"/>
+              </a:fontRef>
+            </p:style>
+            <p:txBody>
+              <a:bodyPr rtlCol="0" anchor="ctr"/>
+              <a:lstStyle/>
+              <a:p>
+                <a:pPr algn="ctr"/>
+                <a:endParaRPr kumimoji="1" lang="zh-CN" altLang="en-US"/>
+              </a:p>
+            </p:txBody>
+          </p:sp>
+          <p:sp>
+            <p:nvSpPr>
+              <p:cNvPr id="36" name="椭圆 35"/>
+              <p:cNvSpPr/>
+              <p:nvPr/>
+            </p:nvSpPr>
+            <p:spPr>
+              <a:xfrm>
+                <a:off x="1755107" y="3421457"/>
+                <a:ext cx="205054" cy="187425"/>
+              </a:xfrm>
+              <a:prstGeom prst="ellipse">
+                <a:avLst/>
+              </a:prstGeom>
+              <a:solidFill>
+                <a:schemeClr val="tx1"/>
+              </a:solidFill>
+              <a:ln>
                 <a:solidFill>
-                  <a:schemeClr val="tx2"/>
+                  <a:schemeClr val="tx1"/>
                 </a:solidFill>
-                <a:latin typeface="+mn-lt"/>
-                <a:ea typeface="+mn-ea"/>
-                <a:cs typeface="+mn-cs"/>
-              </a:defRPr>
-            </a:lvl9pPr>
-          </a:lstStyle>
-          <a:p>
-            <a:r>
-              <a:rPr lang="zh-CN" altLang="en-US" smtClean="0"/>
-              <a:t>详细</a:t>
-            </a:r>
-            <a:r>
-              <a:rPr lang="zh-CN" altLang="en-US" dirty="0" smtClean="0"/>
-              <a:t>布局</a:t>
-            </a:r>
-            <a:endParaRPr lang="en-US" altLang="zh-CN" dirty="0" smtClean="0"/>
-          </a:p>
-          <a:p>
-            <a:pPr lvl="1"/>
-            <a:r>
-              <a:rPr lang="en-US" altLang="zh-CN" dirty="0" smtClean="0"/>
-              <a:t>branch-and-bound</a:t>
-            </a:r>
-            <a:r>
-              <a:rPr lang="zh-CN" altLang="en-US" dirty="0" smtClean="0"/>
-              <a:t> </a:t>
-            </a:r>
-            <a:r>
-              <a:rPr lang="en-US" altLang="zh-CN" dirty="0" smtClean="0"/>
-              <a:t>model</a:t>
-            </a:r>
-          </a:p>
-          <a:p>
-            <a:endParaRPr lang="en-US" altLang="zh-CN" dirty="0" smtClean="0"/>
-          </a:p>
-          <a:p>
-            <a:endParaRPr lang="zh-CN" altLang="en-US" dirty="0"/>
-          </a:p>
-        </p:txBody>
-      </p:sp>
+              </a:ln>
+            </p:spPr>
+            <p:style>
+              <a:lnRef idx="2">
+                <a:schemeClr val="accent1">
+                  <a:shade val="50000"/>
+                </a:schemeClr>
+              </a:lnRef>
+              <a:fillRef idx="1">
+                <a:schemeClr val="accent1"/>
+              </a:fillRef>
+              <a:effectRef idx="0">
+                <a:schemeClr val="accent1"/>
+              </a:effectRef>
+              <a:fontRef idx="minor">
+                <a:schemeClr val="lt1"/>
+              </a:fontRef>
+            </p:style>
+            <p:txBody>
+              <a:bodyPr rtlCol="0" anchor="ctr"/>
+              <a:lstStyle/>
+              <a:p>
+                <a:pPr algn="ctr"/>
+                <a:endParaRPr kumimoji="1" lang="zh-CN" altLang="en-US"/>
+              </a:p>
+            </p:txBody>
+          </p:sp>
+          <p:sp>
+            <p:nvSpPr>
+              <p:cNvPr id="37" name="文本框 36"/>
+              <p:cNvSpPr txBox="1"/>
+              <p:nvPr/>
+            </p:nvSpPr>
+            <p:spPr>
+              <a:xfrm>
+                <a:off x="2713172" y="3464111"/>
+                <a:ext cx="432048" cy="461665"/>
+              </a:xfrm>
+              <a:prstGeom prst="rect">
+                <a:avLst/>
+              </a:prstGeom>
+              <a:noFill/>
+            </p:spPr>
+            <p:txBody>
+              <a:bodyPr wrap="square" rtlCol="0">
+                <a:spAutoFit/>
+              </a:bodyPr>
+              <a:lstStyle/>
+              <a:p>
+                <a:r>
+                  <a:rPr kumimoji="1" lang="en-US" altLang="zh-CN" sz="2400" dirty="0"/>
+                  <a:t>D</a:t>
+                </a:r>
+                <a:endParaRPr kumimoji="1" lang="zh-CN" altLang="en-US" sz="2400" dirty="0" smtClean="0"/>
+              </a:p>
+            </p:txBody>
+          </p:sp>
+        </p:grpSp>
+      </p:grpSp>
+      <p:grpSp>
+        <p:nvGrpSpPr>
+          <p:cNvPr id="3" name="组 2"/>
+          <p:cNvGrpSpPr/>
+          <p:nvPr/>
+        </p:nvGrpSpPr>
+        <p:grpSpPr>
+          <a:xfrm>
+            <a:off x="4803082" y="4489539"/>
+            <a:ext cx="2170140" cy="1634212"/>
+            <a:chOff x="5665009" y="4102459"/>
+            <a:chExt cx="2170140" cy="1634212"/>
+          </a:xfrm>
+        </p:grpSpPr>
+        <p:grpSp>
+          <p:nvGrpSpPr>
+            <p:cNvPr id="49" name="组 48"/>
+            <p:cNvGrpSpPr/>
+            <p:nvPr/>
+          </p:nvGrpSpPr>
+          <p:grpSpPr>
+            <a:xfrm>
+              <a:off x="5665009" y="4102459"/>
+              <a:ext cx="2170140" cy="1634212"/>
+              <a:chOff x="1857634" y="2406596"/>
+              <a:chExt cx="2376264" cy="2037027"/>
+            </a:xfrm>
+          </p:grpSpPr>
+          <p:grpSp>
+            <p:nvGrpSpPr>
+              <p:cNvPr id="50" name="组 49"/>
+              <p:cNvGrpSpPr/>
+              <p:nvPr/>
+            </p:nvGrpSpPr>
+            <p:grpSpPr>
+              <a:xfrm>
+                <a:off x="2769669" y="3055270"/>
+                <a:ext cx="838102" cy="586625"/>
+                <a:chOff x="2884759" y="5231359"/>
+                <a:chExt cx="838102" cy="586625"/>
+              </a:xfrm>
+            </p:grpSpPr>
+            <p:sp>
+              <p:nvSpPr>
+                <p:cNvPr id="68" name="圆角矩形 67"/>
+                <p:cNvSpPr/>
+                <p:nvPr/>
+              </p:nvSpPr>
+              <p:spPr>
+                <a:xfrm>
+                  <a:off x="2911324" y="5351705"/>
+                  <a:ext cx="811537" cy="466279"/>
+                </a:xfrm>
+                <a:prstGeom prst="roundRect">
+                  <a:avLst/>
+                </a:prstGeom>
+                <a:solidFill>
+                  <a:schemeClr val="accent1"/>
+                </a:solidFill>
+                <a:ln>
+                  <a:solidFill>
+                    <a:srgbClr val="00B0F0"/>
+                  </a:solidFill>
+                </a:ln>
+              </p:spPr>
+              <p:style>
+                <a:lnRef idx="2">
+                  <a:schemeClr val="accent1">
+                    <a:shade val="50000"/>
+                  </a:schemeClr>
+                </a:lnRef>
+                <a:fillRef idx="1">
+                  <a:schemeClr val="accent1"/>
+                </a:fillRef>
+                <a:effectRef idx="0">
+                  <a:schemeClr val="accent1"/>
+                </a:effectRef>
+                <a:fontRef idx="minor">
+                  <a:schemeClr val="lt1"/>
+                </a:fontRef>
+              </p:style>
+              <p:txBody>
+                <a:bodyPr rtlCol="0" anchor="ctr"/>
+                <a:lstStyle/>
+                <a:p>
+                  <a:pPr algn="ctr"/>
+                  <a:endParaRPr kumimoji="1" lang="zh-CN" altLang="en-US"/>
+                </a:p>
+              </p:txBody>
+            </p:sp>
+            <p:sp>
+              <p:nvSpPr>
+                <p:cNvPr id="69" name="文本框 68"/>
+                <p:cNvSpPr txBox="1"/>
+                <p:nvPr/>
+              </p:nvSpPr>
+              <p:spPr>
+                <a:xfrm>
+                  <a:off x="2884759" y="5231359"/>
+                  <a:ext cx="432048" cy="461664"/>
+                </a:xfrm>
+                <a:prstGeom prst="rect">
+                  <a:avLst/>
+                </a:prstGeom>
+                <a:noFill/>
+              </p:spPr>
+              <p:txBody>
+                <a:bodyPr wrap="square" rtlCol="0">
+                  <a:spAutoFit/>
+                </a:bodyPr>
+                <a:lstStyle/>
+                <a:p>
+                  <a:r>
+                    <a:rPr kumimoji="1" lang="en-US" altLang="zh-CN" sz="2400" dirty="0">
+                      <a:solidFill>
+                        <a:schemeClr val="bg1"/>
+                      </a:solidFill>
+                    </a:rPr>
+                    <a:t>1</a:t>
+                  </a:r>
+                  <a:endParaRPr kumimoji="1" lang="zh-CN" altLang="en-US" sz="2400" dirty="0" smtClean="0">
+                    <a:solidFill>
+                      <a:schemeClr val="bg1"/>
+                    </a:solidFill>
+                  </a:endParaRPr>
+                </a:p>
+              </p:txBody>
+            </p:sp>
+          </p:grpSp>
+          <p:grpSp>
+            <p:nvGrpSpPr>
+              <p:cNvPr id="52" name="组 51"/>
+              <p:cNvGrpSpPr/>
+              <p:nvPr/>
+            </p:nvGrpSpPr>
+            <p:grpSpPr>
+              <a:xfrm>
+                <a:off x="1857634" y="3003463"/>
+                <a:ext cx="2376264" cy="1440160"/>
+                <a:chOff x="1846040" y="2659881"/>
+                <a:chExt cx="2376264" cy="1440160"/>
+              </a:xfrm>
+            </p:grpSpPr>
+            <p:sp>
+              <p:nvSpPr>
+                <p:cNvPr id="61" name="矩形 60"/>
+                <p:cNvSpPr/>
+                <p:nvPr/>
+              </p:nvSpPr>
+              <p:spPr>
+                <a:xfrm>
+                  <a:off x="1846040" y="2659881"/>
+                  <a:ext cx="2376264" cy="1440160"/>
+                </a:xfrm>
+                <a:prstGeom prst="rect">
+                  <a:avLst/>
+                </a:prstGeom>
+                <a:noFill/>
+                <a:ln>
+                  <a:solidFill>
+                    <a:schemeClr val="tx1"/>
+                  </a:solidFill>
+                </a:ln>
+              </p:spPr>
+              <p:style>
+                <a:lnRef idx="2">
+                  <a:schemeClr val="accent1">
+                    <a:shade val="50000"/>
+                  </a:schemeClr>
+                </a:lnRef>
+                <a:fillRef idx="1">
+                  <a:schemeClr val="accent1"/>
+                </a:fillRef>
+                <a:effectRef idx="0">
+                  <a:schemeClr val="accent1"/>
+                </a:effectRef>
+                <a:fontRef idx="minor">
+                  <a:schemeClr val="lt1"/>
+                </a:fontRef>
+              </p:style>
+              <p:txBody>
+                <a:bodyPr rtlCol="0" anchor="ctr"/>
+                <a:lstStyle/>
+                <a:p>
+                  <a:pPr algn="ctr"/>
+                  <a:endParaRPr kumimoji="1" lang="zh-CN" altLang="en-US"/>
+                </a:p>
+              </p:txBody>
+            </p:sp>
+            <p:cxnSp>
+              <p:nvCxnSpPr>
+                <p:cNvPr id="62" name="直线连接符 61"/>
+                <p:cNvCxnSpPr/>
+                <p:nvPr/>
+              </p:nvCxnSpPr>
+              <p:spPr>
+                <a:xfrm>
+                  <a:off x="1846040" y="3163937"/>
+                  <a:ext cx="2376264" cy="15302"/>
+                </a:xfrm>
+                <a:prstGeom prst="line">
+                  <a:avLst/>
+                </a:prstGeom>
+                <a:noFill/>
+                <a:ln w="25400">
+                  <a:solidFill>
+                    <a:schemeClr val="tx1"/>
+                  </a:solidFill>
+                </a:ln>
+              </p:spPr>
+              <p:style>
+                <a:lnRef idx="1">
+                  <a:schemeClr val="accent1"/>
+                </a:lnRef>
+                <a:fillRef idx="0">
+                  <a:schemeClr val="accent1"/>
+                </a:fillRef>
+                <a:effectRef idx="0">
+                  <a:schemeClr val="accent1"/>
+                </a:effectRef>
+                <a:fontRef idx="minor">
+                  <a:schemeClr val="tx1"/>
+                </a:fontRef>
+              </p:style>
+            </p:cxnSp>
+            <p:cxnSp>
+              <p:nvCxnSpPr>
+                <p:cNvPr id="63" name="直线连接符 62"/>
+                <p:cNvCxnSpPr/>
+                <p:nvPr/>
+              </p:nvCxnSpPr>
+              <p:spPr>
+                <a:xfrm>
+                  <a:off x="1846040" y="3667993"/>
+                  <a:ext cx="2376264" cy="0"/>
+                </a:xfrm>
+                <a:prstGeom prst="line">
+                  <a:avLst/>
+                </a:prstGeom>
+                <a:noFill/>
+                <a:ln w="25400">
+                  <a:solidFill>
+                    <a:schemeClr val="tx1"/>
+                  </a:solidFill>
+                </a:ln>
+              </p:spPr>
+              <p:style>
+                <a:lnRef idx="1">
+                  <a:schemeClr val="accent1"/>
+                </a:lnRef>
+                <a:fillRef idx="0">
+                  <a:schemeClr val="accent1"/>
+                </a:fillRef>
+                <a:effectRef idx="0">
+                  <a:schemeClr val="accent1"/>
+                </a:effectRef>
+                <a:fontRef idx="minor">
+                  <a:schemeClr val="tx1"/>
+                </a:fontRef>
+              </p:style>
+            </p:cxnSp>
+            <p:cxnSp>
+              <p:nvCxnSpPr>
+                <p:cNvPr id="64" name="直线连接符 63"/>
+                <p:cNvCxnSpPr/>
+                <p:nvPr/>
+              </p:nvCxnSpPr>
+              <p:spPr>
+                <a:xfrm>
+                  <a:off x="2638128" y="2659881"/>
+                  <a:ext cx="0" cy="1440160"/>
+                </a:xfrm>
+                <a:prstGeom prst="line">
+                  <a:avLst/>
+                </a:prstGeom>
+                <a:noFill/>
+                <a:ln w="25400">
+                  <a:solidFill>
+                    <a:schemeClr val="tx1"/>
+                  </a:solidFill>
+                </a:ln>
+              </p:spPr>
+              <p:style>
+                <a:lnRef idx="1">
+                  <a:schemeClr val="accent1"/>
+                </a:lnRef>
+                <a:fillRef idx="0">
+                  <a:schemeClr val="accent1"/>
+                </a:fillRef>
+                <a:effectRef idx="0">
+                  <a:schemeClr val="accent1"/>
+                </a:effectRef>
+                <a:fontRef idx="minor">
+                  <a:schemeClr val="tx1"/>
+                </a:fontRef>
+              </p:style>
+            </p:cxnSp>
+            <p:cxnSp>
+              <p:nvCxnSpPr>
+                <p:cNvPr id="65" name="直线连接符 64"/>
+                <p:cNvCxnSpPr/>
+                <p:nvPr/>
+              </p:nvCxnSpPr>
+              <p:spPr>
+                <a:xfrm>
+                  <a:off x="3430216" y="2659881"/>
+                  <a:ext cx="0" cy="1440160"/>
+                </a:xfrm>
+                <a:prstGeom prst="line">
+                  <a:avLst/>
+                </a:prstGeom>
+                <a:noFill/>
+                <a:ln w="25400">
+                  <a:solidFill>
+                    <a:schemeClr val="tx1"/>
+                  </a:solidFill>
+                </a:ln>
+              </p:spPr>
+              <p:style>
+                <a:lnRef idx="1">
+                  <a:schemeClr val="accent1"/>
+                </a:lnRef>
+                <a:fillRef idx="0">
+                  <a:schemeClr val="accent1"/>
+                </a:fillRef>
+                <a:effectRef idx="0">
+                  <a:schemeClr val="accent1"/>
+                </a:effectRef>
+                <a:fontRef idx="minor">
+                  <a:schemeClr val="tx1"/>
+                </a:fontRef>
+              </p:style>
+            </p:cxnSp>
+          </p:grpSp>
+          <p:sp>
+            <p:nvSpPr>
+              <p:cNvPr id="53" name="文本框 52"/>
+              <p:cNvSpPr txBox="1"/>
+              <p:nvPr/>
+            </p:nvSpPr>
+            <p:spPr>
+              <a:xfrm>
+                <a:off x="3239415" y="2460244"/>
+                <a:ext cx="432048" cy="461664"/>
+              </a:xfrm>
+              <a:prstGeom prst="rect">
+                <a:avLst/>
+              </a:prstGeom>
+              <a:noFill/>
+            </p:spPr>
+            <p:txBody>
+              <a:bodyPr wrap="square" rtlCol="0">
+                <a:spAutoFit/>
+              </a:bodyPr>
+              <a:lstStyle/>
+              <a:p>
+                <a:r>
+                  <a:rPr kumimoji="1" lang="en-US" altLang="zh-CN" sz="2400" dirty="0"/>
+                  <a:t>B</a:t>
+                </a:r>
+                <a:endParaRPr kumimoji="1" lang="zh-CN" altLang="en-US" sz="2400" dirty="0" smtClean="0"/>
+              </a:p>
+            </p:txBody>
+          </p:sp>
+          <p:sp>
+            <p:nvSpPr>
+              <p:cNvPr id="54" name="文本框 53"/>
+              <p:cNvSpPr txBox="1"/>
+              <p:nvPr/>
+            </p:nvSpPr>
+            <p:spPr>
+              <a:xfrm>
+                <a:off x="2146139" y="3435559"/>
+                <a:ext cx="432048" cy="461665"/>
+              </a:xfrm>
+              <a:prstGeom prst="rect">
+                <a:avLst/>
+              </a:prstGeom>
+              <a:noFill/>
+            </p:spPr>
+            <p:txBody>
+              <a:bodyPr wrap="square" rtlCol="0">
+                <a:spAutoFit/>
+              </a:bodyPr>
+              <a:lstStyle/>
+              <a:p>
+                <a:r>
+                  <a:rPr kumimoji="1" lang="en-US" altLang="zh-CN" sz="2400" dirty="0"/>
+                  <a:t>C</a:t>
+                </a:r>
+                <a:endParaRPr kumimoji="1" lang="zh-CN" altLang="en-US" sz="2400" dirty="0" smtClean="0"/>
+              </a:p>
+            </p:txBody>
+          </p:sp>
+          <p:sp>
+            <p:nvSpPr>
+              <p:cNvPr id="55" name="文本框 54"/>
+              <p:cNvSpPr txBox="1"/>
+              <p:nvPr/>
+            </p:nvSpPr>
+            <p:spPr>
+              <a:xfrm>
+                <a:off x="2418697" y="2406596"/>
+                <a:ext cx="432048" cy="461664"/>
+              </a:xfrm>
+              <a:prstGeom prst="rect">
+                <a:avLst/>
+              </a:prstGeom>
+              <a:noFill/>
+            </p:spPr>
+            <p:txBody>
+              <a:bodyPr wrap="square" rtlCol="0">
+                <a:spAutoFit/>
+              </a:bodyPr>
+              <a:lstStyle/>
+              <a:p>
+                <a:r>
+                  <a:rPr kumimoji="1" lang="en-US" altLang="zh-CN" sz="2400" dirty="0" smtClean="0"/>
+                  <a:t>A</a:t>
+                </a:r>
+                <a:endParaRPr kumimoji="1" lang="zh-CN" altLang="en-US" sz="2400" dirty="0" smtClean="0"/>
+              </a:p>
+            </p:txBody>
+          </p:sp>
+          <p:sp>
+            <p:nvSpPr>
+              <p:cNvPr id="56" name="椭圆 55"/>
+              <p:cNvSpPr/>
+              <p:nvPr/>
+            </p:nvSpPr>
+            <p:spPr>
+              <a:xfrm>
+                <a:off x="3337019" y="2913782"/>
+                <a:ext cx="205054" cy="187424"/>
+              </a:xfrm>
+              <a:prstGeom prst="ellipse">
+                <a:avLst/>
+              </a:prstGeom>
+              <a:solidFill>
+                <a:schemeClr val="tx1"/>
+              </a:solidFill>
+              <a:ln>
+                <a:solidFill>
+                  <a:schemeClr val="tx1"/>
+                </a:solidFill>
+              </a:ln>
+            </p:spPr>
+            <p:style>
+              <a:lnRef idx="2">
+                <a:schemeClr val="accent1">
+                  <a:shade val="50000"/>
+                </a:schemeClr>
+              </a:lnRef>
+              <a:fillRef idx="1">
+                <a:schemeClr val="accent1"/>
+              </a:fillRef>
+              <a:effectRef idx="0">
+                <a:schemeClr val="accent1"/>
+              </a:effectRef>
+              <a:fontRef idx="minor">
+                <a:schemeClr val="lt1"/>
+              </a:fontRef>
+            </p:style>
+            <p:txBody>
+              <a:bodyPr rtlCol="0" anchor="ctr"/>
+              <a:lstStyle/>
+              <a:p>
+                <a:pPr algn="ctr"/>
+                <a:endParaRPr kumimoji="1" lang="zh-CN" altLang="en-US"/>
+              </a:p>
+            </p:txBody>
+          </p:sp>
+          <p:sp>
+            <p:nvSpPr>
+              <p:cNvPr id="57" name="椭圆 56"/>
+              <p:cNvSpPr/>
+              <p:nvPr/>
+            </p:nvSpPr>
+            <p:spPr>
+              <a:xfrm>
+                <a:off x="2545230" y="2913782"/>
+                <a:ext cx="205054" cy="187425"/>
+              </a:xfrm>
+              <a:prstGeom prst="ellipse">
+                <a:avLst/>
+              </a:prstGeom>
+              <a:solidFill>
+                <a:schemeClr val="tx1"/>
+              </a:solidFill>
+              <a:ln>
+                <a:solidFill>
+                  <a:schemeClr val="tx1"/>
+                </a:solidFill>
+              </a:ln>
+            </p:spPr>
+            <p:style>
+              <a:lnRef idx="2">
+                <a:schemeClr val="accent1">
+                  <a:shade val="50000"/>
+                </a:schemeClr>
+              </a:lnRef>
+              <a:fillRef idx="1">
+                <a:schemeClr val="accent1"/>
+              </a:fillRef>
+              <a:effectRef idx="0">
+                <a:schemeClr val="accent1"/>
+              </a:effectRef>
+              <a:fontRef idx="minor">
+                <a:schemeClr val="lt1"/>
+              </a:fontRef>
+            </p:style>
+            <p:txBody>
+              <a:bodyPr rtlCol="0" anchor="ctr"/>
+              <a:lstStyle/>
+              <a:p>
+                <a:pPr algn="ctr"/>
+                <a:endParaRPr kumimoji="1" lang="zh-CN" altLang="en-US"/>
+              </a:p>
+            </p:txBody>
+          </p:sp>
+          <p:sp>
+            <p:nvSpPr>
+              <p:cNvPr id="58" name="椭圆 57"/>
+              <p:cNvSpPr/>
+              <p:nvPr/>
+            </p:nvSpPr>
+            <p:spPr>
+              <a:xfrm>
+                <a:off x="2545230" y="3421457"/>
+                <a:ext cx="205054" cy="187425"/>
+              </a:xfrm>
+              <a:prstGeom prst="ellipse">
+                <a:avLst/>
+              </a:prstGeom>
+              <a:solidFill>
+                <a:schemeClr val="tx1"/>
+              </a:solidFill>
+              <a:ln>
+                <a:solidFill>
+                  <a:schemeClr val="tx1"/>
+                </a:solidFill>
+              </a:ln>
+            </p:spPr>
+            <p:style>
+              <a:lnRef idx="2">
+                <a:schemeClr val="accent1">
+                  <a:shade val="50000"/>
+                </a:schemeClr>
+              </a:lnRef>
+              <a:fillRef idx="1">
+                <a:schemeClr val="accent1"/>
+              </a:fillRef>
+              <a:effectRef idx="0">
+                <a:schemeClr val="accent1"/>
+              </a:effectRef>
+              <a:fontRef idx="minor">
+                <a:schemeClr val="lt1"/>
+              </a:fontRef>
+            </p:style>
+            <p:txBody>
+              <a:bodyPr rtlCol="0" anchor="ctr"/>
+              <a:lstStyle/>
+              <a:p>
+                <a:pPr algn="ctr"/>
+                <a:endParaRPr kumimoji="1" lang="zh-CN" altLang="en-US"/>
+              </a:p>
+            </p:txBody>
+          </p:sp>
+          <p:sp>
+            <p:nvSpPr>
+              <p:cNvPr id="59" name="椭圆 58"/>
+              <p:cNvSpPr/>
+              <p:nvPr/>
+            </p:nvSpPr>
+            <p:spPr>
+              <a:xfrm>
+                <a:off x="3332961" y="3412157"/>
+                <a:ext cx="205054" cy="187425"/>
+              </a:xfrm>
+              <a:prstGeom prst="ellipse">
+                <a:avLst/>
+              </a:prstGeom>
+              <a:solidFill>
+                <a:schemeClr val="tx1"/>
+              </a:solidFill>
+              <a:ln>
+                <a:solidFill>
+                  <a:schemeClr val="tx1"/>
+                </a:solidFill>
+              </a:ln>
+            </p:spPr>
+            <p:style>
+              <a:lnRef idx="2">
+                <a:schemeClr val="accent1">
+                  <a:shade val="50000"/>
+                </a:schemeClr>
+              </a:lnRef>
+              <a:fillRef idx="1">
+                <a:schemeClr val="accent1"/>
+              </a:fillRef>
+              <a:effectRef idx="0">
+                <a:schemeClr val="accent1"/>
+              </a:effectRef>
+              <a:fontRef idx="minor">
+                <a:schemeClr val="lt1"/>
+              </a:fontRef>
+            </p:style>
+            <p:txBody>
+              <a:bodyPr rtlCol="0" anchor="ctr"/>
+              <a:lstStyle/>
+              <a:p>
+                <a:pPr algn="ctr"/>
+                <a:endParaRPr kumimoji="1" lang="zh-CN" altLang="en-US"/>
+              </a:p>
+            </p:txBody>
+          </p:sp>
+          <p:sp>
+            <p:nvSpPr>
+              <p:cNvPr id="60" name="文本框 59"/>
+              <p:cNvSpPr txBox="1"/>
+              <p:nvPr/>
+            </p:nvSpPr>
+            <p:spPr>
+              <a:xfrm>
+                <a:off x="3348705" y="3503900"/>
+                <a:ext cx="432048" cy="461665"/>
+              </a:xfrm>
+              <a:prstGeom prst="rect">
+                <a:avLst/>
+              </a:prstGeom>
+              <a:noFill/>
+            </p:spPr>
+            <p:txBody>
+              <a:bodyPr wrap="square" rtlCol="0">
+                <a:spAutoFit/>
+              </a:bodyPr>
+              <a:lstStyle/>
+              <a:p>
+                <a:r>
+                  <a:rPr kumimoji="1" lang="en-US" altLang="zh-CN" sz="2400" dirty="0"/>
+                  <a:t>D</a:t>
+                </a:r>
+                <a:endParaRPr kumimoji="1" lang="zh-CN" altLang="en-US" sz="2400" dirty="0" smtClean="0"/>
+              </a:p>
+            </p:txBody>
+          </p:sp>
+        </p:grpSp>
+        <p:sp>
+          <p:nvSpPr>
+            <p:cNvPr id="70" name="椭圆 69"/>
+            <p:cNvSpPr/>
+            <p:nvPr/>
+          </p:nvSpPr>
+          <p:spPr>
+            <a:xfrm>
+              <a:off x="6818617" y="4841074"/>
+              <a:ext cx="151781" cy="116274"/>
+            </a:xfrm>
+            <a:prstGeom prst="ellipse">
+              <a:avLst/>
+            </a:prstGeom>
+            <a:solidFill>
+              <a:srgbClr val="00B0F0"/>
+            </a:solidFill>
+            <a:ln>
+              <a:solidFill>
+                <a:srgbClr val="00B0F0"/>
+              </a:solidFill>
+            </a:ln>
+          </p:spPr>
+          <p:style>
+            <a:lnRef idx="2">
+              <a:schemeClr val="accent1"/>
+            </a:lnRef>
+            <a:fillRef idx="1">
+              <a:schemeClr val="lt1"/>
+            </a:fillRef>
+            <a:effectRef idx="0">
+              <a:schemeClr val="accent1"/>
+            </a:effectRef>
+            <a:fontRef idx="minor">
+              <a:schemeClr val="dk1"/>
+            </a:fontRef>
+          </p:style>
+          <p:txBody>
+            <a:bodyPr rtlCol="0" anchor="ctr"/>
+            <a:lstStyle/>
+            <a:p>
+              <a:pPr algn="ctr"/>
+              <a:endParaRPr kumimoji="1" lang="zh-CN" altLang="en-US"/>
+            </a:p>
+          </p:txBody>
+        </p:sp>
+      </p:grpSp>
+      <mc:AlternateContent xmlns:mc="http://schemas.openxmlformats.org/markup-compatibility/2006" xmlns:a14="http://schemas.microsoft.com/office/drawing/2010/main">
+        <mc:Choice Requires="a14">
+          <p:sp>
+            <p:nvSpPr>
+              <p:cNvPr id="66" name="文本框 65"/>
+              <p:cNvSpPr txBox="1"/>
+              <p:nvPr/>
+            </p:nvSpPr>
+            <p:spPr>
+              <a:xfrm>
+                <a:off x="3924068" y="6141704"/>
+                <a:ext cx="3928167" cy="506421"/>
+              </a:xfrm>
+              <a:prstGeom prst="rect">
+                <a:avLst/>
+              </a:prstGeom>
+              <a:noFill/>
+            </p:spPr>
+            <p:txBody>
+              <a:bodyPr wrap="square" rtlCol="0">
+                <a:spAutoFit/>
+              </a:bodyPr>
+              <a:lstStyle/>
+              <a:p>
+                <a:pPr/>
+                <a14:m>
+                  <m:oMathPara xmlns:m="http://schemas.openxmlformats.org/officeDocument/2006/math">
+                    <m:oMathParaPr>
+                      <m:jc m:val="centerGroup"/>
+                    </m:oMathParaPr>
+                    <m:oMath xmlns:m="http://schemas.openxmlformats.org/officeDocument/2006/math">
+                      <m:acc>
+                        <m:accPr>
+                          <m:chr m:val="⃑"/>
+                          <m:ctrlPr>
+                            <a:rPr kumimoji="1" lang="en-US" altLang="zh-CN" sz="2400" b="0" i="1" smtClean="0">
+                              <a:solidFill>
+                                <a:schemeClr val="tx1"/>
+                              </a:solidFill>
+                              <a:latin typeface="Cambria Math" charset="0"/>
+                            </a:rPr>
+                          </m:ctrlPr>
+                        </m:accPr>
+                        <m:e>
+                          <m:sSub>
+                            <m:sSubPr>
+                              <m:ctrlPr>
+                                <a:rPr kumimoji="1" lang="en-US" altLang="zh-CN" sz="2400" b="0" i="1" smtClean="0">
+                                  <a:solidFill>
+                                    <a:schemeClr val="tx1"/>
+                                  </a:solidFill>
+                                  <a:latin typeface="Cambria Math" charset="0"/>
+                                </a:rPr>
+                              </m:ctrlPr>
+                            </m:sSubPr>
+                            <m:e>
+                              <m:r>
+                                <a:rPr kumimoji="1" lang="en-US" altLang="zh-CN" sz="2400" b="0" i="1" smtClean="0">
+                                  <a:latin typeface="Cambria Math" charset="0"/>
+                                </a:rPr>
+                                <m:t>𝐹</m:t>
+                              </m:r>
+                            </m:e>
+                            <m:sub>
+                              <m:r>
+                                <a:rPr kumimoji="1" lang="en-US" altLang="zh-CN" sz="2400" b="0" i="1" smtClean="0">
+                                  <a:solidFill>
+                                    <a:schemeClr val="tx1"/>
+                                  </a:solidFill>
+                                  <a:latin typeface="Cambria Math" charset="0"/>
+                                </a:rPr>
+                                <m:t>1</m:t>
+                              </m:r>
+                            </m:sub>
+                          </m:sSub>
+                        </m:e>
+                      </m:acc>
+                      <m:r>
+                        <a:rPr kumimoji="1" lang="en-US" altLang="zh-CN" sz="2400" b="0" i="1" smtClean="0">
+                          <a:solidFill>
+                            <a:schemeClr val="tx1"/>
+                          </a:solidFill>
+                          <a:latin typeface="Cambria Math" charset="0"/>
+                        </a:rPr>
+                        <m:t>=</m:t>
+                      </m:r>
+                      <m:acc>
+                        <m:accPr>
+                          <m:chr m:val="⃑"/>
+                          <m:ctrlPr>
+                            <a:rPr kumimoji="1" lang="en-US" altLang="zh-CN" sz="2400" i="1">
+                              <a:latin typeface="Cambria Math" charset="0"/>
+                            </a:rPr>
+                          </m:ctrlPr>
+                        </m:accPr>
+                        <m:e>
+                          <m:sSub>
+                            <m:sSubPr>
+                              <m:ctrlPr>
+                                <a:rPr kumimoji="1" lang="en-US" altLang="zh-CN" sz="2400" i="1">
+                                  <a:latin typeface="Cambria Math" charset="0"/>
+                                </a:rPr>
+                              </m:ctrlPr>
+                            </m:sSubPr>
+                            <m:e>
+                              <m:r>
+                                <a:rPr kumimoji="1" lang="en-US" altLang="zh-CN" sz="2400" i="1">
+                                  <a:latin typeface="Cambria Math" charset="0"/>
+                                </a:rPr>
+                                <m:t>𝐹</m:t>
+                              </m:r>
+                            </m:e>
+                            <m:sub>
+                              <m:r>
+                                <a:rPr kumimoji="1" lang="en-US" altLang="zh-CN" sz="2400" i="1">
+                                  <a:latin typeface="Cambria Math" charset="0"/>
+                                </a:rPr>
+                                <m:t>𝐴</m:t>
+                              </m:r>
+                            </m:sub>
+                          </m:sSub>
+                        </m:e>
+                      </m:acc>
+                      <m:r>
+                        <a:rPr kumimoji="1" lang="en-US" altLang="zh-CN" sz="2400" b="0" i="1" smtClean="0">
+                          <a:latin typeface="Cambria Math" charset="0"/>
+                        </a:rPr>
+                        <m:t>+</m:t>
+                      </m:r>
+                      <m:acc>
+                        <m:accPr>
+                          <m:chr m:val="⃑"/>
+                          <m:ctrlPr>
+                            <a:rPr kumimoji="1" lang="en-US" altLang="zh-CN" sz="2400" i="1">
+                              <a:latin typeface="Cambria Math" charset="0"/>
+                            </a:rPr>
+                          </m:ctrlPr>
+                        </m:accPr>
+                        <m:e>
+                          <m:sSub>
+                            <m:sSubPr>
+                              <m:ctrlPr>
+                                <a:rPr kumimoji="1" lang="en-US" altLang="zh-CN" sz="2400" i="1">
+                                  <a:latin typeface="Cambria Math" charset="0"/>
+                                </a:rPr>
+                              </m:ctrlPr>
+                            </m:sSubPr>
+                            <m:e>
+                              <m:r>
+                                <a:rPr kumimoji="1" lang="en-US" altLang="zh-CN" sz="2400" i="1">
+                                  <a:latin typeface="Cambria Math" charset="0"/>
+                                </a:rPr>
+                                <m:t>𝐹</m:t>
+                              </m:r>
+                            </m:e>
+                            <m:sub>
+                              <m:r>
+                                <a:rPr kumimoji="1" lang="en-US" altLang="zh-CN" sz="2400" i="1">
+                                  <a:latin typeface="Cambria Math" charset="0"/>
+                                </a:rPr>
+                                <m:t>𝐵</m:t>
+                              </m:r>
+                            </m:sub>
+                          </m:sSub>
+                        </m:e>
+                      </m:acc>
+                      <m:r>
+                        <a:rPr kumimoji="1" lang="en-US" altLang="zh-CN" sz="2400" b="0" i="1" smtClean="0">
+                          <a:latin typeface="Cambria Math" charset="0"/>
+                        </a:rPr>
+                        <m:t>+</m:t>
+                      </m:r>
+                      <m:acc>
+                        <m:accPr>
+                          <m:chr m:val="⃑"/>
+                          <m:ctrlPr>
+                            <a:rPr kumimoji="1" lang="en-US" altLang="zh-CN" sz="2400" i="1">
+                              <a:latin typeface="Cambria Math" charset="0"/>
+                            </a:rPr>
+                          </m:ctrlPr>
+                        </m:accPr>
+                        <m:e>
+                          <m:sSub>
+                            <m:sSubPr>
+                              <m:ctrlPr>
+                                <a:rPr kumimoji="1" lang="en-US" altLang="zh-CN" sz="2400" i="1">
+                                  <a:latin typeface="Cambria Math" charset="0"/>
+                                </a:rPr>
+                              </m:ctrlPr>
+                            </m:sSubPr>
+                            <m:e>
+                              <m:r>
+                                <a:rPr kumimoji="1" lang="en-US" altLang="zh-CN" sz="2400" i="1">
+                                  <a:latin typeface="Cambria Math" charset="0"/>
+                                </a:rPr>
+                                <m:t>𝐹</m:t>
+                              </m:r>
+                            </m:e>
+                            <m:sub>
+                              <m:r>
+                                <a:rPr kumimoji="1" lang="en-US" altLang="zh-CN" sz="2400" i="1">
+                                  <a:latin typeface="Cambria Math" charset="0"/>
+                                </a:rPr>
+                                <m:t>𝐶</m:t>
+                              </m:r>
+                            </m:sub>
+                          </m:sSub>
+                        </m:e>
+                      </m:acc>
+                      <m:r>
+                        <a:rPr kumimoji="1" lang="en-US" altLang="zh-CN" sz="2400" b="0" i="1" smtClean="0">
+                          <a:latin typeface="Cambria Math" charset="0"/>
+                        </a:rPr>
+                        <m:t>+</m:t>
+                      </m:r>
+                      <m:acc>
+                        <m:accPr>
+                          <m:chr m:val="⃑"/>
+                          <m:ctrlPr>
+                            <a:rPr kumimoji="1" lang="en-US" altLang="zh-CN" sz="2400" i="1">
+                              <a:latin typeface="Cambria Math" charset="0"/>
+                            </a:rPr>
+                          </m:ctrlPr>
+                        </m:accPr>
+                        <m:e>
+                          <m:sSub>
+                            <m:sSubPr>
+                              <m:ctrlPr>
+                                <a:rPr kumimoji="1" lang="en-US" altLang="zh-CN" sz="2400" i="1">
+                                  <a:latin typeface="Cambria Math" charset="0"/>
+                                </a:rPr>
+                              </m:ctrlPr>
+                            </m:sSubPr>
+                            <m:e>
+                              <m:r>
+                                <a:rPr kumimoji="1" lang="en-US" altLang="zh-CN" sz="2400" i="1">
+                                  <a:latin typeface="Cambria Math" charset="0"/>
+                                </a:rPr>
+                                <m:t>𝐹</m:t>
+                              </m:r>
+                            </m:e>
+                            <m:sub>
+                              <m:r>
+                                <a:rPr kumimoji="1" lang="en-US" altLang="zh-CN" sz="2400" i="1">
+                                  <a:latin typeface="Cambria Math" charset="0"/>
+                                </a:rPr>
+                                <m:t>𝐷</m:t>
+                              </m:r>
+                            </m:sub>
+                          </m:sSub>
+                        </m:e>
+                      </m:acc>
+                    </m:oMath>
+                  </m:oMathPara>
+                </a14:m>
+                <a:endParaRPr kumimoji="1" lang="zh-CN" altLang="en-US" sz="2400" dirty="0" smtClean="0">
+                  <a:solidFill>
+                    <a:schemeClr val="tx1"/>
+                  </a:solidFill>
+                </a:endParaRPr>
+              </a:p>
+            </p:txBody>
+          </p:sp>
+        </mc:Choice>
+        <mc:Fallback xmlns="">
+          <p:sp>
+            <p:nvSpPr>
+              <p:cNvPr id="66" name="文本框 65"/>
+              <p:cNvSpPr txBox="1">
+                <a:spLocks noRot="1" noChangeAspect="1" noMove="1" noResize="1" noEditPoints="1" noAdjustHandles="1" noChangeArrowheads="1" noChangeShapeType="1" noTextEdit="1"/>
+              </p:cNvSpPr>
+              <p:nvPr/>
+            </p:nvSpPr>
+            <p:spPr>
+              <a:xfrm>
+                <a:off x="3924068" y="6141704"/>
+                <a:ext cx="3928167" cy="506421"/>
+              </a:xfrm>
+              <a:prstGeom prst="rect">
+                <a:avLst/>
+              </a:prstGeom>
+              <a:blipFill rotWithShape="0">
+                <a:blip r:embed="rId4"/>
+                <a:stretch>
+                  <a:fillRect/>
+                </a:stretch>
+              </a:blipFill>
+            </p:spPr>
+            <p:txBody>
+              <a:bodyPr/>
+              <a:lstStyle/>
+              <a:p>
+                <a:r>
+                  <a:rPr lang="zh-CN" altLang="en-US">
+                    <a:noFill/>
+                  </a:rPr>
+                  <a:t> </a:t>
+                </a:r>
+              </a:p>
+            </p:txBody>
+          </p:sp>
+        </mc:Fallback>
+      </mc:AlternateContent>
     </p:spTree>
     <p:extLst>
       <p:ext uri="{BB962C8B-B14F-4D97-AF65-F5344CB8AC3E}">
-        <p14:creationId xmlns:p14="http://schemas.microsoft.com/office/powerpoint/2010/main" val="761749730"/>
+        <p14:creationId xmlns:p14="http://schemas.microsoft.com/office/powerpoint/2010/main" val="2130153571"/>
       </p:ext>
     </p:extLst>
   </p:cSld>
@@ -6074,7 +9914,1145 @@
 </p:sld>
 </file>
 
-<file path=ppt/slides/slide13.xml><?xml version="1.0" encoding="utf-8"?>
+<file path=ppt/slides/slide14.xml><?xml version="1.0" encoding="utf-8"?>
+<p:sld xmlns:a="http://schemas.openxmlformats.org/drawingml/2006/main" xmlns:r="http://schemas.openxmlformats.org/officeDocument/2006/relationships" xmlns:p="http://schemas.openxmlformats.org/presentationml/2006/main">
+  <p:cSld>
+    <p:spTree>
+      <p:nvGrpSpPr>
+        <p:cNvPr id="1" name=""/>
+        <p:cNvGrpSpPr/>
+        <p:nvPr/>
+      </p:nvGrpSpPr>
+      <p:grpSpPr>
+        <a:xfrm>
+          <a:off x="0" y="0"/>
+          <a:ext cx="0" cy="0"/>
+          <a:chOff x="0" y="0"/>
+          <a:chExt cx="0" cy="0"/>
+        </a:xfrm>
+      </p:grpSpPr>
+      <p:sp>
+        <p:nvSpPr>
+          <p:cNvPr id="2" name="标题 1"/>
+          <p:cNvSpPr>
+            <a:spLocks noGrp="1"/>
+          </p:cNvSpPr>
+          <p:nvPr>
+            <p:ph type="title"/>
+          </p:nvPr>
+        </p:nvSpPr>
+        <p:spPr>
+          <a:xfrm>
+            <a:off x="447452" y="836712"/>
+            <a:ext cx="7467600" cy="580926"/>
+          </a:xfrm>
+        </p:spPr>
+        <p:txBody>
+          <a:bodyPr/>
+          <a:lstStyle/>
+          <a:p>
+            <a:r>
+              <a:rPr kumimoji="1" lang="zh-CN" altLang="en-US" dirty="0" smtClean="0"/>
+              <a:t>初始化、更新</a:t>
+            </a:r>
+            <a:endParaRPr kumimoji="1" lang="zh-CN" altLang="en-US" dirty="0"/>
+          </a:p>
+        </p:txBody>
+      </p:sp>
+      <mc:AlternateContent xmlns:mc="http://schemas.openxmlformats.org/markup-compatibility/2006" xmlns:a14="http://schemas.microsoft.com/office/drawing/2010/main">
+        <mc:Choice Requires="a14">
+          <p:sp>
+            <p:nvSpPr>
+              <p:cNvPr id="3" name="内容占位符 2"/>
+              <p:cNvSpPr>
+                <a:spLocks noGrp="1"/>
+              </p:cNvSpPr>
+              <p:nvPr>
+                <p:ph sz="quarter" idx="1"/>
+              </p:nvPr>
+            </p:nvSpPr>
+            <p:spPr>
+              <a:xfrm>
+                <a:off x="447452" y="1556792"/>
+                <a:ext cx="8219256" cy="4797152"/>
+              </a:xfrm>
+            </p:spPr>
+            <p:txBody>
+              <a:bodyPr>
+                <a:normAutofit/>
+              </a:bodyPr>
+              <a:lstStyle/>
+              <a:p>
+                <a14:m>
+                  <m:oMath xmlns:m="http://schemas.openxmlformats.org/officeDocument/2006/math">
+                    <m:sSup>
+                      <m:sSupPr>
+                        <m:ctrlPr>
+                          <a:rPr kumimoji="1" lang="en-US" altLang="zh-CN" i="1" smtClean="0">
+                            <a:latin typeface="Cambria Math" charset="0"/>
+                          </a:rPr>
+                        </m:ctrlPr>
+                      </m:sSupPr>
+                      <m:e>
+                        <m:sSub>
+                          <m:sSubPr>
+                            <m:ctrlPr>
+                              <a:rPr kumimoji="1" lang="en-US" altLang="zh-CN" i="1">
+                                <a:latin typeface="Cambria Math" charset="0"/>
+                              </a:rPr>
+                            </m:ctrlPr>
+                          </m:sSubPr>
+                          <m:e>
+                            <m:r>
+                              <a:rPr kumimoji="1" lang="en-US" altLang="zh-CN" b="0" i="1" smtClean="0">
+                                <a:latin typeface="Cambria Math" charset="0"/>
+                              </a:rPr>
+                              <m:t>𝐹</m:t>
+                            </m:r>
+                          </m:e>
+                          <m:sub>
+                            <m:r>
+                              <a:rPr kumimoji="1" lang="en-US" altLang="zh-CN" b="0" i="1" smtClean="0">
+                                <a:latin typeface="Cambria Math" charset="0"/>
+                              </a:rPr>
+                              <m:t>𝑖</m:t>
+                            </m:r>
+                          </m:sub>
+                        </m:sSub>
+                      </m:e>
+                      <m:sup>
+                        <m:r>
+                          <a:rPr kumimoji="1" lang="en-US" altLang="zh-CN" b="0" i="1" smtClean="0">
+                            <a:latin typeface="Cambria Math" charset="0"/>
+                          </a:rPr>
+                          <m:t>𝑚𝑜𝑣𝑒</m:t>
+                        </m:r>
+                      </m:sup>
+                    </m:sSup>
+                    <m:r>
+                      <a:rPr kumimoji="1" lang="en-US" altLang="zh-CN" b="0" i="1" smtClean="0">
+                        <a:latin typeface="Cambria Math" charset="0"/>
+                      </a:rPr>
+                      <m:t>=</m:t>
+                    </m:r>
+                    <m:acc>
+                      <m:accPr>
+                        <m:chr m:val="̅"/>
+                        <m:ctrlPr>
+                          <a:rPr kumimoji="1" lang="en-US" altLang="zh-CN" i="1">
+                            <a:latin typeface="Cambria Math" charset="0"/>
+                          </a:rPr>
+                        </m:ctrlPr>
+                      </m:accPr>
+                      <m:e>
+                        <m:sSub>
+                          <m:sSubPr>
+                            <m:ctrlPr>
+                              <a:rPr kumimoji="1" lang="en-US" altLang="zh-CN" i="1">
+                                <a:latin typeface="Cambria Math" charset="0"/>
+                              </a:rPr>
+                            </m:ctrlPr>
+                          </m:sSubPr>
+                          <m:e>
+                            <m:r>
+                              <a:rPr kumimoji="1" lang="en-US" altLang="zh-CN" i="1">
+                                <a:latin typeface="Cambria Math" charset="0"/>
+                              </a:rPr>
+                              <m:t>𝑤</m:t>
+                            </m:r>
+                          </m:e>
+                          <m:sub>
+                            <m:r>
+                              <a:rPr kumimoji="1" lang="en-US" altLang="zh-CN" i="1">
+                                <a:latin typeface="Cambria Math" charset="0"/>
+                              </a:rPr>
+                              <m:t>𝑖</m:t>
+                            </m:r>
+                          </m:sub>
+                        </m:sSub>
+                      </m:e>
+                    </m:acc>
+                    <m:r>
+                      <a:rPr kumimoji="1" lang="en-US" altLang="zh-CN" i="1" smtClean="0">
+                        <a:latin typeface="Cambria Math" charset="0"/>
+                        <a:ea typeface="Cambria Math" charset="0"/>
+                        <a:cs typeface="Cambria Math" charset="0"/>
+                      </a:rPr>
+                      <m:t>∙</m:t>
+                    </m:r>
+                    <m:sSub>
+                      <m:sSubPr>
+                        <m:ctrlPr>
+                          <a:rPr kumimoji="1" lang="en-US" altLang="zh-CN" i="1" smtClean="0">
+                            <a:latin typeface="Cambria Math" charset="0"/>
+                            <a:ea typeface="Cambria Math" charset="0"/>
+                            <a:cs typeface="Cambria Math" charset="0"/>
+                          </a:rPr>
+                        </m:ctrlPr>
+                      </m:sSubPr>
+                      <m:e>
+                        <m:r>
+                          <m:rPr>
+                            <m:sty m:val="p"/>
+                          </m:rPr>
+                          <a:rPr kumimoji="1" lang="el-GR" altLang="zh-CN" i="1" smtClean="0">
+                            <a:latin typeface="Cambria Math" charset="0"/>
+                            <a:ea typeface="Cambria Math" charset="0"/>
+                            <a:cs typeface="Cambria Math" charset="0"/>
+                          </a:rPr>
+                          <m:t>Δ</m:t>
+                        </m:r>
+                      </m:e>
+                      <m:sub>
+                        <m:r>
+                          <a:rPr kumimoji="1" lang="en-US" altLang="zh-CN" b="0" i="1" smtClean="0">
+                            <a:latin typeface="Cambria Math" charset="0"/>
+                            <a:ea typeface="Cambria Math" charset="0"/>
+                            <a:cs typeface="Cambria Math" charset="0"/>
+                          </a:rPr>
+                          <m:t>𝑥𝑖</m:t>
+                        </m:r>
+                      </m:sub>
+                    </m:sSub>
+                  </m:oMath>
+                </a14:m>
+                <a:endParaRPr kumimoji="1" lang="en-US" altLang="zh-CN" i="1" dirty="0" smtClean="0">
+                  <a:latin typeface="Cambria Math" charset="0"/>
+                  <a:ea typeface="Cambria Math" charset="0"/>
+                  <a:cs typeface="Cambria Math" charset="0"/>
+                </a:endParaRPr>
+              </a:p>
+              <a:p>
+                <a14:m>
+                  <m:oMath xmlns:m="http://schemas.openxmlformats.org/officeDocument/2006/math">
+                    <m:acc>
+                      <m:accPr>
+                        <m:chr m:val="̅"/>
+                        <m:ctrlPr>
+                          <a:rPr kumimoji="1" lang="en-US" altLang="zh-CN" i="1">
+                            <a:latin typeface="Cambria Math" charset="0"/>
+                          </a:rPr>
+                        </m:ctrlPr>
+                      </m:accPr>
+                      <m:e>
+                        <m:sSub>
+                          <m:sSubPr>
+                            <m:ctrlPr>
+                              <a:rPr kumimoji="1" lang="en-US" altLang="zh-CN" i="1">
+                                <a:latin typeface="Cambria Math" charset="0"/>
+                              </a:rPr>
+                            </m:ctrlPr>
+                          </m:sSubPr>
+                          <m:e>
+                            <m:r>
+                              <a:rPr kumimoji="1" lang="en-US" altLang="zh-CN" i="1">
+                                <a:latin typeface="Cambria Math" charset="0"/>
+                              </a:rPr>
+                              <m:t>𝑤</m:t>
+                            </m:r>
+                          </m:e>
+                          <m:sub>
+                            <m:r>
+                              <a:rPr kumimoji="1" lang="en-US" altLang="zh-CN" i="1">
+                                <a:latin typeface="Cambria Math" charset="0"/>
+                              </a:rPr>
+                              <m:t>𝑖</m:t>
+                            </m:r>
+                          </m:sub>
+                        </m:sSub>
+                      </m:e>
+                    </m:acc>
+                    <m:r>
+                      <a:rPr kumimoji="1" lang="zh-CN" altLang="en-US" b="0" i="1" smtClean="0">
+                        <a:latin typeface="Cambria Math" charset="0"/>
+                      </a:rPr>
+                      <m:t>的</m:t>
+                    </m:r>
+                    <m:r>
+                      <a:rPr kumimoji="1" lang="zh-CN" altLang="en-US" i="1" smtClean="0">
+                        <a:latin typeface="Cambria Math" charset="0"/>
+                      </a:rPr>
+                      <m:t>初始化</m:t>
+                    </m:r>
+                  </m:oMath>
+                </a14:m>
+                <a:endParaRPr kumimoji="1" lang="en-US" altLang="zh-CN" i="1" dirty="0" smtClean="0">
+                  <a:latin typeface="Cambria Math" charset="0"/>
+                </a:endParaRPr>
+              </a:p>
+              <a:p>
+                <a:pPr lvl="1"/>
+                <a14:m>
+                  <m:oMath xmlns:m="http://schemas.openxmlformats.org/officeDocument/2006/math">
+                    <m:acc>
+                      <m:accPr>
+                        <m:chr m:val="̅"/>
+                        <m:ctrlPr>
+                          <a:rPr kumimoji="1" lang="en-US" altLang="zh-CN" i="1">
+                            <a:latin typeface="Cambria Math" charset="0"/>
+                          </a:rPr>
+                        </m:ctrlPr>
+                      </m:accPr>
+                      <m:e>
+                        <m:sSub>
+                          <m:sSubPr>
+                            <m:ctrlPr>
+                              <a:rPr kumimoji="1" lang="en-US" altLang="zh-CN" i="1">
+                                <a:latin typeface="Cambria Math" charset="0"/>
+                              </a:rPr>
+                            </m:ctrlPr>
+                          </m:sSubPr>
+                          <m:e>
+                            <m:r>
+                              <a:rPr kumimoji="1" lang="en-US" altLang="zh-CN" i="1">
+                                <a:latin typeface="Cambria Math" charset="0"/>
+                              </a:rPr>
+                              <m:t>𝑤</m:t>
+                            </m:r>
+                          </m:e>
+                          <m:sub>
+                            <m:r>
+                              <a:rPr kumimoji="1" lang="en-US" altLang="zh-CN" i="1">
+                                <a:latin typeface="Cambria Math" charset="0"/>
+                              </a:rPr>
+                              <m:t>𝑖</m:t>
+                            </m:r>
+                          </m:sub>
+                        </m:sSub>
+                      </m:e>
+                    </m:acc>
+                    <m:r>
+                      <a:rPr kumimoji="1" lang="en-US" altLang="zh-CN" b="0" i="1" smtClean="0">
+                        <a:latin typeface="Cambria Math" charset="0"/>
+                      </a:rPr>
+                      <m:t>=</m:t>
+                    </m:r>
+                    <m:f>
+                      <m:fPr>
+                        <m:ctrlPr>
+                          <a:rPr kumimoji="1" lang="bg-BG" altLang="zh-CN" b="0" i="1" smtClean="0">
+                            <a:latin typeface="Cambria Math" charset="0"/>
+                          </a:rPr>
+                        </m:ctrlPr>
+                      </m:fPr>
+                      <m:num>
+                        <m:sSub>
+                          <m:sSubPr>
+                            <m:ctrlPr>
+                              <a:rPr kumimoji="1" lang="en-US" altLang="zh-CN" b="0" i="1" smtClean="0">
+                                <a:latin typeface="Cambria Math" charset="0"/>
+                              </a:rPr>
+                            </m:ctrlPr>
+                          </m:sSubPr>
+                          <m:e>
+                            <m:r>
+                              <a:rPr kumimoji="1" lang="en-US" altLang="zh-CN" i="1">
+                                <a:latin typeface="Cambria Math" charset="0"/>
+                              </a:rPr>
+                              <m:t>𝐴</m:t>
+                            </m:r>
+                          </m:e>
+                          <m:sub>
+                            <m:r>
+                              <a:rPr kumimoji="1" lang="en-US" altLang="zh-CN" b="0" i="1" smtClean="0">
+                                <a:latin typeface="Cambria Math" charset="0"/>
+                              </a:rPr>
+                              <m:t>𝑖</m:t>
+                            </m:r>
+                          </m:sub>
+                        </m:sSub>
+                      </m:num>
+                      <m:den>
+                        <m:sSub>
+                          <m:sSubPr>
+                            <m:ctrlPr>
+                              <a:rPr kumimoji="1" lang="en-US" altLang="zh-CN" b="0" i="1" smtClean="0">
+                                <a:latin typeface="Cambria Math" charset="0"/>
+                              </a:rPr>
+                            </m:ctrlPr>
+                          </m:sSubPr>
+                          <m:e>
+                            <m:r>
+                              <a:rPr kumimoji="1" lang="en-US" altLang="zh-CN" b="0" i="1" smtClean="0">
+                                <a:latin typeface="Cambria Math" charset="0"/>
+                              </a:rPr>
+                              <m:t>𝐴</m:t>
+                            </m:r>
+                          </m:e>
+                          <m:sub>
+                            <m:r>
+                              <a:rPr kumimoji="1" lang="en-US" altLang="zh-CN" b="0" i="1" smtClean="0">
+                                <a:latin typeface="Cambria Math" charset="0"/>
+                              </a:rPr>
+                              <m:t>𝑎𝑣𝑔</m:t>
+                            </m:r>
+                          </m:sub>
+                        </m:sSub>
+                      </m:den>
+                    </m:f>
+                    <m:r>
+                      <a:rPr kumimoji="1" lang="bg-BG" altLang="zh-CN" b="0" i="1" smtClean="0">
+                        <a:latin typeface="Cambria Math" charset="0"/>
+                        <a:ea typeface="Cambria Math" charset="0"/>
+                        <a:cs typeface="Cambria Math" charset="0"/>
+                      </a:rPr>
+                      <m:t>∙</m:t>
+                    </m:r>
+                    <m:f>
+                      <m:fPr>
+                        <m:ctrlPr>
+                          <a:rPr kumimoji="1" lang="bg-BG" altLang="zh-CN" b="0" i="1" smtClean="0">
+                            <a:latin typeface="Cambria Math" charset="0"/>
+                            <a:ea typeface="Cambria Math" charset="0"/>
+                            <a:cs typeface="Cambria Math" charset="0"/>
+                          </a:rPr>
+                        </m:ctrlPr>
+                      </m:fPr>
+                      <m:num>
+                        <m:r>
+                          <a:rPr kumimoji="1" lang="en-US" altLang="zh-CN" b="0" i="1" smtClean="0">
+                            <a:latin typeface="Cambria Math" charset="0"/>
+                            <a:ea typeface="Cambria Math" charset="0"/>
+                            <a:cs typeface="Cambria Math" charset="0"/>
+                          </a:rPr>
+                          <m:t>1</m:t>
+                        </m:r>
+                      </m:num>
+                      <m:den>
+                        <m:r>
+                          <a:rPr kumimoji="1" lang="en-US" altLang="zh-CN" b="0" i="1" smtClean="0">
+                            <a:latin typeface="Cambria Math" charset="0"/>
+                            <a:ea typeface="Cambria Math" charset="0"/>
+                            <a:cs typeface="Cambria Math" charset="0"/>
+                          </a:rPr>
+                          <m:t>𝑀</m:t>
+                        </m:r>
+                      </m:den>
+                    </m:f>
+                  </m:oMath>
+                </a14:m>
+                <a:endParaRPr kumimoji="1" lang="en-US" altLang="zh-CN" b="0" dirty="0" smtClean="0">
+                  <a:latin typeface="Cambria Math" charset="0"/>
+                  <a:ea typeface="Cambria Math" charset="0"/>
+                  <a:cs typeface="Cambria Math" charset="0"/>
+                </a:endParaRPr>
+              </a:p>
+              <a:p>
+                <a:pPr lvl="1"/>
+                <a:r>
+                  <a:rPr kumimoji="1" lang="en-US" altLang="zh-CN" dirty="0" smtClean="0">
+                    <a:latin typeface="Cambria Math" charset="0"/>
+                  </a:rPr>
+                  <a:t>A</a:t>
+                </a:r>
+                <a:r>
+                  <a:rPr kumimoji="1" lang="en-US" altLang="zh-CN" baseline="-25000" dirty="0" smtClean="0">
+                    <a:latin typeface="Cambria Math" charset="0"/>
+                  </a:rPr>
+                  <a:t>i</a:t>
+                </a:r>
+                <a:r>
+                  <a:rPr kumimoji="1" lang="zh-CN" altLang="en-US" dirty="0" smtClean="0">
+                    <a:latin typeface="Cambria Math" charset="0"/>
+                  </a:rPr>
+                  <a:t>是模块</a:t>
+                </a:r>
+                <a:r>
+                  <a:rPr kumimoji="1" lang="en-US" altLang="zh-CN" dirty="0" err="1" smtClean="0">
+                    <a:latin typeface="Cambria Math" charset="0"/>
+                  </a:rPr>
+                  <a:t>i</a:t>
+                </a:r>
+                <a:r>
+                  <a:rPr kumimoji="1" lang="zh-CN" altLang="en-US" dirty="0" smtClean="0">
+                    <a:latin typeface="Cambria Math" charset="0"/>
+                  </a:rPr>
+                  <a:t>的面积，</a:t>
+                </a:r>
+                <a:r>
+                  <a:rPr kumimoji="1" lang="en-US" altLang="zh-CN" dirty="0" err="1" smtClean="0">
+                    <a:latin typeface="Cambria Math" charset="0"/>
+                  </a:rPr>
+                  <a:t>A</a:t>
+                </a:r>
+                <a:r>
+                  <a:rPr kumimoji="1" lang="en-US" altLang="zh-CN" baseline="-25000" dirty="0" err="1" smtClean="0">
+                    <a:latin typeface="Cambria Math" charset="0"/>
+                  </a:rPr>
+                  <a:t>avg</a:t>
+                </a:r>
+                <a:r>
+                  <a:rPr kumimoji="1" lang="zh-CN" altLang="en-US" dirty="0" smtClean="0">
+                    <a:latin typeface="Cambria Math" charset="0"/>
+                  </a:rPr>
+                  <a:t>是模块的平均面积，</a:t>
+                </a:r>
+                <a:r>
+                  <a:rPr kumimoji="1" lang="en-US" altLang="zh-CN" dirty="0" smtClean="0">
+                    <a:latin typeface="Cambria Math" charset="0"/>
+                  </a:rPr>
+                  <a:t>M</a:t>
+                </a:r>
+                <a:r>
+                  <a:rPr kumimoji="1" lang="zh-CN" altLang="en-US" dirty="0" smtClean="0">
+                    <a:latin typeface="Cambria Math" charset="0"/>
+                  </a:rPr>
+                  <a:t>是可移动模块个数</a:t>
+                </a:r>
+                <a:endParaRPr kumimoji="1" lang="en-US" altLang="zh-CN" dirty="0" smtClean="0">
+                  <a:latin typeface="Cambria Math" charset="0"/>
+                </a:endParaRPr>
+              </a:p>
+              <a:p>
+                <a:endParaRPr kumimoji="1" lang="en-US" altLang="zh-CN" i="1" dirty="0" smtClean="0">
+                  <a:latin typeface="Cambria Math" charset="0"/>
+                </a:endParaRPr>
+              </a:p>
+              <a:p>
+                <a14:m>
+                  <m:oMath xmlns:m="http://schemas.openxmlformats.org/officeDocument/2006/math">
+                    <m:acc>
+                      <m:accPr>
+                        <m:chr m:val="̅"/>
+                        <m:ctrlPr>
+                          <a:rPr kumimoji="1" lang="en-US" altLang="zh-CN" i="1" smtClean="0">
+                            <a:latin typeface="Cambria Math" charset="0"/>
+                          </a:rPr>
+                        </m:ctrlPr>
+                      </m:accPr>
+                      <m:e>
+                        <m:sSub>
+                          <m:sSubPr>
+                            <m:ctrlPr>
+                              <a:rPr kumimoji="1" lang="en-US" altLang="zh-CN" i="1">
+                                <a:latin typeface="Cambria Math" charset="0"/>
+                              </a:rPr>
+                            </m:ctrlPr>
+                          </m:sSubPr>
+                          <m:e>
+                            <m:r>
+                              <a:rPr kumimoji="1" lang="en-US" altLang="zh-CN" i="1">
+                                <a:latin typeface="Cambria Math" charset="0"/>
+                              </a:rPr>
+                              <m:t>𝑤</m:t>
+                            </m:r>
+                          </m:e>
+                          <m:sub>
+                            <m:r>
+                              <a:rPr kumimoji="1" lang="en-US" altLang="zh-CN" i="1">
+                                <a:latin typeface="Cambria Math" charset="0"/>
+                              </a:rPr>
+                              <m:t>𝑖</m:t>
+                            </m:r>
+                          </m:sub>
+                        </m:sSub>
+                      </m:e>
+                    </m:acc>
+                  </m:oMath>
+                </a14:m>
+                <a:r>
+                  <a:rPr kumimoji="1" lang="zh-CN" altLang="en-US" dirty="0" smtClean="0"/>
+                  <a:t>的更新</a:t>
+                </a:r>
+                <a14:m>
+                  <m:oMath xmlns:m="http://schemas.openxmlformats.org/officeDocument/2006/math">
+                    <m:acc>
+                      <m:accPr>
+                        <m:chr m:val="̅"/>
+                        <m:ctrlPr>
+                          <a:rPr kumimoji="1" lang="en-US" altLang="zh-CN" i="1" smtClean="0">
+                            <a:latin typeface="Cambria Math" charset="0"/>
+                          </a:rPr>
+                        </m:ctrlPr>
+                      </m:accPr>
+                      <m:e>
+                        <m:sSub>
+                          <m:sSubPr>
+                            <m:ctrlPr>
+                              <a:rPr kumimoji="1" lang="en-US" altLang="zh-CN" i="1" smtClean="0">
+                                <a:latin typeface="Cambria Math" charset="0"/>
+                              </a:rPr>
+                            </m:ctrlPr>
+                          </m:sSubPr>
+                          <m:e>
+                            <m:r>
+                              <a:rPr kumimoji="1" lang="en-US" altLang="zh-CN" b="0" i="1" smtClean="0">
+                                <a:latin typeface="Cambria Math" charset="0"/>
+                              </a:rPr>
+                              <m:t>𝑤</m:t>
+                            </m:r>
+                          </m:e>
+                          <m:sub>
+                            <m:r>
+                              <a:rPr kumimoji="1" lang="en-US" altLang="zh-CN" b="0" i="1" smtClean="0">
+                                <a:latin typeface="Cambria Math" charset="0"/>
+                              </a:rPr>
+                              <m:t>𝑖</m:t>
+                            </m:r>
+                          </m:sub>
+                        </m:sSub>
+                      </m:e>
+                    </m:acc>
+                    <m:r>
+                      <a:rPr kumimoji="1" lang="en-US" altLang="zh-CN" b="0" i="1" smtClean="0">
+                        <a:latin typeface="Cambria Math" charset="0"/>
+                      </a:rPr>
+                      <m:t>≔</m:t>
+                    </m:r>
+                    <m:acc>
+                      <m:accPr>
+                        <m:chr m:val="̅"/>
+                        <m:ctrlPr>
+                          <a:rPr kumimoji="1" lang="en-US" altLang="zh-CN" i="1">
+                            <a:latin typeface="Cambria Math" charset="0"/>
+                          </a:rPr>
+                        </m:ctrlPr>
+                      </m:accPr>
+                      <m:e>
+                        <m:sSub>
+                          <m:sSubPr>
+                            <m:ctrlPr>
+                              <a:rPr kumimoji="1" lang="en-US" altLang="zh-CN" i="1">
+                                <a:latin typeface="Cambria Math" charset="0"/>
+                              </a:rPr>
+                            </m:ctrlPr>
+                          </m:sSubPr>
+                          <m:e>
+                            <m:r>
+                              <a:rPr kumimoji="1" lang="en-US" altLang="zh-CN" i="1">
+                                <a:latin typeface="Cambria Math" charset="0"/>
+                              </a:rPr>
+                              <m:t>𝑤</m:t>
+                            </m:r>
+                          </m:e>
+                          <m:sub>
+                            <m:r>
+                              <a:rPr kumimoji="1" lang="en-US" altLang="zh-CN" i="1">
+                                <a:latin typeface="Cambria Math" charset="0"/>
+                              </a:rPr>
+                              <m:t>𝑖</m:t>
+                            </m:r>
+                          </m:sub>
+                        </m:sSub>
+                      </m:e>
+                    </m:acc>
+                    <m:r>
+                      <a:rPr kumimoji="1" lang="en-US" altLang="zh-CN" i="1" smtClean="0">
+                        <a:latin typeface="Cambria Math" charset="0"/>
+                        <a:ea typeface="Cambria Math" charset="0"/>
+                        <a:cs typeface="Cambria Math" charset="0"/>
+                      </a:rPr>
+                      <m:t>∙</m:t>
+                    </m:r>
+                    <m:r>
+                      <a:rPr kumimoji="1" lang="en-US" altLang="zh-CN" i="1" smtClean="0">
+                        <a:latin typeface="Cambria Math" charset="0"/>
+                        <a:ea typeface="Cambria Math" charset="0"/>
+                        <a:cs typeface="Cambria Math" charset="0"/>
+                      </a:rPr>
+                      <m:t>𝜅</m:t>
+                    </m:r>
+                  </m:oMath>
+                </a14:m>
+                <a:r>
+                  <a:rPr kumimoji="1" lang="zh-CN" altLang="en-US" dirty="0" smtClean="0"/>
+                  <a:t>，𝜅是伸缩因子</a:t>
+                </a:r>
+                <a:endParaRPr kumimoji="1" lang="en-US" altLang="zh-CN" dirty="0" smtClean="0"/>
+              </a:p>
+            </p:txBody>
+          </p:sp>
+        </mc:Choice>
+        <mc:Fallback xmlns="">
+          <p:sp>
+            <p:nvSpPr>
+              <p:cNvPr id="3" name="内容占位符 2"/>
+              <p:cNvSpPr>
+                <a:spLocks noGrp="1" noRot="1" noChangeAspect="1" noMove="1" noResize="1" noEditPoints="1" noAdjustHandles="1" noChangeArrowheads="1" noChangeShapeType="1" noTextEdit="1"/>
+              </p:cNvSpPr>
+              <p:nvPr>
+                <p:ph sz="quarter" idx="1"/>
+              </p:nvPr>
+            </p:nvSpPr>
+            <p:spPr>
+              <a:xfrm>
+                <a:off x="447452" y="1556792"/>
+                <a:ext cx="8219256" cy="4797152"/>
+              </a:xfrm>
+              <a:blipFill rotWithShape="0">
+                <a:blip r:embed="rId2"/>
+                <a:stretch>
+                  <a:fillRect l="-297" r="-297"/>
+                </a:stretch>
+              </a:blipFill>
+            </p:spPr>
+            <p:txBody>
+              <a:bodyPr/>
+              <a:lstStyle/>
+              <a:p>
+                <a:r>
+                  <a:rPr lang="zh-CN" altLang="en-US">
+                    <a:noFill/>
+                  </a:rPr>
+                  <a:t> </a:t>
+                </a:r>
+              </a:p>
+            </p:txBody>
+          </p:sp>
+        </mc:Fallback>
+      </mc:AlternateContent>
+    </p:spTree>
+    <p:extLst>
+      <p:ext uri="{BB962C8B-B14F-4D97-AF65-F5344CB8AC3E}">
+        <p14:creationId xmlns:p14="http://schemas.microsoft.com/office/powerpoint/2010/main" val="1508868089"/>
+      </p:ext>
+    </p:extLst>
+  </p:cSld>
+  <p:clrMapOvr>
+    <a:masterClrMapping/>
+  </p:clrMapOvr>
+</p:sld>
+</file>
+
+<file path=ppt/slides/slide15.xml><?xml version="1.0" encoding="utf-8"?>
+<p:sld xmlns:a="http://schemas.openxmlformats.org/drawingml/2006/main" xmlns:r="http://schemas.openxmlformats.org/officeDocument/2006/relationships" xmlns:p="http://schemas.openxmlformats.org/presentationml/2006/main">
+  <p:cSld>
+    <p:spTree>
+      <p:nvGrpSpPr>
+        <p:cNvPr id="1" name=""/>
+        <p:cNvGrpSpPr/>
+        <p:nvPr/>
+      </p:nvGrpSpPr>
+      <p:grpSpPr>
+        <a:xfrm>
+          <a:off x="0" y="0"/>
+          <a:ext cx="0" cy="0"/>
+          <a:chOff x="0" y="0"/>
+          <a:chExt cx="0" cy="0"/>
+        </a:xfrm>
+      </p:grpSpPr>
+      <p:sp>
+        <p:nvSpPr>
+          <p:cNvPr id="2" name="标题 1"/>
+          <p:cNvSpPr>
+            <a:spLocks noGrp="1"/>
+          </p:cNvSpPr>
+          <p:nvPr>
+            <p:ph type="title"/>
+          </p:nvPr>
+        </p:nvSpPr>
+        <p:spPr/>
+        <p:txBody>
+          <a:bodyPr/>
+          <a:lstStyle/>
+          <a:p>
+            <a:r>
+              <a:rPr kumimoji="1" lang="zh-CN" altLang="en-US" dirty="0"/>
+              <a:t>质量控制</a:t>
+            </a:r>
+          </a:p>
+        </p:txBody>
+      </p:sp>
+      <mc:AlternateContent xmlns:mc="http://schemas.openxmlformats.org/markup-compatibility/2006" xmlns:a14="http://schemas.microsoft.com/office/drawing/2010/main">
+        <mc:Choice Requires="a14">
+          <p:sp>
+            <p:nvSpPr>
+              <p:cNvPr id="3" name="内容占位符 2"/>
+              <p:cNvSpPr>
+                <a:spLocks noGrp="1"/>
+              </p:cNvSpPr>
+              <p:nvPr>
+                <p:ph sz="quarter" idx="1"/>
+              </p:nvPr>
+            </p:nvSpPr>
+            <p:spPr/>
+            <p:txBody>
+              <a:bodyPr/>
+              <a:lstStyle/>
+              <a:p>
+                <a:r>
+                  <a:rPr kumimoji="1" lang="zh-CN" altLang="en-US" dirty="0"/>
+                  <a:t>当模块移动距离𝜇后，用</a:t>
+                </a:r>
+                <a:r>
+                  <a:rPr kumimoji="1" lang="en-US" altLang="zh-CN" dirty="0"/>
+                  <a:t>HPWL</a:t>
+                </a:r>
+                <a:r>
+                  <a:rPr kumimoji="1" lang="zh-CN" altLang="en-US" dirty="0"/>
+                  <a:t>近似𝛤会产生误差𝜀，为了使𝜀尽可能小，需要𝜇尽量小。</a:t>
+                </a:r>
+                <a:endParaRPr kumimoji="1" lang="en-US" altLang="zh-CN" dirty="0"/>
+              </a:p>
+              <a:p>
+                <a:r>
+                  <a:rPr kumimoji="1" lang="zh-CN" altLang="en-US" dirty="0"/>
+                  <a:t>小的𝜇会导致多的迭代次数和长的布局时间。</a:t>
+                </a:r>
+                <a:endParaRPr kumimoji="1" lang="en-US" altLang="zh-CN" dirty="0"/>
+              </a:p>
+              <a:p>
+                <a:r>
+                  <a:rPr kumimoji="1" lang="zh-CN" altLang="en-US" dirty="0"/>
+                  <a:t>需要确定参数𝜇</a:t>
+                </a:r>
+                <a:r>
+                  <a:rPr kumimoji="1" lang="en-US" altLang="zh-CN" baseline="-25000" dirty="0" smtClean="0"/>
+                  <a:t>T</a:t>
+                </a:r>
+                <a:r>
+                  <a:rPr kumimoji="1" lang="zh-CN" altLang="en-US" dirty="0" smtClean="0"/>
+                  <a:t>和伸缩因子</a:t>
+                </a:r>
+                <a:r>
+                  <a:rPr kumimoji="1" lang="zh-CN" altLang="en-US" dirty="0"/>
+                  <a:t>𝜅</a:t>
+                </a:r>
+                <a:endParaRPr kumimoji="1" lang="en-US" altLang="zh-CN" dirty="0"/>
+              </a:p>
+              <a:p>
+                <a:pPr lvl="1"/>
+                <a:r>
+                  <a:rPr kumimoji="1" lang="zh-CN" altLang="en-US" dirty="0" smtClean="0"/>
+                  <a:t>当</a:t>
+                </a:r>
+                <a:r>
+                  <a:rPr kumimoji="1" lang="zh-CN" altLang="en-US" dirty="0"/>
+                  <a:t>𝜇 </a:t>
+                </a:r>
+                <a:r>
+                  <a:rPr kumimoji="1" lang="en-US" altLang="zh-CN" dirty="0"/>
+                  <a:t>&gt;</a:t>
+                </a:r>
+                <a:r>
+                  <a:rPr kumimoji="1" lang="zh-CN" altLang="en-US" dirty="0"/>
+                  <a:t> 𝜇</a:t>
+                </a:r>
+                <a:r>
+                  <a:rPr kumimoji="1" lang="en-US" altLang="zh-CN" baseline="-25000" dirty="0"/>
+                  <a:t>T</a:t>
+                </a:r>
+                <a:r>
+                  <a:rPr kumimoji="1" lang="zh-CN" altLang="en-US" dirty="0"/>
+                  <a:t>时，𝜅 </a:t>
+                </a:r>
+                <a:r>
+                  <a:rPr kumimoji="1" lang="en-US" altLang="zh-CN" dirty="0"/>
+                  <a:t>&lt;</a:t>
+                </a:r>
+                <a:r>
+                  <a:rPr kumimoji="1" lang="zh-CN" altLang="en-US" dirty="0"/>
+                  <a:t> </a:t>
+                </a:r>
+                <a:r>
+                  <a:rPr kumimoji="1" lang="en-US" altLang="zh-CN" dirty="0" smtClean="0"/>
+                  <a:t>1</a:t>
+                </a:r>
+              </a:p>
+              <a:p>
+                <a:pPr lvl="1"/>
+                <a:r>
+                  <a:rPr kumimoji="1" lang="zh-CN" altLang="en-US" dirty="0" smtClean="0"/>
+                  <a:t>当</a:t>
+                </a:r>
+                <a:r>
+                  <a:rPr kumimoji="1" lang="zh-CN" altLang="en-US" dirty="0"/>
+                  <a:t>𝜇 </a:t>
+                </a:r>
+                <a:r>
+                  <a:rPr kumimoji="1" lang="en-US" altLang="zh-CN" dirty="0"/>
+                  <a:t>&lt;</a:t>
+                </a:r>
+                <a:r>
+                  <a:rPr kumimoji="1" lang="zh-CN" altLang="en-US" dirty="0"/>
+                  <a:t> 𝜇</a:t>
+                </a:r>
+                <a:r>
+                  <a:rPr kumimoji="1" lang="en-US" altLang="zh-CN" baseline="-25000" dirty="0"/>
+                  <a:t>T</a:t>
+                </a:r>
+                <a:r>
+                  <a:rPr kumimoji="1" lang="zh-CN" altLang="en-US" dirty="0"/>
+                  <a:t>时，𝜅 </a:t>
+                </a:r>
+                <a:r>
+                  <a:rPr kumimoji="1" lang="en-US" altLang="zh-CN" dirty="0"/>
+                  <a:t>&gt;</a:t>
+                </a:r>
+                <a:r>
+                  <a:rPr kumimoji="1" lang="zh-CN" altLang="en-US" dirty="0"/>
+                  <a:t> </a:t>
+                </a:r>
+                <a:r>
+                  <a:rPr kumimoji="1" lang="en-US" altLang="zh-CN" dirty="0" smtClean="0"/>
+                  <a:t>1</a:t>
+                </a:r>
+              </a:p>
+              <a:p>
+                <a:pPr lvl="1"/>
+                <a:r>
+                  <a:rPr kumimoji="1" lang="zh-CN" altLang="en-US" dirty="0" smtClean="0"/>
+                  <a:t>当</a:t>
+                </a:r>
+                <a:r>
+                  <a:rPr kumimoji="1" lang="zh-CN" altLang="en-US" dirty="0"/>
+                  <a:t>𝜇 </a:t>
+                </a:r>
+                <a:r>
+                  <a:rPr kumimoji="1" lang="en-US" altLang="zh-CN" dirty="0"/>
+                  <a:t>=</a:t>
+                </a:r>
+                <a:r>
+                  <a:rPr kumimoji="1" lang="zh-CN" altLang="en-US" dirty="0"/>
+                  <a:t> 𝜇</a:t>
+                </a:r>
+                <a:r>
+                  <a:rPr kumimoji="1" lang="en-US" altLang="zh-CN" baseline="-25000" dirty="0"/>
+                  <a:t>T</a:t>
+                </a:r>
+                <a:r>
+                  <a:rPr kumimoji="1" lang="zh-CN" altLang="en-US" dirty="0" smtClean="0"/>
+                  <a:t>时</a:t>
+                </a:r>
+                <a:r>
+                  <a:rPr kumimoji="1" lang="zh-CN" altLang="en-US" dirty="0"/>
+                  <a:t>，</a:t>
+                </a:r>
+                <a:r>
+                  <a:rPr kumimoji="1" lang="zh-CN" altLang="en-US" dirty="0" smtClean="0"/>
+                  <a:t>𝜅 </a:t>
+                </a:r>
+                <a:r>
+                  <a:rPr kumimoji="1" lang="en-US" altLang="zh-CN" dirty="0"/>
+                  <a:t>=</a:t>
+                </a:r>
+                <a:r>
+                  <a:rPr kumimoji="1" lang="zh-CN" altLang="en-US" dirty="0"/>
+                  <a:t> </a:t>
+                </a:r>
+                <a:r>
+                  <a:rPr kumimoji="1" lang="en-US" altLang="zh-CN" dirty="0"/>
+                  <a:t>1</a:t>
+                </a:r>
+              </a:p>
+              <a:p>
+                <a:pPr lvl="1"/>
+                <a14:m>
+                  <m:oMath xmlns:m="http://schemas.openxmlformats.org/officeDocument/2006/math">
+                    <m:r>
+                      <a:rPr kumimoji="1" lang="en-US" altLang="zh-CN" i="1">
+                        <a:latin typeface="Cambria Math" charset="0"/>
+                        <a:ea typeface="Cambria Math" charset="0"/>
+                        <a:cs typeface="Cambria Math" charset="0"/>
+                      </a:rPr>
+                      <m:t>𝜅</m:t>
+                    </m:r>
+                    <m:d>
+                      <m:dPr>
+                        <m:ctrlPr>
+                          <a:rPr kumimoji="1" lang="en-US" altLang="zh-CN" i="1">
+                            <a:latin typeface="Cambria Math" charset="0"/>
+                            <a:ea typeface="Cambria Math" charset="0"/>
+                            <a:cs typeface="Cambria Math" charset="0"/>
+                          </a:rPr>
+                        </m:ctrlPr>
+                      </m:dPr>
+                      <m:e>
+                        <m:r>
+                          <a:rPr kumimoji="1" lang="en-US" altLang="zh-CN" i="1">
+                            <a:latin typeface="Cambria Math" charset="0"/>
+                            <a:ea typeface="Cambria Math" charset="0"/>
+                            <a:cs typeface="Cambria Math" charset="0"/>
+                          </a:rPr>
+                          <m:t>𝜇</m:t>
+                        </m:r>
+                      </m:e>
+                    </m:d>
+                    <m:r>
+                      <a:rPr kumimoji="1" lang="en-US" altLang="zh-CN" i="1">
+                        <a:latin typeface="Cambria Math" charset="0"/>
+                        <a:ea typeface="Cambria Math" charset="0"/>
+                        <a:cs typeface="Cambria Math" charset="0"/>
+                      </a:rPr>
+                      <m:t>=1+</m:t>
+                    </m:r>
+                    <m:func>
+                      <m:funcPr>
+                        <m:ctrlPr>
+                          <a:rPr kumimoji="1" lang="en-US" altLang="zh-CN" i="1">
+                            <a:latin typeface="Cambria Math" charset="0"/>
+                            <a:ea typeface="Cambria Math" charset="0"/>
+                            <a:cs typeface="Cambria Math" charset="0"/>
+                          </a:rPr>
+                        </m:ctrlPr>
+                      </m:funcPr>
+                      <m:fName>
+                        <m:r>
+                          <m:rPr>
+                            <m:sty m:val="p"/>
+                          </m:rPr>
+                          <a:rPr kumimoji="1" lang="en-US" altLang="zh-CN">
+                            <a:latin typeface="Cambria Math" charset="0"/>
+                            <a:ea typeface="Cambria Math" charset="0"/>
+                            <a:cs typeface="Cambria Math" charset="0"/>
+                          </a:rPr>
+                          <m:t>tanh</m:t>
+                        </m:r>
+                      </m:fName>
+                      <m:e>
+                        <m:r>
+                          <a:rPr kumimoji="1" lang="en-US" altLang="zh-CN" i="1">
+                            <a:latin typeface="Cambria Math" charset="0"/>
+                            <a:ea typeface="Cambria Math" charset="0"/>
+                            <a:cs typeface="Cambria Math" charset="0"/>
+                          </a:rPr>
+                          <m:t>(</m:t>
+                        </m:r>
+                        <m:r>
+                          <m:rPr>
+                            <m:sty m:val="p"/>
+                          </m:rPr>
+                          <a:rPr kumimoji="1" lang="en-US" altLang="zh-CN">
+                            <a:latin typeface="Cambria Math" charset="0"/>
+                            <a:ea typeface="Cambria Math" charset="0"/>
+                            <a:cs typeface="Cambria Math" charset="0"/>
+                          </a:rPr>
+                          <m:t>ln</m:t>
+                        </m:r>
+                        <m:r>
+                          <a:rPr kumimoji="1" lang="en-US" altLang="zh-CN" i="1">
+                            <a:latin typeface="Cambria Math" charset="0"/>
+                            <a:ea typeface="Cambria Math" charset="0"/>
+                            <a:cs typeface="Cambria Math" charset="0"/>
+                          </a:rPr>
+                          <m:t>⁡(</m:t>
+                        </m:r>
+                        <m:f>
+                          <m:fPr>
+                            <m:ctrlPr>
+                              <a:rPr kumimoji="1" lang="bg-BG" altLang="zh-CN" i="1">
+                                <a:latin typeface="Cambria Math" charset="0"/>
+                                <a:ea typeface="Cambria Math" charset="0"/>
+                                <a:cs typeface="Cambria Math" charset="0"/>
+                              </a:rPr>
+                            </m:ctrlPr>
+                          </m:fPr>
+                          <m:num>
+                            <m:sSub>
+                              <m:sSubPr>
+                                <m:ctrlPr>
+                                  <a:rPr kumimoji="1" lang="en-US" altLang="zh-CN" i="1">
+                                    <a:latin typeface="Cambria Math" charset="0"/>
+                                    <a:ea typeface="Cambria Math" charset="0"/>
+                                    <a:cs typeface="Cambria Math" charset="0"/>
+                                  </a:rPr>
+                                </m:ctrlPr>
+                              </m:sSubPr>
+                              <m:e>
+                                <m:r>
+                                  <a:rPr kumimoji="1" lang="en-US" altLang="zh-CN" i="1">
+                                    <a:latin typeface="Cambria Math" charset="0"/>
+                                    <a:ea typeface="Cambria Math" charset="0"/>
+                                    <a:cs typeface="Cambria Math" charset="0"/>
+                                  </a:rPr>
+                                  <m:t>𝜇</m:t>
+                                </m:r>
+                              </m:e>
+                              <m:sub>
+                                <m:r>
+                                  <a:rPr kumimoji="1" lang="en-US" altLang="zh-CN" i="1">
+                                    <a:latin typeface="Cambria Math" charset="0"/>
+                                    <a:ea typeface="Cambria Math" charset="0"/>
+                                    <a:cs typeface="Cambria Math" charset="0"/>
+                                  </a:rPr>
+                                  <m:t>𝑇</m:t>
+                                </m:r>
+                              </m:sub>
+                            </m:sSub>
+                          </m:num>
+                          <m:den>
+                            <m:r>
+                              <a:rPr kumimoji="1" lang="bg-BG" altLang="zh-CN" i="1">
+                                <a:latin typeface="Cambria Math" charset="0"/>
+                                <a:ea typeface="Cambria Math" charset="0"/>
+                                <a:cs typeface="Cambria Math" charset="0"/>
+                              </a:rPr>
+                              <m:t>𝜇</m:t>
+                            </m:r>
+                          </m:den>
+                        </m:f>
+                        <m:r>
+                          <a:rPr kumimoji="1" lang="en-US" altLang="zh-CN" i="1">
+                            <a:latin typeface="Cambria Math" charset="0"/>
+                            <a:ea typeface="Cambria Math" charset="0"/>
+                            <a:cs typeface="Cambria Math" charset="0"/>
+                          </a:rPr>
+                          <m:t>)</m:t>
+                        </m:r>
+                      </m:e>
+                    </m:func>
+                  </m:oMath>
+                </a14:m>
+                <a:r>
+                  <a:rPr kumimoji="1" lang="en-US" altLang="zh-CN" dirty="0"/>
+                  <a:t>)</a:t>
+                </a:r>
+                <a:endParaRPr kumimoji="1" lang="zh-CN" altLang="en-US" dirty="0"/>
+              </a:p>
+              <a:p>
+                <a:endParaRPr kumimoji="1" lang="zh-CN" altLang="en-US" dirty="0"/>
+              </a:p>
+            </p:txBody>
+          </p:sp>
+        </mc:Choice>
+        <mc:Fallback xmlns="">
+          <p:sp>
+            <p:nvSpPr>
+              <p:cNvPr id="3" name="内容占位符 2"/>
+              <p:cNvSpPr>
+                <a:spLocks noGrp="1" noRot="1" noChangeAspect="1" noMove="1" noResize="1" noEditPoints="1" noAdjustHandles="1" noChangeArrowheads="1" noChangeShapeType="1" noTextEdit="1"/>
+              </p:cNvSpPr>
+              <p:nvPr>
+                <p:ph sz="quarter" idx="1"/>
+              </p:nvPr>
+            </p:nvSpPr>
+            <p:spPr>
+              <a:blipFill rotWithShape="0">
+                <a:blip r:embed="rId2"/>
+                <a:stretch>
+                  <a:fillRect l="-327" t="-1377" r="-163"/>
+                </a:stretch>
+              </a:blipFill>
+            </p:spPr>
+            <p:txBody>
+              <a:bodyPr/>
+              <a:lstStyle/>
+              <a:p>
+                <a:r>
+                  <a:rPr lang="zh-CN" altLang="en-US">
+                    <a:noFill/>
+                  </a:rPr>
+                  <a:t> </a:t>
+                </a:r>
+              </a:p>
+            </p:txBody>
+          </p:sp>
+        </mc:Fallback>
+      </mc:AlternateContent>
+    </p:spTree>
+    <p:extLst>
+      <p:ext uri="{BB962C8B-B14F-4D97-AF65-F5344CB8AC3E}">
+        <p14:creationId xmlns:p14="http://schemas.microsoft.com/office/powerpoint/2010/main" val="1771159968"/>
+      </p:ext>
+    </p:extLst>
+  </p:cSld>
+  <p:clrMapOvr>
+    <a:masterClrMapping/>
+  </p:clrMapOvr>
+</p:sld>
+</file>
+
+<file path=ppt/slides/slide16.xml><?xml version="1.0" encoding="utf-8"?>
 <p:sld xmlns:a="http://schemas.openxmlformats.org/drawingml/2006/main" xmlns:r="http://schemas.openxmlformats.org/officeDocument/2006/relationships" xmlns:p="http://schemas.openxmlformats.org/presentationml/2006/main">
   <p:cSld>
     <p:spTree>
@@ -6890,7 +11868,7 @@
 </p:sld>
 </file>
 
-<file path=ppt/slides/slide14.xml><?xml version="1.0" encoding="utf-8"?>
+<file path=ppt/slides/slide17.xml><?xml version="1.0" encoding="utf-8"?>
 <p:sld xmlns:a="http://schemas.openxmlformats.org/drawingml/2006/main" xmlns:r="http://schemas.openxmlformats.org/officeDocument/2006/relationships" xmlns:p="http://schemas.openxmlformats.org/presentationml/2006/main">
   <p:cSld>
     <p:spTree>
@@ -7118,7 +12096,7 @@
 </p:sld>
 </file>
 
-<file path=ppt/slides/slide15.xml><?xml version="1.0" encoding="utf-8"?>
+<file path=ppt/slides/slide18.xml><?xml version="1.0" encoding="utf-8"?>
 <p:sld xmlns:a="http://schemas.openxmlformats.org/drawingml/2006/main" xmlns:r="http://schemas.openxmlformats.org/officeDocument/2006/relationships" xmlns:p="http://schemas.openxmlformats.org/presentationml/2006/main">
   <p:cSld>
     <p:spTree>
@@ -7456,7 +12434,7 @@
 </p:sld>
 </file>
 
-<file path=ppt/slides/slide16.xml><?xml version="1.0" encoding="utf-8"?>
+<file path=ppt/slides/slide19.xml><?xml version="1.0" encoding="utf-8"?>
 <p:sld xmlns:a="http://schemas.openxmlformats.org/drawingml/2006/main" xmlns:r="http://schemas.openxmlformats.org/officeDocument/2006/relationships" xmlns:p="http://schemas.openxmlformats.org/presentationml/2006/main">
   <p:cSld>
     <p:spTree>
@@ -7750,7 +12728,12 @@
             <p:ph sz="quarter" idx="1"/>
           </p:nvPr>
         </p:nvSpPr>
-        <p:spPr/>
+        <p:spPr>
+          <a:xfrm>
+            <a:off x="457200" y="1600200"/>
+            <a:ext cx="8147248" cy="5257800"/>
+          </a:xfrm>
+        </p:spPr>
         <p:txBody>
           <a:bodyPr/>
           <a:lstStyle/>
@@ -7762,6 +12745,38 @@
             <a:endParaRPr lang="en-US" altLang="zh-CN" dirty="0" smtClean="0"/>
           </a:p>
           <a:p>
+            <a:pPr lvl="1"/>
+            <a:r>
+              <a:rPr lang="zh-CN" altLang="en-US" dirty="0"/>
+              <a:t>使用</a:t>
+            </a:r>
+            <a:r>
+              <a:rPr lang="en-US" altLang="zh-CN" dirty="0"/>
+              <a:t>bound2bound</a:t>
+            </a:r>
+            <a:r>
+              <a:rPr lang="zh-CN" altLang="en-US" dirty="0"/>
+              <a:t> </a:t>
+            </a:r>
+            <a:r>
+              <a:rPr lang="en-US" altLang="zh-CN" dirty="0" smtClean="0"/>
+              <a:t>model</a:t>
+            </a:r>
+            <a:r>
+              <a:rPr lang="zh-CN" altLang="en-US" dirty="0" smtClean="0"/>
+              <a:t>，单独应用线网力，进行少数次迭代，</a:t>
+            </a:r>
+            <a:r>
+              <a:rPr lang="zh-CN" altLang="en-US" dirty="0"/>
+              <a:t>确定模块的初始</a:t>
+            </a:r>
+            <a:r>
+              <a:rPr lang="zh-CN" altLang="en-US" dirty="0" smtClean="0"/>
+              <a:t>位置</a:t>
+            </a:r>
+            <a:endParaRPr lang="en-US" altLang="zh-CN" dirty="0" smtClean="0"/>
+          </a:p>
+          <a:p>
             <a:r>
               <a:rPr lang="zh-CN" altLang="en-US" dirty="0"/>
               <a:t>宏</a:t>
@@ -7784,7 +12799,120 @@
               <a:rPr lang="zh-CN" altLang="en-US" dirty="0" smtClean="0"/>
               <a:t>详细布局</a:t>
             </a:r>
+            <a:endParaRPr lang="en-US" altLang="zh-CN" dirty="0" smtClean="0"/>
+          </a:p>
+          <a:p>
+            <a:pPr lvl="1"/>
+            <a:r>
+              <a:rPr lang="en-US" altLang="zh-CN" dirty="0" smtClean="0"/>
+              <a:t>branch</a:t>
+            </a:r>
+            <a:r>
+              <a:rPr lang="zh-CN" altLang="en-US" dirty="0" smtClean="0"/>
+              <a:t> </a:t>
+            </a:r>
+            <a:r>
+              <a:rPr lang="en-US" altLang="zh-CN" dirty="0" smtClean="0"/>
+              <a:t>&amp;</a:t>
+            </a:r>
+            <a:r>
+              <a:rPr lang="zh-CN" altLang="en-US" dirty="0" smtClean="0"/>
+              <a:t> </a:t>
+            </a:r>
+            <a:r>
+              <a:rPr lang="en-US" altLang="zh-CN" dirty="0" smtClean="0"/>
+              <a:t>bound</a:t>
+            </a:r>
+            <a:r>
+              <a:rPr lang="zh-CN" altLang="en-US" dirty="0" smtClean="0"/>
+              <a:t> </a:t>
+            </a:r>
+            <a:r>
+              <a:rPr lang="en-US" altLang="zh-CN" dirty="0"/>
+              <a:t>model</a:t>
+            </a:r>
+          </a:p>
+          <a:p>
+            <a:pPr lvl="1"/>
             <a:endParaRPr lang="zh-CN" altLang="en-US" dirty="0"/>
+          </a:p>
+        </p:txBody>
+      </p:sp>
+      <p:pic>
+        <p:nvPicPr>
+          <p:cNvPr id="4" name="内容占位符 7"/>
+          <p:cNvPicPr>
+            <a:picLocks noChangeAspect="1"/>
+          </p:cNvPicPr>
+          <p:nvPr/>
+        </p:nvPicPr>
+        <p:blipFill>
+          <a:blip r:embed="rId3">
+            <a:extLst>
+              <a:ext uri="{28A0092B-C50C-407E-A947-70E740481C1C}">
+                <a14:useLocalDpi xmlns:a14="http://schemas.microsoft.com/office/drawing/2010/main" val="0"/>
+              </a:ext>
+            </a:extLst>
+          </a:blip>
+          <a:stretch>
+            <a:fillRect/>
+          </a:stretch>
+        </p:blipFill>
+        <p:spPr>
+          <a:xfrm>
+            <a:off x="4067944" y="2564904"/>
+            <a:ext cx="4647811" cy="4032448"/>
+          </a:xfrm>
+          <a:prstGeom prst="rect">
+            <a:avLst/>
+          </a:prstGeom>
+        </p:spPr>
+      </p:pic>
+      <p:sp>
+        <p:nvSpPr>
+          <p:cNvPr id="8" name="右箭头 7"/>
+          <p:cNvSpPr/>
+          <p:nvPr/>
+        </p:nvSpPr>
+        <p:spPr>
+          <a:xfrm>
+            <a:off x="2234121" y="3356992"/>
+            <a:ext cx="1722515" cy="144016"/>
+          </a:xfrm>
+          <a:prstGeom prst="rightArrow">
+            <a:avLst/>
+          </a:prstGeom>
+          <a:solidFill>
+            <a:schemeClr val="accent1"/>
+          </a:solidFill>
+          <a:ln>
+            <a:solidFill>
+              <a:schemeClr val="accent1"/>
+            </a:solidFill>
+          </a:ln>
+        </p:spPr>
+        <p:style>
+          <a:lnRef idx="2">
+            <a:schemeClr val="accent1">
+              <a:shade val="50000"/>
+            </a:schemeClr>
+          </a:lnRef>
+          <a:fillRef idx="1">
+            <a:schemeClr val="accent1"/>
+          </a:fillRef>
+          <a:effectRef idx="0">
+            <a:schemeClr val="accent1"/>
+          </a:effectRef>
+          <a:fontRef idx="minor">
+            <a:schemeClr val="lt1"/>
+          </a:fontRef>
+        </p:style>
+        <p:txBody>
+          <a:bodyPr rtlCol="0" anchor="ctr"/>
+          <a:lstStyle/>
+          <a:p>
+            <a:pPr algn="ctr"/>
+            <a:endParaRPr kumimoji="1" lang="zh-CN" altLang="en-US"/>
           </a:p>
         </p:txBody>
       </p:sp>
@@ -7948,8 +13076,8 @@
         </p:nvSpPr>
         <p:spPr>
           <a:xfrm>
-            <a:off x="1583668" y="1844824"/>
-            <a:ext cx="1224136" cy="276999"/>
+            <a:off x="1268870" y="1750920"/>
+            <a:ext cx="1476164" cy="400110"/>
           </a:xfrm>
           <a:prstGeom prst="rect">
             <a:avLst/>
@@ -7963,14 +13091,9 @@
           <a:lstStyle/>
           <a:p>
             <a:r>
-              <a:rPr kumimoji="1" lang="en-US" altLang="zh-CN" sz="1200" dirty="0" smtClean="0"/>
-              <a:t>Net </a:t>
-            </a:r>
-            <a:r>
-              <a:rPr kumimoji="1" lang="en-US" altLang="zh-CN" sz="1200" dirty="0" err="1" smtClean="0"/>
-              <a:t>Froce</a:t>
-            </a:r>
-            <a:endParaRPr kumimoji="1" lang="zh-CN" altLang="en-US" sz="1200" dirty="0" smtClean="0"/>
+              <a:rPr kumimoji="1" lang="zh-CN" altLang="en-US" sz="2000" dirty="0" smtClean="0"/>
+              <a:t>线网力</a:t>
+            </a:r>
           </a:p>
         </p:txBody>
       </p:sp>
@@ -8018,7 +13141,7 @@
         <p:spPr>
           <a:xfrm>
             <a:off x="5364088" y="2496095"/>
-            <a:ext cx="1224136" cy="276999"/>
+            <a:ext cx="1656184" cy="400110"/>
           </a:xfrm>
           <a:prstGeom prst="rect">
             <a:avLst/>
@@ -8032,14 +13155,9 @@
           <a:lstStyle/>
           <a:p>
             <a:r>
-              <a:rPr kumimoji="1" lang="en-US" altLang="zh-CN" sz="1200" dirty="0" smtClean="0"/>
-              <a:t>Move </a:t>
-            </a:r>
-            <a:r>
-              <a:rPr kumimoji="1" lang="en-US" altLang="zh-CN" sz="1200" dirty="0" err="1" smtClean="0"/>
-              <a:t>Froce</a:t>
-            </a:r>
-            <a:endParaRPr kumimoji="1" lang="zh-CN" altLang="en-US" sz="1200" dirty="0" smtClean="0"/>
+              <a:rPr kumimoji="1" lang="zh-CN" altLang="en-US" sz="2000" dirty="0" smtClean="0"/>
+              <a:t>移动力</a:t>
+            </a:r>
           </a:p>
         </p:txBody>
       </p:sp>
@@ -8051,8 +13169,8 @@
         </p:nvSpPr>
         <p:spPr>
           <a:xfrm>
-            <a:off x="4897091" y="3933056"/>
-            <a:ext cx="1224136" cy="276999"/>
+            <a:off x="4860032" y="4058273"/>
+            <a:ext cx="1475109" cy="400110"/>
           </a:xfrm>
           <a:prstGeom prst="rect">
             <a:avLst/>
@@ -8066,14 +13184,9 @@
           <a:lstStyle/>
           <a:p>
             <a:r>
-              <a:rPr kumimoji="1" lang="en-US" altLang="zh-CN" sz="1200" dirty="0" smtClean="0"/>
-              <a:t>Hold </a:t>
-            </a:r>
-            <a:r>
-              <a:rPr kumimoji="1" lang="en-US" altLang="zh-CN" sz="1200" dirty="0" err="1" smtClean="0"/>
-              <a:t>Froce</a:t>
-            </a:r>
-            <a:endParaRPr kumimoji="1" lang="zh-CN" altLang="en-US" sz="1200" dirty="0" smtClean="0"/>
+              <a:rPr kumimoji="1" lang="zh-CN" altLang="en-US" sz="2000" dirty="0" smtClean="0"/>
+              <a:t>保持力</a:t>
+            </a:r>
           </a:p>
         </p:txBody>
       </p:sp>
@@ -8085,8 +13198,8 @@
         </p:nvSpPr>
         <p:spPr>
           <a:xfrm>
-            <a:off x="3491880" y="2780928"/>
-            <a:ext cx="1224136" cy="276999"/>
+            <a:off x="3349588" y="2613311"/>
+            <a:ext cx="1224136" cy="400110"/>
           </a:xfrm>
           <a:prstGeom prst="rect">
             <a:avLst/>
@@ -8100,10 +13213,10 @@
           <a:lstStyle/>
           <a:p>
             <a:r>
-              <a:rPr kumimoji="1" lang="en-US" altLang="zh-CN" sz="1200" dirty="0" smtClean="0"/>
+              <a:rPr kumimoji="1" lang="en-US" altLang="zh-CN" sz="2000" dirty="0" smtClean="0"/>
               <a:t>(x, y)</a:t>
             </a:r>
-            <a:endParaRPr kumimoji="1" lang="zh-CN" altLang="en-US" sz="1200" dirty="0" smtClean="0"/>
+            <a:endParaRPr kumimoji="1" lang="zh-CN" altLang="en-US" sz="2000" dirty="0" smtClean="0"/>
           </a:p>
         </p:txBody>
       </p:sp>
@@ -8115,8 +13228,8 @@
         </p:nvSpPr>
         <p:spPr>
           <a:xfrm>
-            <a:off x="2456528" y="3081662"/>
-            <a:ext cx="1224136" cy="276999"/>
+            <a:off x="1849316" y="3238278"/>
+            <a:ext cx="1988984" cy="400110"/>
           </a:xfrm>
           <a:prstGeom prst="rect">
             <a:avLst/>
@@ -8130,10 +13243,10 @@
           <a:lstStyle/>
           <a:p>
             <a:r>
-              <a:rPr kumimoji="1" lang="en-US" altLang="zh-CN" sz="1200" dirty="0" smtClean="0"/>
+              <a:rPr kumimoji="1" lang="en-US" altLang="zh-CN" sz="2000" dirty="0" smtClean="0"/>
               <a:t>(x’, y’)</a:t>
             </a:r>
-            <a:endParaRPr kumimoji="1" lang="zh-CN" altLang="en-US" sz="1200" dirty="0" smtClean="0"/>
+            <a:endParaRPr kumimoji="1" lang="zh-CN" altLang="en-US" sz="2000" dirty="0" smtClean="0"/>
           </a:p>
         </p:txBody>
       </p:sp>
@@ -8145,8 +13258,8 @@
         </p:nvSpPr>
         <p:spPr>
           <a:xfrm>
-            <a:off x="1403648" y="4725144"/>
-            <a:ext cx="5184576" cy="738664"/>
+            <a:off x="714400" y="4780680"/>
+            <a:ext cx="7067128" cy="1015663"/>
           </a:xfrm>
           <a:prstGeom prst="rect">
             <a:avLst/>
@@ -8164,14 +13277,10 @@
               <a:buChar char="•"/>
             </a:pPr>
             <a:r>
-              <a:rPr kumimoji="1" lang="en-US" altLang="zh-CN" sz="1400" dirty="0" smtClean="0"/>
-              <a:t>Net Force</a:t>
-            </a:r>
-            <a:r>
-              <a:rPr kumimoji="1" lang="zh-CN" altLang="en-US" sz="1400" dirty="0" smtClean="0"/>
-              <a:t>是使得线网长度最短的力，有聚合模块的作用</a:t>
-            </a:r>
-            <a:endParaRPr kumimoji="1" lang="en-US" altLang="zh-CN" sz="1400" dirty="0" smtClean="0"/>
+              <a:rPr kumimoji="1" lang="zh-CN" altLang="en-US" sz="2000" dirty="0" smtClean="0"/>
+              <a:t>线网力是使得线网长度最短的力，有聚合模块的作用</a:t>
+            </a:r>
+            <a:endParaRPr kumimoji="1" lang="en-US" altLang="zh-CN" sz="2000" dirty="0" smtClean="0"/>
           </a:p>
           <a:p>
             <a:pPr marL="285750" indent="-285750">
@@ -8179,18 +13288,10 @@
               <a:buChar char="•"/>
             </a:pPr>
             <a:r>
-              <a:rPr kumimoji="1" lang="en-US" altLang="zh-CN" sz="1400" dirty="0" smtClean="0"/>
-              <a:t>Move </a:t>
-            </a:r>
-            <a:r>
-              <a:rPr kumimoji="1" lang="en-US" altLang="zh-CN" sz="1400" dirty="0" err="1" smtClean="0"/>
-              <a:t>Froce</a:t>
-            </a:r>
-            <a:r>
-              <a:rPr kumimoji="1" lang="zh-CN" altLang="en-US" sz="1400" dirty="0" smtClean="0"/>
-              <a:t>是能够将模块逐渐分散，并消除相互重叠的力</a:t>
-            </a:r>
-            <a:endParaRPr kumimoji="1" lang="en-US" altLang="zh-CN" sz="1400" dirty="0" smtClean="0"/>
+              <a:rPr kumimoji="1" lang="zh-CN" altLang="en-US" sz="2000" dirty="0" smtClean="0"/>
+              <a:t>移动力是能够将模块逐渐分散，并消除相互重叠的力</a:t>
+            </a:r>
+            <a:endParaRPr kumimoji="1" lang="en-US" altLang="zh-CN" sz="2000" dirty="0" smtClean="0"/>
           </a:p>
           <a:p>
             <a:pPr marL="285750" indent="-285750">
@@ -8198,20 +13299,8 @@
               <a:buChar char="•"/>
             </a:pPr>
             <a:r>
-              <a:rPr kumimoji="1" lang="en-US" altLang="zh-CN" sz="1400" dirty="0" smtClean="0"/>
-              <a:t>Hold Force</a:t>
-            </a:r>
-            <a:r>
-              <a:rPr kumimoji="1" lang="zh-CN" altLang="en-US" sz="1400" dirty="0" smtClean="0"/>
-              <a:t>是上一次迭代中</a:t>
-            </a:r>
-            <a:r>
-              <a:rPr kumimoji="1" lang="en-US" altLang="zh-CN" sz="1400" dirty="0" smtClean="0"/>
-              <a:t>Net Force</a:t>
-            </a:r>
-            <a:r>
-              <a:rPr kumimoji="1" lang="zh-CN" altLang="en-US" sz="1400" dirty="0" smtClean="0"/>
-              <a:t>的反方向平衡力</a:t>
+              <a:rPr kumimoji="1" lang="zh-CN" altLang="en-US" sz="2000" dirty="0" smtClean="0"/>
+              <a:t>保持力是上一次迭代中线网力的反方向平衡力</a:t>
             </a:r>
           </a:p>
         </p:txBody>
@@ -8277,7 +13366,7 @@
           <a:p>
             <a:r>
               <a:rPr lang="zh-CN" altLang="en-US" sz="3200" dirty="0" smtClean="0"/>
-              <a:t>线网力的计算</a:t>
+              <a:t>线网模型</a:t>
             </a:r>
             <a:endParaRPr lang="zh-CN" altLang="en-US" sz="3200" dirty="0"/>
           </a:p>
@@ -8307,15 +13396,7 @@
           <a:p>
             <a:r>
               <a:rPr lang="zh-CN" altLang="en-US" dirty="0" smtClean="0"/>
-              <a:t>布局</a:t>
-            </a:r>
-            <a:r>
-              <a:rPr lang="zh-CN" altLang="en-US" dirty="0" smtClean="0"/>
-              <a:t>的目标之一是使得总体线长最短，因此线长的估算是个重要</a:t>
-            </a:r>
-            <a:r>
-              <a:rPr lang="zh-CN" altLang="en-US" dirty="0" smtClean="0"/>
-              <a:t>问题</a:t>
+              <a:t>布局的目标之一是使得总体线长最短，因此线长的估算是个重要问题</a:t>
             </a:r>
             <a:endParaRPr lang="en-US" altLang="zh-CN" dirty="0" smtClean="0"/>
           </a:p>
@@ -8371,22 +13452,15 @@
             </a:r>
             <a:r>
               <a:rPr lang="zh-CN" altLang="en-US" dirty="0" smtClean="0"/>
-              <a:t>需要引入某种</a:t>
-            </a:r>
-            <a:r>
-              <a:rPr lang="en-US" altLang="zh-CN" dirty="0" smtClean="0"/>
-              <a:t>net model</a:t>
-            </a:r>
+              <a:t>需要引入某种线网模型</a:t>
+            </a:r>
+            <a:endParaRPr lang="en-US" altLang="zh-CN" dirty="0" smtClean="0"/>
           </a:p>
           <a:p>
             <a:pPr lvl="1"/>
             <a:r>
-              <a:rPr lang="en-US" altLang="zh-CN" dirty="0" smtClean="0"/>
-              <a:t>Module set</a:t>
-            </a:r>
-            <a:r>
-              <a:rPr lang="zh-CN" altLang="en-US" dirty="0"/>
-              <a:t> </a:t>
+              <a:rPr lang="zh-CN" altLang="en-US" dirty="0" smtClean="0"/>
+              <a:t>模块集合 </a:t>
             </a:r>
             <a:r>
               <a:rPr lang="en-US" altLang="zh-CN" b="1" dirty="0" smtClean="0"/>
@@ -8394,11 +13468,11 @@
             </a:r>
             <a:r>
               <a:rPr lang="zh-CN" altLang="en-US" dirty="0" smtClean="0"/>
-              <a:t>， </a:t>
+              <a:t>， 管脚集合</a:t>
             </a:r>
             <a:r>
               <a:rPr lang="en-US" altLang="zh-CN" dirty="0" smtClean="0"/>
-              <a:t>Pin set </a:t>
+              <a:t> </a:t>
             </a:r>
             <a:r>
               <a:rPr lang="en-US" altLang="zh-CN" b="1" dirty="0" smtClean="0"/>
@@ -8406,11 +13480,11 @@
             </a:r>
             <a:r>
               <a:rPr lang="zh-CN" altLang="en-US" dirty="0" smtClean="0"/>
-              <a:t>， </a:t>
+              <a:t>， 线网集合</a:t>
             </a:r>
             <a:r>
               <a:rPr lang="en-US" altLang="zh-CN" dirty="0" smtClean="0"/>
-              <a:t>Net set </a:t>
+              <a:t> </a:t>
             </a:r>
             <a:r>
               <a:rPr lang="en-US" altLang="zh-CN" b="1" dirty="0" smtClean="0"/>
@@ -8421,11 +13495,19 @@
             <a:pPr lvl="1"/>
             <a:r>
               <a:rPr lang="en-US" altLang="zh-CN" dirty="0" smtClean="0"/>
-              <a:t>Set of two pin connections</a:t>
+              <a:t>two-pin</a:t>
             </a:r>
             <a:r>
               <a:rPr lang="zh-CN" altLang="en-US" dirty="0" smtClean="0"/>
-              <a:t>， </a:t>
+              <a:t> </a:t>
+            </a:r>
+            <a:r>
+              <a:rPr lang="en-US" altLang="zh-CN" dirty="0" smtClean="0"/>
+              <a:t>pair</a:t>
+            </a:r>
+            <a:r>
+              <a:rPr lang="zh-CN" altLang="en-US" dirty="0" smtClean="0"/>
+              <a:t>集合 </a:t>
             </a:r>
             <a:r>
               <a:rPr lang="en-US" altLang="zh-CN" b="1" dirty="0" smtClean="0"/>
@@ -8589,23 +13671,7 @@
           <a:p>
             <a:r>
               <a:rPr lang="zh-CN" altLang="en-US" dirty="0" smtClean="0"/>
-              <a:t>由此可见</a:t>
-            </a:r>
-            <a:r>
-              <a:rPr lang="en-US" altLang="zh-CN" dirty="0" smtClean="0"/>
-              <a:t>net weight</a:t>
-            </a:r>
-            <a:r>
-              <a:rPr lang="zh-CN" altLang="en-US" dirty="0" smtClean="0"/>
-              <a:t>的计算是</a:t>
-            </a:r>
-            <a:r>
-              <a:rPr lang="en-US" altLang="zh-CN" dirty="0" smtClean="0"/>
-              <a:t>net model</a:t>
-            </a:r>
-            <a:r>
-              <a:rPr lang="zh-CN" altLang="en-US" dirty="0" smtClean="0"/>
-              <a:t>的关键，不同的计算方法定义了不同的线网模型</a:t>
+              <a:t>由此可见线网权重的计算是线网的关键，不同的计算方法定义了不同的线网模型</a:t>
             </a:r>
             <a:endParaRPr lang="en-US" altLang="zh-CN" dirty="0" smtClean="0"/>
           </a:p>
@@ -8671,6 +13737,14 @@
             <a:r>
               <a:rPr lang="en-US" altLang="zh-CN" dirty="0" smtClean="0"/>
               <a:t>are</a:t>
+            </a:r>
+            <a:r>
+              <a:rPr lang="zh-CN" altLang="en-US" dirty="0" smtClean="0"/>
+              <a:t> </a:t>
+            </a:r>
+            <a:r>
+              <a:rPr lang="en-US" altLang="zh-CN" dirty="0" smtClean="0"/>
+              <a:t>not</a:t>
             </a:r>
             <a:r>
               <a:rPr lang="zh-CN" altLang="en-US" dirty="0" smtClean="0"/>
@@ -8791,7 +13865,7 @@
         </p:blipFill>
         <p:spPr>
           <a:xfrm>
-            <a:off x="3851920" y="4653136"/>
+            <a:off x="4191000" y="4653136"/>
             <a:ext cx="2592288" cy="535496"/>
           </a:xfrm>
           <a:prstGeom prst="rect">
@@ -8905,15 +13979,7 @@
             </a:r>
             <a:r>
               <a:rPr lang="zh-CN" altLang="en-US" dirty="0" smtClean="0"/>
-              <a:t>相比，所需计算的</a:t>
-            </a:r>
-            <a:r>
-              <a:rPr lang="en-US" altLang="zh-CN" dirty="0" smtClean="0"/>
-              <a:t>Pin Pair</a:t>
-            </a:r>
-            <a:r>
-              <a:rPr lang="zh-CN" altLang="en-US" dirty="0" smtClean="0"/>
-              <a:t>个数少很多，跟</a:t>
+              <a:t>相比，所需计算的个数少很多，跟</a:t>
             </a:r>
             <a:r>
               <a:rPr lang="en-US" altLang="zh-CN" dirty="0" smtClean="0"/>
@@ -8921,15 +13987,7 @@
             </a:r>
             <a:r>
               <a:rPr lang="zh-CN" altLang="en-US" dirty="0" smtClean="0"/>
-              <a:t>相比，所需计算的</a:t>
-            </a:r>
-            <a:r>
-              <a:rPr lang="en-US" altLang="zh-CN" dirty="0" smtClean="0"/>
-              <a:t>Pin Pair</a:t>
-            </a:r>
-            <a:r>
-              <a:rPr lang="zh-CN" altLang="en-US" dirty="0" smtClean="0"/>
-              <a:t>个数增加的并不多</a:t>
+              <a:t>相比，所需计算的管脚对个数增加的并不多</a:t>
             </a:r>
             <a:endParaRPr lang="en-US" altLang="zh-CN" dirty="0" smtClean="0"/>
           </a:p>
@@ -9021,7 +14079,7 @@
     </p:spTree>
     <p:extLst>
       <p:ext uri="{BB962C8B-B14F-4D97-AF65-F5344CB8AC3E}">
-        <p14:creationId xmlns:p14="http://schemas.microsoft.com/office/powerpoint/2010/main" val="2866822498"/>
+        <p14:creationId xmlns:p14="http://schemas.microsoft.com/office/powerpoint/2010/main" val="1083948934"/>
       </p:ext>
     </p:extLst>
   </p:cSld>
@@ -9069,12 +14127,8 @@
           <a:lstStyle/>
           <a:p>
             <a:r>
-              <a:rPr lang="en-US" altLang="zh-CN" dirty="0" smtClean="0"/>
-              <a:t>Net Force</a:t>
-            </a:r>
-            <a:r>
               <a:rPr lang="zh-CN" altLang="en-US" dirty="0" smtClean="0"/>
-              <a:t>模型（以</a:t>
+              <a:t>线网力的计算（以</a:t>
             </a:r>
             <a:r>
               <a:rPr lang="en-US" altLang="zh-CN" dirty="0" smtClean="0"/>
@@ -9088,8 +14142,8 @@
           </a:p>
         </p:txBody>
       </p:sp>
-      <mc:AlternateContent xmlns:mc="http://schemas.openxmlformats.org/markup-compatibility/2006">
-        <mc:Choice xmlns:a14="http://schemas.microsoft.com/office/drawing/2010/main" Requires="a14">
+      <mc:AlternateContent xmlns:mc="http://schemas.openxmlformats.org/markup-compatibility/2006" xmlns:a14="http://schemas.microsoft.com/office/drawing/2010/main">
+        <mc:Choice Requires="a14">
           <p:sp>
             <p:nvSpPr>
               <p:cNvPr id="3" name="内容占位符 2"/>
@@ -9302,114 +14356,6 @@
               </a:p>
               <a:p>
                 <a:pPr lvl="1"/>
-                <a14:m>
-                  <m:oMath xmlns:m="http://schemas.openxmlformats.org/officeDocument/2006/math">
-                    <m:r>
-                      <a:rPr lang="en-US" altLang="zh-CN" i="1" smtClean="0">
-                        <a:latin typeface="Cambria Math"/>
-                        <a:ea typeface="Cambria Math"/>
-                      </a:rPr>
-                      <m:t>𝛻</m:t>
-                    </m:r>
-                    <m:sSub>
-                      <m:sSubPr>
-                        <m:ctrlPr>
-                          <a:rPr lang="en-US" altLang="zh-CN" i="1">
-                            <a:latin typeface="Cambria Math" charset="0"/>
-                            <a:ea typeface="Cambria Math"/>
-                          </a:rPr>
-                        </m:ctrlPr>
-                      </m:sSubPr>
-                      <m:e>
-                        <m:r>
-                          <m:rPr>
-                            <m:sty m:val="p"/>
-                          </m:rPr>
-                          <a:rPr lang="el-GR" altLang="zh-CN" i="1">
-                            <a:latin typeface="Cambria Math"/>
-                            <a:ea typeface="Cambria Math"/>
-                          </a:rPr>
-                          <m:t>Γ</m:t>
-                        </m:r>
-                      </m:e>
-                      <m:sub>
-                        <m:r>
-                          <a:rPr lang="en-US" altLang="zh-CN" i="1">
-                            <a:latin typeface="Cambria Math"/>
-                            <a:ea typeface="Cambria Math"/>
-                          </a:rPr>
-                          <m:t>𝑥</m:t>
-                        </m:r>
-                      </m:sub>
-                    </m:sSub>
-                  </m:oMath>
-                </a14:m>
-                <a:r>
-                  <a:rPr lang="en-US" altLang="zh-CN" b="0" dirty="0" smtClean="0">
-                    <a:ea typeface="Cambria Math"/>
-                  </a:rPr>
-                  <a:t>=</a:t>
-                </a:r>
-                <a:r>
-                  <a:rPr lang="en-US" altLang="zh-CN" dirty="0" err="1" smtClean="0">
-                    <a:ea typeface="Cambria Math"/>
-                  </a:rPr>
-                  <a:t>C</a:t>
-                </a:r>
-                <a:r>
-                  <a:rPr lang="en-US" altLang="zh-CN" baseline="-25000" dirty="0" err="1" smtClean="0">
-                    <a:ea typeface="Cambria Math"/>
-                  </a:rPr>
-                  <a:t>X</a:t>
-                </a:r>
-                <a:r>
-                  <a:rPr lang="en-US" altLang="zh-CN" dirty="0" err="1" smtClean="0">
-                    <a:ea typeface="Cambria Math"/>
-                  </a:rPr>
-                  <a:t>x</a:t>
-                </a:r>
-                <a:r>
-                  <a:rPr lang="en-US" altLang="zh-CN" dirty="0">
-                    <a:ea typeface="Cambria Math"/>
-                  </a:rPr>
-                  <a:t> </a:t>
-                </a:r>
-                <a:r>
-                  <a:rPr lang="en-US" altLang="zh-CN" dirty="0" smtClean="0">
-                    <a:ea typeface="Cambria Math"/>
-                  </a:rPr>
-                  <a:t>+ d</a:t>
-                </a:r>
-                <a:r>
-                  <a:rPr lang="en-US" altLang="zh-CN" baseline="-25000" dirty="0" smtClean="0">
-                    <a:ea typeface="Cambria Math"/>
-                  </a:rPr>
-                  <a:t>x</a:t>
-                </a:r>
-                <a:r>
-                  <a:rPr lang="en-US" altLang="zh-CN" dirty="0" smtClean="0">
-                    <a:ea typeface="Cambria Math"/>
-                  </a:rPr>
-                  <a:t> </a:t>
-                </a:r>
-                <a:r>
-                  <a:rPr lang="zh-CN" altLang="en-US" dirty="0" smtClean="0">
-                    <a:ea typeface="Cambria Math"/>
-                  </a:rPr>
-                  <a:t>即为</a:t>
-                </a:r>
-                <a:r>
-                  <a:rPr lang="en-US" altLang="zh-CN" dirty="0" smtClean="0">
-                    <a:ea typeface="Cambria Math"/>
-                  </a:rPr>
-                  <a:t>Net Force</a:t>
-                </a:r>
-                <a:endParaRPr lang="en-US" altLang="zh-CN" b="0" dirty="0" smtClean="0">
-                  <a:ea typeface="Cambria Math"/>
-                </a:endParaRPr>
-              </a:p>
-              <a:p>
-                <a:pPr lvl="1"/>
                 <a:r>
                   <a:rPr lang="zh-CN" altLang="en-US" dirty="0" smtClean="0">
                     <a:ea typeface="Cambria Math"/>
@@ -9471,7 +14417,7 @@
             </p:txBody>
           </p:sp>
         </mc:Choice>
-        <mc:Fallback>
+        <mc:Fallback xmlns="">
           <p:sp>
             <p:nvSpPr>
               <p:cNvPr id="3" name="内容占位符 2"/>
@@ -9586,27 +14532,22 @@
           <a:lstStyle/>
           <a:p>
             <a:r>
-              <a:rPr lang="en-US" altLang="zh-CN" dirty="0" smtClean="0"/>
-              <a:t>Net Force</a:t>
-            </a:r>
-            <a:r>
-              <a:rPr lang="zh-CN" altLang="en-US" dirty="0" smtClean="0"/>
-              <a:t>模型（以</a:t>
-            </a:r>
-            <a:r>
-              <a:rPr lang="en-US" altLang="zh-CN" dirty="0" smtClean="0"/>
+              <a:rPr lang="zh-CN" altLang="en-US" dirty="0"/>
+              <a:t>线网力的计算（以</a:t>
+            </a:r>
+            <a:r>
+              <a:rPr lang="en-US" altLang="zh-CN" dirty="0"/>
               <a:t>x</a:t>
             </a:r>
             <a:r>
-              <a:rPr lang="zh-CN" altLang="en-US" dirty="0" smtClean="0"/>
+              <a:rPr lang="zh-CN" altLang="en-US" dirty="0"/>
               <a:t>方向为例）</a:t>
             </a:r>
-            <a:endParaRPr lang="zh-CN" altLang="en-US" dirty="0"/>
           </a:p>
         </p:txBody>
       </p:sp>
-      <mc:AlternateContent xmlns:mc="http://schemas.openxmlformats.org/markup-compatibility/2006">
-        <mc:Choice xmlns:a14="http://schemas.microsoft.com/office/drawing/2010/main" Requires="a14">
+      <mc:AlternateContent xmlns:mc="http://schemas.openxmlformats.org/markup-compatibility/2006" xmlns:a14="http://schemas.microsoft.com/office/drawing/2010/main">
+        <mc:Choice Requires="a14">
           <p:sp>
             <p:nvSpPr>
               <p:cNvPr id="4" name="内容占位符 2"/>
@@ -9784,13 +14725,7 @@
                       <a:rPr kumimoji="1" lang="en-US" altLang="zh-CN" i="1">
                         <a:latin typeface="Cambria Math" charset="0"/>
                       </a:rPr>
-                      <m:t>,                </m:t>
-                    </m:r>
-                    <m:r>
-                      <a:rPr kumimoji="1" lang="zh-CN" altLang="en-US" i="1">
-                        <a:latin typeface="Cambria Math" charset="0"/>
-                      </a:rPr>
-                      <m:t> </m:t>
+                      <m:t>,                 </m:t>
                     </m:r>
                     <m:sSub>
                       <m:sSubPr>
@@ -10735,7 +15670,7 @@
             </p:txBody>
           </p:sp>
         </mc:Choice>
-        <mc:Fallback>
+        <mc:Fallback xmlns="">
           <p:sp>
             <p:nvSpPr>
               <p:cNvPr id="4" name="内容占位符 2"/>
@@ -10752,7 +15687,7 @@
                 <a:ext cx="7919306" cy="5688632"/>
               </a:xfrm>
               <a:blipFill rotWithShape="0">
-                <a:blip r:embed="rId2"/>
+                <a:blip r:embed="rId3"/>
                 <a:stretch>
                   <a:fillRect l="-385" t="-1072"/>
                 </a:stretch>
@@ -10815,21 +15750,27 @@
         </p:nvSpPr>
         <p:spPr/>
         <p:txBody>
-          <a:bodyPr>
-            <a:normAutofit/>
-          </a:bodyPr>
+          <a:bodyPr/>
           <a:lstStyle/>
           <a:p>
             <a:r>
-              <a:rPr lang="zh-CN" altLang="en-US" sz="3200" dirty="0" smtClean="0"/>
-              <a:t>移动力的计算</a:t>
-            </a:r>
-            <a:endParaRPr lang="zh-CN" altLang="en-US" sz="3200" dirty="0"/>
+              <a:rPr lang="zh-CN" altLang="en-US" dirty="0"/>
+              <a:t>线网力的计算（以</a:t>
+            </a:r>
+            <a:r>
+              <a:rPr lang="en-US" altLang="zh-CN" dirty="0"/>
+              <a:t>x</a:t>
+            </a:r>
+            <a:r>
+              <a:rPr lang="zh-CN" altLang="en-US" dirty="0"/>
+              <a:t>方向为例）</a:t>
+            </a:r>
+            <a:endParaRPr kumimoji="1" lang="zh-CN" altLang="en-US" dirty="0"/>
           </a:p>
         </p:txBody>
       </p:sp>
-      <mc:AlternateContent xmlns:mc="http://schemas.openxmlformats.org/markup-compatibility/2006">
-        <mc:Choice xmlns:a14="http://schemas.microsoft.com/office/drawing/2010/main" Requires="a14">
+      <mc:AlternateContent xmlns:mc="http://schemas.openxmlformats.org/markup-compatibility/2006" xmlns:a14="http://schemas.microsoft.com/office/drawing/2010/main">
+        <mc:Choice Requires="a14">
           <p:sp>
             <p:nvSpPr>
               <p:cNvPr id="3" name="内容占位符 2"/>
@@ -10840,359 +15781,406 @@
                 <p:ph sz="quarter" idx="1"/>
               </p:nvPr>
             </p:nvSpPr>
-            <p:spPr>
-              <a:xfrm>
-                <a:off x="457200" y="1600200"/>
-                <a:ext cx="8003232" cy="4873752"/>
-              </a:xfrm>
-            </p:spPr>
+            <p:spPr/>
             <p:txBody>
               <a:bodyPr/>
               <a:lstStyle/>
               <a:p>
-                <a:r>
-                  <a:rPr lang="zh-CN" altLang="en-US" dirty="0" smtClean="0"/>
-                  <a:t>找出热量分布，通过对热量分布求梯度找出热流矢量的大小和方向，而移动力矢量正比于热流矢量</a:t>
-                </a:r>
-                <a:endParaRPr lang="en-US" altLang="zh-CN" dirty="0" smtClean="0"/>
-              </a:p>
-              <a:p>
-                <a:r>
-                  <a:rPr lang="zh-CN" altLang="en-US" dirty="0" smtClean="0"/>
-                  <a:t>计算</a:t>
-                </a:r>
-                <a:r>
-                  <a:rPr lang="zh-CN" altLang="en-US" dirty="0" smtClean="0"/>
-                  <a:t>热量分布</a:t>
-                </a:r>
-                <a:endParaRPr lang="en-US" altLang="zh-CN" dirty="0" smtClean="0"/>
-              </a:p>
-              <a:p>
-                <a:r>
-                  <a:rPr lang="zh-CN" altLang="en-US" dirty="0" smtClean="0"/>
-                  <a:t>根据热传导定理</a:t>
-                </a:r>
-                <a:endParaRPr lang="en-US" altLang="zh-CN" dirty="0" smtClean="0"/>
-              </a:p>
-              <a:p>
-                <a:endParaRPr lang="en-US" altLang="zh-CN" dirty="0" smtClean="0"/>
-              </a:p>
-              <a:p>
-                <a:endParaRPr lang="en-US" altLang="zh-CN" dirty="0"/>
-              </a:p>
-              <a:p>
-                <a:r>
-                  <a:rPr lang="zh-CN" altLang="en-US" dirty="0" smtClean="0"/>
-                  <a:t>稳定时</a:t>
-                </a:r>
+                <a:pPr marL="274320" lvl="1">
+                  <a:spcBef>
+                    <a:spcPts val="600"/>
+                  </a:spcBef>
+                  <a:buSzPct val="70000"/>
+                  <a:buFont typeface="Wingdings"/>
+                  <a:buChar char=""/>
+                </a:pPr>
                 <a14:m>
                   <m:oMath xmlns:m="http://schemas.openxmlformats.org/officeDocument/2006/math">
-                    <m:f>
-                      <m:fPr>
+                    <m:sSub>
+                      <m:sSubPr>
                         <m:ctrlPr>
-                          <a:rPr lang="bg-BG" altLang="zh-CN" i="1" smtClean="0">
+                          <a:rPr lang="en-US" altLang="zh-CN" i="1" smtClean="0">
                             <a:latin typeface="Cambria Math" charset="0"/>
+                            <a:ea typeface="Cambria Math"/>
                           </a:rPr>
                         </m:ctrlPr>
-                      </m:fPr>
-                      <m:num>
-                        <m:r>
-                          <a:rPr lang="bg-BG" altLang="zh-CN" i="1" smtClean="0">
-                            <a:latin typeface="Cambria Math" charset="0"/>
-                            <a:ea typeface="Cambria Math" charset="0"/>
-                            <a:cs typeface="Cambria Math" charset="0"/>
-                          </a:rPr>
-                          <m:t>𝜕</m:t>
-                        </m:r>
+                      </m:sSubPr>
+                      <m:e>
                         <m:r>
                           <m:rPr>
                             <m:sty m:val="p"/>
                           </m:rPr>
+                          <a:rPr lang="el-GR" altLang="zh-CN" i="1">
+                            <a:latin typeface="Cambria Math"/>
+                            <a:ea typeface="Cambria Math"/>
+                          </a:rPr>
+                          <m:t>Γ</m:t>
+                        </m:r>
+                      </m:e>
+                      <m:sub>
+                        <m:r>
+                          <a:rPr lang="en-US" altLang="zh-CN" i="1">
+                            <a:latin typeface="Cambria Math"/>
+                            <a:ea typeface="Cambria Math"/>
+                          </a:rPr>
+                          <m:t>𝑥</m:t>
+                        </m:r>
+                      </m:sub>
+                    </m:sSub>
+                  </m:oMath>
+                </a14:m>
+                <a:r>
+                  <a:rPr lang="en-US" altLang="zh-CN" dirty="0">
+                    <a:ea typeface="Cambria Math"/>
+                  </a:rPr>
+                  <a:t> =</a:t>
+                </a:r>
+                <a:r>
+                  <a:rPr lang="en-US" altLang="zh-CN" baseline="-25000" dirty="0">
+                    <a:ea typeface="Cambria Math"/>
+                  </a:rPr>
+                  <a:t> </a:t>
+                </a:r>
+                <a:r>
+                  <a:rPr lang="en-US" altLang="zh-CN" dirty="0" smtClean="0">
+                    <a:ea typeface="Cambria Math"/>
+                  </a:rPr>
+                  <a:t>½</a:t>
+                </a:r>
+                <a:r>
+                  <a:rPr lang="zh-CN" altLang="en-US" dirty="0" smtClean="0">
+                    <a:ea typeface="Cambria Math"/>
+                  </a:rPr>
+                  <a:t> </a:t>
+                </a:r>
+                <a:r>
+                  <a:rPr lang="en-US" altLang="zh-CN" dirty="0" err="1" smtClean="0">
+                    <a:ea typeface="Cambria Math"/>
+                  </a:rPr>
+                  <a:t>x</a:t>
+                </a:r>
+                <a:r>
+                  <a:rPr lang="en-US" altLang="zh-CN" baseline="30000" dirty="0" err="1" smtClean="0">
+                    <a:ea typeface="Cambria Math"/>
+                  </a:rPr>
+                  <a:t>T</a:t>
+                </a:r>
+                <a:r>
+                  <a:rPr lang="en-US" altLang="zh-CN" dirty="0" err="1" smtClean="0">
+                    <a:ea typeface="Cambria Math"/>
+                  </a:rPr>
+                  <a:t>C</a:t>
+                </a:r>
+                <a:r>
+                  <a:rPr lang="en-US" altLang="zh-CN" baseline="-25000" dirty="0" err="1" smtClean="0">
+                    <a:ea typeface="Cambria Math"/>
+                  </a:rPr>
+                  <a:t>X</a:t>
+                </a:r>
+                <a:r>
+                  <a:rPr lang="en-US" altLang="zh-CN" dirty="0" err="1" smtClean="0">
+                    <a:ea typeface="Cambria Math"/>
+                  </a:rPr>
+                  <a:t>x</a:t>
+                </a:r>
+                <a:r>
+                  <a:rPr lang="en-US" altLang="zh-CN" baseline="-25000" dirty="0" smtClean="0">
+                    <a:ea typeface="Cambria Math"/>
+                  </a:rPr>
+                  <a:t> </a:t>
+                </a:r>
+                <a:r>
+                  <a:rPr lang="zh-CN" altLang="en-US" baseline="-25000" dirty="0" smtClean="0">
+                    <a:ea typeface="Cambria Math"/>
+                  </a:rPr>
+                  <a:t> </a:t>
+                </a:r>
+                <a:r>
+                  <a:rPr lang="en-US" altLang="zh-CN" dirty="0" smtClean="0">
+                    <a:ea typeface="Cambria Math"/>
+                  </a:rPr>
+                  <a:t>+</a:t>
+                </a:r>
+                <a:r>
+                  <a:rPr lang="zh-CN" altLang="en-US" dirty="0" smtClean="0">
+                    <a:ea typeface="Cambria Math"/>
+                  </a:rPr>
+                  <a:t> </a:t>
+                </a:r>
+                <a:r>
+                  <a:rPr lang="en-US" altLang="zh-CN" dirty="0" smtClean="0">
+                    <a:ea typeface="Cambria Math"/>
+                  </a:rPr>
+                  <a:t> </a:t>
+                </a:r>
+                <a:r>
+                  <a:rPr lang="en-US" altLang="zh-CN" dirty="0" err="1">
+                    <a:ea typeface="Cambria Math"/>
+                  </a:rPr>
+                  <a:t>x</a:t>
+                </a:r>
+                <a:r>
+                  <a:rPr lang="en-US" altLang="zh-CN" baseline="30000" dirty="0" err="1">
+                    <a:ea typeface="Cambria Math"/>
+                  </a:rPr>
+                  <a:t>T</a:t>
+                </a:r>
+                <a:r>
+                  <a:rPr lang="en-US" altLang="zh-CN" dirty="0" err="1">
+                    <a:ea typeface="Cambria Math"/>
+                  </a:rPr>
+                  <a:t>d</a:t>
+                </a:r>
+                <a:r>
+                  <a:rPr lang="en-US" altLang="zh-CN" baseline="-25000" dirty="0" err="1">
+                    <a:ea typeface="Cambria Math"/>
+                  </a:rPr>
+                  <a:t>x</a:t>
+                </a:r>
+                <a:r>
+                  <a:rPr lang="en-US" altLang="zh-CN" dirty="0">
+                    <a:ea typeface="Cambria Math"/>
+                  </a:rPr>
+                  <a:t> + </a:t>
+                </a:r>
+                <a:r>
+                  <a:rPr lang="en-US" altLang="zh-CN" dirty="0" err="1" smtClean="0">
+                    <a:ea typeface="Cambria Math"/>
+                  </a:rPr>
+                  <a:t>const</a:t>
+                </a:r>
+                <a:endParaRPr lang="en-US" altLang="zh-CN" i="1" dirty="0" smtClean="0">
+                  <a:latin typeface="Cambria Math"/>
+                  <a:ea typeface="Cambria Math"/>
+                </a:endParaRPr>
+              </a:p>
+              <a:p>
+                <a:pPr marL="274320" lvl="1">
+                  <a:spcBef>
+                    <a:spcPts val="600"/>
+                  </a:spcBef>
+                  <a:buSzPct val="70000"/>
+                  <a:buFont typeface="Wingdings"/>
+                  <a:buChar char=""/>
+                </a:pPr>
+                <a14:m>
+                  <m:oMath xmlns:m="http://schemas.openxmlformats.org/officeDocument/2006/math">
+                    <m:r>
+                      <a:rPr lang="en-US" altLang="zh-CN" i="1">
+                        <a:latin typeface="Cambria Math"/>
+                        <a:ea typeface="Cambria Math"/>
+                      </a:rPr>
+                      <m:t>𝛻</m:t>
+                    </m:r>
+                    <m:sSub>
+                      <m:sSubPr>
+                        <m:ctrlPr>
+                          <a:rPr lang="en-US" altLang="zh-CN" i="1">
+                            <a:latin typeface="Cambria Math" charset="0"/>
+                            <a:ea typeface="Cambria Math"/>
+                          </a:rPr>
+                        </m:ctrlPr>
+                      </m:sSubPr>
+                      <m:e>
+                        <m:r>
+                          <m:rPr>
+                            <m:sty m:val="p"/>
+                          </m:rPr>
+                          <a:rPr lang="el-GR" altLang="zh-CN" i="1">
+                            <a:latin typeface="Cambria Math"/>
+                            <a:ea typeface="Cambria Math"/>
+                          </a:rPr>
+                          <m:t>Γ</m:t>
+                        </m:r>
+                      </m:e>
+                      <m:sub>
+                        <m:r>
+                          <a:rPr lang="en-US" altLang="zh-CN" i="1">
+                            <a:latin typeface="Cambria Math"/>
+                            <a:ea typeface="Cambria Math"/>
+                          </a:rPr>
+                          <m:t>𝑥</m:t>
+                        </m:r>
+                      </m:sub>
+                    </m:sSub>
+                  </m:oMath>
+                </a14:m>
+                <a:r>
+                  <a:rPr lang="en-US" altLang="zh-CN" dirty="0">
+                    <a:ea typeface="Cambria Math"/>
+                  </a:rPr>
+                  <a:t>=</a:t>
+                </a:r>
+                <a:r>
+                  <a:rPr lang="en-US" altLang="zh-CN" dirty="0" err="1">
+                    <a:ea typeface="Cambria Math"/>
+                  </a:rPr>
+                  <a:t>C</a:t>
+                </a:r>
+                <a:r>
+                  <a:rPr lang="en-US" altLang="zh-CN" baseline="-25000" dirty="0" err="1">
+                    <a:ea typeface="Cambria Math"/>
+                  </a:rPr>
+                  <a:t>X</a:t>
+                </a:r>
+                <a:r>
+                  <a:rPr lang="en-US" altLang="zh-CN" dirty="0" err="1">
+                    <a:ea typeface="Cambria Math"/>
+                  </a:rPr>
+                  <a:t>x</a:t>
+                </a:r>
+                <a:r>
+                  <a:rPr lang="en-US" altLang="zh-CN" dirty="0">
+                    <a:ea typeface="Cambria Math"/>
+                  </a:rPr>
+                  <a:t> + d</a:t>
+                </a:r>
+                <a:r>
+                  <a:rPr lang="en-US" altLang="zh-CN" baseline="-25000" dirty="0">
+                    <a:ea typeface="Cambria Math"/>
+                  </a:rPr>
+                  <a:t>x</a:t>
+                </a:r>
+                <a:r>
+                  <a:rPr lang="en-US" altLang="zh-CN" dirty="0">
+                    <a:ea typeface="Cambria Math"/>
+                  </a:rPr>
+                  <a:t> </a:t>
+                </a:r>
+                <a:r>
+                  <a:rPr lang="zh-CN" altLang="en-US" dirty="0">
+                    <a:ea typeface="Cambria Math"/>
+                  </a:rPr>
+                  <a:t>即为线</a:t>
+                </a:r>
+                <a:r>
+                  <a:rPr lang="zh-CN" altLang="en-US" dirty="0" smtClean="0">
+                    <a:ea typeface="Cambria Math"/>
+                  </a:rPr>
+                  <a:t>网力</a:t>
+                </a:r>
+                <a:endParaRPr lang="en-US" altLang="zh-CN" dirty="0" smtClean="0">
+                  <a:ea typeface="Cambria Math"/>
+                </a:endParaRPr>
+              </a:p>
+              <a:p>
+                <a:pPr marL="274320" lvl="1">
+                  <a:spcBef>
+                    <a:spcPts val="600"/>
+                  </a:spcBef>
+                  <a:buSzPct val="70000"/>
+                  <a:buFont typeface="Wingdings"/>
+                  <a:buChar char=""/>
+                </a:pPr>
+                <a:r>
+                  <a:rPr lang="zh-CN" altLang="en-US" dirty="0" smtClean="0">
+                    <a:ea typeface="Cambria Math"/>
+                  </a:rPr>
+                  <a:t>让线的长度</a:t>
+                </a:r>
+                <a14:m>
+                  <m:oMath xmlns:m="http://schemas.openxmlformats.org/officeDocument/2006/math">
+                    <m:sSub>
+                      <m:sSubPr>
+                        <m:ctrlPr>
                           <a:rPr lang="en-US" altLang="zh-CN" i="1" smtClean="0">
                             <a:latin typeface="Cambria Math" charset="0"/>
                             <a:ea typeface="Cambria Math" charset="0"/>
                             <a:cs typeface="Cambria Math" charset="0"/>
                           </a:rPr>
-                          <m:t>T</m:t>
-                        </m:r>
-                      </m:num>
-                      <m:den>
+                        </m:ctrlPr>
+                      </m:sSubPr>
+                      <m:e>
                         <m:r>
-                          <a:rPr lang="bg-BG" altLang="zh-CN" i="1" smtClean="0">
+                          <m:rPr>
+                            <m:sty m:val="p"/>
+                          </m:rPr>
+                          <a:rPr lang="el-GR" altLang="zh-CN" i="1">
                             <a:latin typeface="Cambria Math" charset="0"/>
                             <a:ea typeface="Cambria Math" charset="0"/>
                             <a:cs typeface="Cambria Math" charset="0"/>
                           </a:rPr>
-                          <m:t>𝜕</m:t>
+                          <m:t>Γ</m:t>
                         </m:r>
+                      </m:e>
+                      <m:sub>
                         <m:r>
                           <a:rPr lang="en-US" altLang="zh-CN" b="0" i="1" smtClean="0">
                             <a:latin typeface="Cambria Math" charset="0"/>
                             <a:ea typeface="Cambria Math" charset="0"/>
                             <a:cs typeface="Cambria Math" charset="0"/>
                           </a:rPr>
-                          <m:t>𝑡</m:t>
+                          <m:t>𝑥</m:t>
                         </m:r>
-                      </m:den>
-                    </m:f>
-                    <m:r>
-                      <a:rPr lang="en-US" altLang="zh-CN" b="0" i="1" smtClean="0">
-                        <a:latin typeface="Cambria Math" charset="0"/>
-                      </a:rPr>
-                      <m:t>=0</m:t>
-                    </m:r>
+                        <m:r>
+                          <a:rPr lang="zh-CN" altLang="en-US" b="0" i="1" smtClean="0">
+                            <a:latin typeface="Cambria Math" charset="0"/>
+                            <a:ea typeface="Cambria Math" charset="0"/>
+                            <a:cs typeface="Cambria Math" charset="0"/>
+                          </a:rPr>
+                          <m:t> </m:t>
+                        </m:r>
+                      </m:sub>
+                    </m:sSub>
                   </m:oMath>
                 </a14:m>
                 <a:r>
-                  <a:rPr lang="zh-CN" altLang="en-US" dirty="0" smtClean="0"/>
-                  <a:t>，上式简化成</a:t>
+                  <a:rPr lang="zh-CN" altLang="en-US" dirty="0" smtClean="0">
+                    <a:ea typeface="Cambria Math"/>
+                  </a:rPr>
+                  <a:t>最小，即</a:t>
                 </a:r>
                 <a14:m>
                   <m:oMath xmlns:m="http://schemas.openxmlformats.org/officeDocument/2006/math">
-                    <m:sSup>
-                      <m:sSupPr>
+                    <m:r>
+                      <a:rPr lang="zh-CN" altLang="en-US" i="1" smtClean="0">
+                        <a:latin typeface="Cambria Math" charset="0"/>
+                        <a:ea typeface="Cambria Math" charset="0"/>
+                        <a:cs typeface="Cambria Math" charset="0"/>
+                      </a:rPr>
+                      <m:t>𝛻</m:t>
+                    </m:r>
+                    <m:sSub>
+                      <m:sSubPr>
                         <m:ctrlPr>
-                          <a:rPr lang="en-US" altLang="zh-CN" i="1" smtClean="0">
-                            <a:latin typeface="Cambria Math" charset="0"/>
-                          </a:rPr>
-                        </m:ctrlPr>
-                      </m:sSupPr>
-                      <m:e>
-                        <m:r>
                           <a:rPr lang="en-US" altLang="zh-CN" i="1" smtClean="0">
                             <a:latin typeface="Cambria Math" charset="0"/>
                             <a:ea typeface="Cambria Math" charset="0"/>
                             <a:cs typeface="Cambria Math" charset="0"/>
                           </a:rPr>
-                          <m:t>∇</m:t>
-                        </m:r>
-                      </m:e>
-                      <m:sup>
+                        </m:ctrlPr>
+                      </m:sSubPr>
+                      <m:e>
                         <m:r>
-                          <a:rPr lang="en-US" altLang="zh-CN" b="0" i="1" smtClean="0">
-                            <a:latin typeface="Cambria Math" charset="0"/>
-                          </a:rPr>
-                          <m:t>2</m:t>
-                        </m:r>
-                      </m:sup>
-                    </m:sSup>
-                    <m:r>
-                      <a:rPr lang="en-US" altLang="zh-CN" b="0" i="1" smtClean="0">
-                        <a:latin typeface="Cambria Math" charset="0"/>
-                      </a:rPr>
-                      <m:t>𝑇</m:t>
-                    </m:r>
-                    <m:r>
-                      <a:rPr lang="en-US" altLang="zh-CN" b="0" i="1" smtClean="0">
-                        <a:latin typeface="Cambria Math" charset="0"/>
-                      </a:rPr>
-                      <m:t>=−</m:t>
-                    </m:r>
-                    <m:f>
-                      <m:fPr>
-                        <m:ctrlPr>
-                          <a:rPr lang="en-US" altLang="zh-CN" b="0" i="1" smtClean="0">
-                            <a:latin typeface="Cambria Math" charset="0"/>
-                          </a:rPr>
-                        </m:ctrlPr>
-                      </m:fPr>
-                      <m:num>
-                        <m:r>
-                          <a:rPr lang="en-US" altLang="zh-CN" b="0" i="1" smtClean="0">
-                            <a:latin typeface="Cambria Math" charset="0"/>
-                          </a:rPr>
-                          <m:t>𝑔</m:t>
-                        </m:r>
-                        <m:d>
-                          <m:dPr>
-                            <m:ctrlPr>
-                              <a:rPr lang="en-US" altLang="zh-CN" b="0" i="1" smtClean="0">
-                                <a:latin typeface="Cambria Math" charset="0"/>
-                              </a:rPr>
-                            </m:ctrlPr>
-                          </m:dPr>
-                          <m:e>
-                            <m:r>
-                              <a:rPr lang="en-US" altLang="zh-CN" b="0" i="1" smtClean="0">
-                                <a:latin typeface="Cambria Math" charset="0"/>
-                              </a:rPr>
-                              <m:t>𝑟</m:t>
-                            </m:r>
-                          </m:e>
-                        </m:d>
-                      </m:num>
-                      <m:den>
-                        <m:r>
-                          <a:rPr lang="en-US" altLang="zh-CN" i="1">
+                          <m:rPr>
+                            <m:sty m:val="p"/>
+                          </m:rPr>
+                          <a:rPr lang="el-GR" altLang="zh-CN" i="1">
                             <a:latin typeface="Cambria Math" charset="0"/>
                             <a:ea typeface="Cambria Math" charset="0"/>
                             <a:cs typeface="Cambria Math" charset="0"/>
                           </a:rPr>
-                          <m:t>𝜅</m:t>
+                          <m:t>Γ</m:t>
                         </m:r>
+                      </m:e>
+                      <m:sub>
                         <m:r>
-                          <a:rPr lang="en-US" altLang="zh-CN" i="1">
+                          <a:rPr lang="en-US" altLang="zh-CN" b="0" i="1" smtClean="0">
                             <a:latin typeface="Cambria Math" charset="0"/>
                             <a:ea typeface="Cambria Math" charset="0"/>
                             <a:cs typeface="Cambria Math" charset="0"/>
                           </a:rPr>
-                          <m:t>(</m:t>
+                          <m:t>𝑥</m:t>
                         </m:r>
-                        <m:r>
-                          <a:rPr lang="en-US" altLang="zh-CN" i="1">
-                            <a:latin typeface="Cambria Math" charset="0"/>
-                            <a:ea typeface="Cambria Math" charset="0"/>
-                            <a:cs typeface="Cambria Math" charset="0"/>
-                          </a:rPr>
-                          <m:t>𝑟</m:t>
-                        </m:r>
-                        <m:r>
-                          <a:rPr lang="en-US" altLang="zh-CN" i="1">
-                            <a:latin typeface="Cambria Math" charset="0"/>
-                            <a:ea typeface="Cambria Math" charset="0"/>
-                            <a:cs typeface="Cambria Math" charset="0"/>
-                          </a:rPr>
-                          <m:t>)</m:t>
-                        </m:r>
-                      </m:den>
-                    </m:f>
-                  </m:oMath>
-                </a14:m>
-                <a:endParaRPr lang="en-US" altLang="zh-CN" dirty="0" smtClean="0"/>
-              </a:p>
-              <a:p>
-                <a:r>
-                  <a:rPr lang="zh-CN" altLang="en-US" dirty="0" smtClean="0"/>
-                  <a:t>假设有一个格林函数</a:t>
-                </a:r>
-                <a:r>
-                  <a:rPr lang="en-US" altLang="zh-CN" dirty="0" smtClean="0"/>
-                  <a:t>G</a:t>
-                </a:r>
-                <a:r>
-                  <a:rPr lang="zh-CN" altLang="en-US" dirty="0" smtClean="0"/>
-                  <a:t>，满足</a:t>
-                </a:r>
-                <a14:m>
-                  <m:oMath xmlns:m="http://schemas.openxmlformats.org/officeDocument/2006/math">
-                    <m:sSup>
-                      <m:sSupPr>
-                        <m:ctrlPr>
-                          <a:rPr lang="en-US" altLang="zh-CN" i="1" smtClean="0">
-                            <a:latin typeface="Cambria Math" charset="0"/>
-                          </a:rPr>
-                        </m:ctrlPr>
-                      </m:sSupPr>
-                      <m:e>
-                        <m:r>
-                          <a:rPr lang="en-US" altLang="zh-CN" i="1" smtClean="0">
-                            <a:latin typeface="Cambria Math" charset="0"/>
-                            <a:ea typeface="Cambria Math" charset="0"/>
-                            <a:cs typeface="Cambria Math" charset="0"/>
-                          </a:rPr>
-                          <m:t>∇</m:t>
-                        </m:r>
-                      </m:e>
-                      <m:sup>
-                        <m:r>
-                          <a:rPr lang="en-US" altLang="zh-CN" b="0" i="1" smtClean="0">
-                            <a:latin typeface="Cambria Math" charset="0"/>
-                          </a:rPr>
-                          <m:t>2</m:t>
-                        </m:r>
-                      </m:sup>
-                    </m:sSup>
-                    <m:r>
-                      <a:rPr lang="en-US" altLang="zh-CN" b="0" i="1" smtClean="0">
-                        <a:latin typeface="Cambria Math" charset="0"/>
-                      </a:rPr>
-                      <m:t>𝐺</m:t>
-                    </m:r>
-                    <m:d>
-                      <m:dPr>
-                        <m:ctrlPr>
-                          <a:rPr lang="en-US" altLang="zh-CN" b="0" i="1" smtClean="0">
-                            <a:latin typeface="Cambria Math" charset="0"/>
-                          </a:rPr>
-                        </m:ctrlPr>
-                      </m:dPr>
-                      <m:e>
-                        <m:r>
-                          <a:rPr lang="en-US" altLang="zh-CN" b="0" i="1" smtClean="0">
-                            <a:latin typeface="Cambria Math" charset="0"/>
-                          </a:rPr>
-                          <m:t>𝑟</m:t>
-                        </m:r>
-                        <m:r>
-                          <a:rPr lang="en-US" altLang="zh-CN" b="0" i="1" smtClean="0">
-                            <a:latin typeface="Cambria Math" charset="0"/>
-                          </a:rPr>
-                          <m:t>, </m:t>
-                        </m:r>
-                        <m:sSub>
-                          <m:sSubPr>
-                            <m:ctrlPr>
-                              <a:rPr lang="en-US" altLang="zh-CN" b="0" i="1" smtClean="0">
-                                <a:latin typeface="Cambria Math" charset="0"/>
-                              </a:rPr>
-                            </m:ctrlPr>
-                          </m:sSubPr>
-                          <m:e>
-                            <m:r>
-                              <a:rPr lang="en-US" altLang="zh-CN" b="0" i="1" smtClean="0">
-                                <a:latin typeface="Cambria Math" charset="0"/>
-                              </a:rPr>
-                              <m:t>𝑟</m:t>
-                            </m:r>
-                          </m:e>
-                          <m:sub>
-                            <m:r>
-                              <a:rPr lang="en-US" altLang="zh-CN" b="0" i="1" smtClean="0">
-                                <a:latin typeface="Cambria Math" charset="0"/>
-                              </a:rPr>
-                              <m:t>0</m:t>
-                            </m:r>
-                          </m:sub>
-                        </m:sSub>
-                      </m:e>
-                    </m:d>
-                    <m:r>
-                      <a:rPr lang="en-US" altLang="zh-CN" b="0" i="1" smtClean="0">
-                        <a:latin typeface="Cambria Math" charset="0"/>
-                      </a:rPr>
-                      <m:t>=</m:t>
-                    </m:r>
-                    <m:r>
-                      <a:rPr lang="zh-CN" altLang="en-US" b="0" i="1" smtClean="0">
-                        <a:latin typeface="Cambria Math" charset="0"/>
-                        <a:ea typeface="Cambria Math" charset="0"/>
-                        <a:cs typeface="Cambria Math" charset="0"/>
-                      </a:rPr>
-                      <m:t>𝛿</m:t>
-                    </m:r>
+                      </m:sub>
+                    </m:sSub>
                     <m:r>
                       <a:rPr lang="en-US" altLang="zh-CN" b="0" i="1" smtClean="0">
                         <a:latin typeface="Cambria Math" charset="0"/>
                         <a:ea typeface="Cambria Math" charset="0"/>
                         <a:cs typeface="Cambria Math" charset="0"/>
                       </a:rPr>
-                      <m:t>(</m:t>
-                    </m:r>
-                    <m:r>
-                      <a:rPr lang="en-US" altLang="zh-CN" b="0" i="1" smtClean="0">
-                        <a:latin typeface="Cambria Math" charset="0"/>
-                        <a:ea typeface="Cambria Math" charset="0"/>
-                        <a:cs typeface="Cambria Math" charset="0"/>
-                      </a:rPr>
-                      <m:t>𝑟</m:t>
-                    </m:r>
-                    <m:r>
-                      <a:rPr lang="en-US" altLang="zh-CN" b="0" i="1" smtClean="0">
-                        <a:latin typeface="Cambria Math" charset="0"/>
-                        <a:ea typeface="Cambria Math" charset="0"/>
-                        <a:cs typeface="Cambria Math" charset="0"/>
-                      </a:rPr>
-                      <m:t>−</m:t>
+                      <m:t>=</m:t>
                     </m:r>
                     <m:sSub>
                       <m:sSubPr>
@@ -11211,7 +16199,7 @@
                             <a:ea typeface="Cambria Math" charset="0"/>
                             <a:cs typeface="Cambria Math" charset="0"/>
                           </a:rPr>
-                          <m:t>𝑟</m:t>
+                          <m:t>𝐶</m:t>
                         </m:r>
                       </m:e>
                       <m:sub>
@@ -11221,7 +16209,7 @@
                             <a:ea typeface="Cambria Math" charset="0"/>
                             <a:cs typeface="Cambria Math" charset="0"/>
                           </a:rPr>
-                          <m:t>0</m:t>
+                          <m:t>𝑥</m:t>
                         </m:r>
                       </m:sub>
                     </m:sSub>
@@ -11231,184 +16219,86 @@
                         <a:ea typeface="Cambria Math" charset="0"/>
                         <a:cs typeface="Cambria Math" charset="0"/>
                       </a:rPr>
-                      <m:t>)</m:t>
-                    </m:r>
-                  </m:oMath>
-                </a14:m>
-                <a:endParaRPr lang="en-US" altLang="zh-CN" dirty="0" smtClean="0"/>
-              </a:p>
-              <a:p>
-                <a:r>
-                  <a:rPr lang="zh-CN" altLang="en-US" dirty="0" smtClean="0"/>
-                  <a:t>令</a:t>
-                </a:r>
-                <a14:m>
-                  <m:oMath xmlns:m="http://schemas.openxmlformats.org/officeDocument/2006/math">
-                    <m:r>
-                      <a:rPr lang="en-US" altLang="zh-CN" b="0" i="1" dirty="0" smtClean="0">
-                        <a:latin typeface="Cambria Math" charset="0"/>
-                      </a:rPr>
-                      <m:t>𝑓</m:t>
-                    </m:r>
-                    <m:d>
-                      <m:dPr>
-                        <m:ctrlPr>
-                          <a:rPr lang="en-US" altLang="zh-CN" b="0" i="1" dirty="0" smtClean="0">
-                            <a:latin typeface="Cambria Math" charset="0"/>
-                          </a:rPr>
-                        </m:ctrlPr>
-                      </m:dPr>
-                      <m:e>
-                        <m:r>
-                          <a:rPr lang="en-US" altLang="zh-CN" b="0" i="1" dirty="0" smtClean="0">
-                            <a:latin typeface="Cambria Math" charset="0"/>
-                          </a:rPr>
-                          <m:t>𝑟</m:t>
-                        </m:r>
-                      </m:e>
-                    </m:d>
-                    <m:r>
-                      <a:rPr lang="en-US" altLang="zh-CN" b="0" i="1" dirty="0" smtClean="0">
-                        <a:latin typeface="Cambria Math" charset="0"/>
-                      </a:rPr>
-                      <m:t>=</m:t>
+                      <m:t>𝑥</m:t>
                     </m:r>
                     <m:r>
-                      <a:rPr lang="en-US" altLang="zh-CN" i="1">
+                      <a:rPr lang="en-US" altLang="zh-CN" b="0" i="1" smtClean="0">
                         <a:latin typeface="Cambria Math" charset="0"/>
+                        <a:ea typeface="Cambria Math" charset="0"/>
+                        <a:cs typeface="Cambria Math" charset="0"/>
                       </a:rPr>
-                      <m:t>−</m:t>
+                      <m:t>+</m:t>
                     </m:r>
-                    <m:f>
-                      <m:fPr>
+                    <m:sSub>
+                      <m:sSubPr>
                         <m:ctrlPr>
-                          <a:rPr lang="en-US" altLang="zh-CN" i="1">
-                            <a:latin typeface="Cambria Math" charset="0"/>
-                          </a:rPr>
-                        </m:ctrlPr>
-                      </m:fPr>
-                      <m:num>
-                        <m:r>
-                          <a:rPr lang="en-US" altLang="zh-CN" i="1">
-                            <a:latin typeface="Cambria Math" charset="0"/>
-                          </a:rPr>
-                          <m:t>𝑔</m:t>
-                        </m:r>
-                        <m:d>
-                          <m:dPr>
-                            <m:ctrlPr>
-                              <a:rPr lang="en-US" altLang="zh-CN" i="1">
-                                <a:latin typeface="Cambria Math" charset="0"/>
-                              </a:rPr>
-                            </m:ctrlPr>
-                          </m:dPr>
-                          <m:e>
-                            <m:r>
-                              <a:rPr lang="en-US" altLang="zh-CN" i="1">
-                                <a:latin typeface="Cambria Math" charset="0"/>
-                              </a:rPr>
-                              <m:t>𝑟</m:t>
-                            </m:r>
-                          </m:e>
-                        </m:d>
-                      </m:num>
-                      <m:den>
-                        <m:r>
-                          <a:rPr lang="en-US" altLang="zh-CN" i="1">
+                          <a:rPr lang="en-US" altLang="zh-CN" b="0" i="1" smtClean="0">
                             <a:latin typeface="Cambria Math" charset="0"/>
                             <a:ea typeface="Cambria Math" charset="0"/>
                             <a:cs typeface="Cambria Math" charset="0"/>
                           </a:rPr>
-                          <m:t>𝜅</m:t>
+                        </m:ctrlPr>
+                      </m:sSubPr>
+                      <m:e>
+                        <m:r>
+                          <a:rPr lang="en-US" altLang="zh-CN" b="0" i="1" smtClean="0">
+                            <a:latin typeface="Cambria Math" charset="0"/>
+                            <a:ea typeface="Cambria Math" charset="0"/>
+                            <a:cs typeface="Cambria Math" charset="0"/>
+                          </a:rPr>
+                          <m:t>𝑑</m:t>
                         </m:r>
-                        <m:d>
-                          <m:dPr>
-                            <m:ctrlPr>
-                              <a:rPr lang="en-US" altLang="zh-CN" i="1">
-                                <a:latin typeface="Cambria Math" charset="0"/>
-                                <a:ea typeface="Cambria Math" charset="0"/>
-                                <a:cs typeface="Cambria Math" charset="0"/>
-                              </a:rPr>
-                            </m:ctrlPr>
-                          </m:dPr>
-                          <m:e>
-                            <m:r>
-                              <a:rPr lang="en-US" altLang="zh-CN" i="1">
-                                <a:latin typeface="Cambria Math" charset="0"/>
-                                <a:ea typeface="Cambria Math" charset="0"/>
-                                <a:cs typeface="Cambria Math" charset="0"/>
-                              </a:rPr>
-                              <m:t>𝑟</m:t>
-                            </m:r>
-                          </m:e>
-                        </m:d>
-                      </m:den>
-                    </m:f>
+                      </m:e>
+                      <m:sub>
+                        <m:r>
+                          <a:rPr lang="en-US" altLang="zh-CN" b="0" i="1" smtClean="0">
+                            <a:latin typeface="Cambria Math" charset="0"/>
+                            <a:ea typeface="Cambria Math" charset="0"/>
+                            <a:cs typeface="Cambria Math" charset="0"/>
+                          </a:rPr>
+                          <m:t>𝑥</m:t>
+                        </m:r>
+                      </m:sub>
+                    </m:sSub>
+                    <m:r>
+                      <a:rPr lang="en-US" altLang="zh-CN" b="0" i="1" smtClean="0">
+                        <a:latin typeface="Cambria Math" charset="0"/>
+                        <a:ea typeface="Cambria Math" charset="0"/>
+                        <a:cs typeface="Cambria Math" charset="0"/>
+                      </a:rPr>
+                      <m:t>=0</m:t>
+                    </m:r>
                   </m:oMath>
                 </a14:m>
                 <a:r>
-                  <a:rPr lang="zh-CN" altLang="en-US" dirty="0" smtClean="0"/>
-                  <a:t>，上式两边乘以</a:t>
-                </a:r>
-                <a14:m>
-                  <m:oMath xmlns:m="http://schemas.openxmlformats.org/officeDocument/2006/math">
-                    <m:r>
-                      <a:rPr lang="en-US" altLang="zh-CN" i="1" dirty="0">
-                        <a:latin typeface="Cambria Math" charset="0"/>
-                      </a:rPr>
-                      <m:t>𝑓</m:t>
-                    </m:r>
-                    <m:d>
-                      <m:dPr>
-                        <m:ctrlPr>
-                          <a:rPr lang="en-US" altLang="zh-CN" i="1" dirty="0">
-                            <a:latin typeface="Cambria Math" charset="0"/>
-                          </a:rPr>
-                        </m:ctrlPr>
-                      </m:dPr>
-                      <m:e>
-                        <m:sSub>
-                          <m:sSubPr>
-                            <m:ctrlPr>
-                              <a:rPr lang="en-US" altLang="zh-CN" i="1" dirty="0" smtClean="0">
-                                <a:latin typeface="Cambria Math" charset="0"/>
-                              </a:rPr>
-                            </m:ctrlPr>
-                          </m:sSubPr>
-                          <m:e>
-                            <m:r>
-                              <a:rPr lang="en-US" altLang="zh-CN" b="0" i="1" dirty="0" smtClean="0">
-                                <a:latin typeface="Cambria Math" charset="0"/>
-                              </a:rPr>
-                              <m:t>𝑟</m:t>
-                            </m:r>
-                          </m:e>
-                          <m:sub>
-                            <m:r>
-                              <a:rPr lang="en-US" altLang="zh-CN" b="0" i="1" dirty="0" smtClean="0">
-                                <a:latin typeface="Cambria Math" charset="0"/>
-                              </a:rPr>
-                              <m:t>0</m:t>
-                            </m:r>
-                          </m:sub>
-                        </m:sSub>
-                      </m:e>
-                    </m:d>
-                  </m:oMath>
-                </a14:m>
-                <a:r>
-                  <a:rPr lang="zh-CN" altLang="en-US" dirty="0" smtClean="0"/>
-                  <a:t>并积分</a:t>
-                </a:r>
-                <a:endParaRPr lang="en-US" altLang="zh-CN" dirty="0" smtClean="0"/>
+                  <a:rPr lang="zh-CN" altLang="en-US" dirty="0" smtClean="0">
+                    <a:ea typeface="Cambria Math"/>
+                  </a:rPr>
+                  <a:t>，解得</a:t>
+                </a:r>
+                <a:r>
+                  <a:rPr lang="en-US" altLang="zh-CN" dirty="0" smtClean="0">
+                    <a:ea typeface="Cambria Math"/>
+                  </a:rPr>
+                  <a:t>x</a:t>
+                </a:r>
+                <a:r>
+                  <a:rPr lang="zh-CN" altLang="en-US" dirty="0" smtClean="0">
+                    <a:ea typeface="Cambria Math"/>
+                  </a:rPr>
+                  <a:t>为新坐标</a:t>
+                </a:r>
+                <a:endParaRPr lang="en-US" altLang="zh-CN" dirty="0">
+                  <a:ea typeface="Cambria Math"/>
+                </a:endParaRPr>
               </a:p>
               <a:p>
-                <a:endParaRPr lang="zh-CN" altLang="en-US" dirty="0"/>
+                <a:endParaRPr kumimoji="1" lang="zh-CN" altLang="en-US" dirty="0"/>
               </a:p>
             </p:txBody>
           </p:sp>
         </mc:Choice>
-        <mc:Fallback>
+        <mc:Fallback xmlns="">
           <p:sp>
             <p:nvSpPr>
               <p:cNvPr id="3" name="内容占位符 2"/>
@@ -11420,14 +16310,10 @@
               </p:nvPr>
             </p:nvSpPr>
             <p:spPr>
-              <a:xfrm>
-                <a:off x="457200" y="1600200"/>
-                <a:ext cx="8003232" cy="4873752"/>
-              </a:xfrm>
               <a:blipFill rotWithShape="0">
                 <a:blip r:embed="rId2"/>
                 <a:stretch>
-                  <a:fillRect l="-305" t="-1001"/>
+                  <a:fillRect l="-245" t="-876" r="-653"/>
                 </a:stretch>
               </a:blipFill>
             </p:spPr>
@@ -11446,34 +16332,10 @@
           </p:sp>
         </mc:Fallback>
       </mc:AlternateContent>
-      <p:pic>
-        <p:nvPicPr>
-          <p:cNvPr id="6" name="图片 5"/>
-          <p:cNvPicPr>
-            <a:picLocks noChangeAspect="1"/>
-          </p:cNvPicPr>
-          <p:nvPr/>
-        </p:nvPicPr>
-        <p:blipFill>
-          <a:blip r:embed="rId3"/>
-          <a:stretch>
-            <a:fillRect/>
-          </a:stretch>
-        </p:blipFill>
-        <p:spPr>
-          <a:xfrm>
-            <a:off x="933636" y="3501008"/>
-            <a:ext cx="7526796" cy="620518"/>
-          </a:xfrm>
-          <a:prstGeom prst="rect">
-            <a:avLst/>
-          </a:prstGeom>
-        </p:spPr>
-      </p:pic>
     </p:spTree>
     <p:extLst>
       <p:ext uri="{BB962C8B-B14F-4D97-AF65-F5344CB8AC3E}">
-        <p14:creationId xmlns:p14="http://schemas.microsoft.com/office/powerpoint/2010/main" val="2058093221"/>
+        <p14:creationId xmlns:p14="http://schemas.microsoft.com/office/powerpoint/2010/main" val="512181051"/>
       </p:ext>
     </p:extLst>
   </p:cSld>
@@ -11806,6 +16668,31 @@
         </a:fontRef>
       </a:style>
     </a:spDef>
+    <a:lnDef>
+      <a:spPr>
+        <a:ln w="25400">
+          <a:solidFill>
+            <a:schemeClr val="tx1"/>
+          </a:solidFill>
+        </a:ln>
+      </a:spPr>
+      <a:bodyPr/>
+      <a:lstStyle/>
+      <a:style>
+        <a:lnRef idx="1">
+          <a:schemeClr val="accent1"/>
+        </a:lnRef>
+        <a:fillRef idx="0">
+          <a:schemeClr val="accent1"/>
+        </a:fillRef>
+        <a:effectRef idx="0">
+          <a:schemeClr val="accent1"/>
+        </a:effectRef>
+        <a:fontRef idx="minor">
+          <a:schemeClr val="tx1"/>
+        </a:fontRef>
+      </a:style>
+    </a:lnDef>
     <a:txDef>
       <a:spPr>
         <a:noFill/>
@@ -11826,4 +16713,265 @@
   </a:objectDefaults>
   <a:extraClrSchemeLst/>
 </a:theme>
+</file>
+
+<file path=ppt/theme/theme2.xml><?xml version="1.0" encoding="utf-8"?>
+<a:theme xmlns:a="http://schemas.openxmlformats.org/drawingml/2006/main" name="Office 主题">
+  <a:themeElements>
+    <a:clrScheme name="Office">
+      <a:dk1>
+        <a:sysClr val="windowText" lastClr="000000"/>
+      </a:dk1>
+      <a:lt1>
+        <a:sysClr val="window" lastClr="FFFFFF"/>
+      </a:lt1>
+      <a:dk2>
+        <a:srgbClr val="44546A"/>
+      </a:dk2>
+      <a:lt2>
+        <a:srgbClr val="E7E6E6"/>
+      </a:lt2>
+      <a:accent1>
+        <a:srgbClr val="5B9BD5"/>
+      </a:accent1>
+      <a:accent2>
+        <a:srgbClr val="ED7D31"/>
+      </a:accent2>
+      <a:accent3>
+        <a:srgbClr val="A5A5A5"/>
+      </a:accent3>
+      <a:accent4>
+        <a:srgbClr val="FFC000"/>
+      </a:accent4>
+      <a:accent5>
+        <a:srgbClr val="4472C4"/>
+      </a:accent5>
+      <a:accent6>
+        <a:srgbClr val="70AD47"/>
+      </a:accent6>
+      <a:hlink>
+        <a:srgbClr val="0563C1"/>
+      </a:hlink>
+      <a:folHlink>
+        <a:srgbClr val="954F72"/>
+      </a:folHlink>
+    </a:clrScheme>
+    <a:fontScheme name="Office">
+      <a:majorFont>
+        <a:latin typeface="DengXian Light" panose="020F0302020204030204"/>
+        <a:ea typeface=""/>
+        <a:cs typeface=""/>
+        <a:font script="Jpan" typeface="Yu Gothic Light"/>
+        <a:font script="Hang" typeface="맑은 고딕"/>
+        <a:font script="Hans" typeface="DengXian Light"/>
+        <a:font script="Hant" typeface="新細明體"/>
+        <a:font script="Arab" typeface="Times New Roman"/>
+        <a:font script="Hebr" typeface="Times New Roman"/>
+        <a:font script="Thai" typeface="Angsana New"/>
+        <a:font script="Ethi" typeface="Nyala"/>
+        <a:font script="Beng" typeface="Vrinda"/>
+        <a:font script="Gujr" typeface="Shruti"/>
+        <a:font script="Khmr" typeface="MoolBoran"/>
+        <a:font script="Knda" typeface="Tunga"/>
+        <a:font script="Guru" typeface="Raavi"/>
+        <a:font script="Cans" typeface="Euphemia"/>
+        <a:font script="Cher" typeface="Plantagenet Cherokee"/>
+        <a:font script="Yiii" typeface="Microsoft Yi Baiti"/>
+        <a:font script="Tibt" typeface="Microsoft Himalaya"/>
+        <a:font script="Thaa" typeface="MV Boli"/>
+        <a:font script="Deva" typeface="Mangal"/>
+        <a:font script="Telu" typeface="Gautami"/>
+        <a:font script="Taml" typeface="Latha"/>
+        <a:font script="Syrc" typeface="Estrangelo Edessa"/>
+        <a:font script="Orya" typeface="Kalinga"/>
+        <a:font script="Mlym" typeface="Kartika"/>
+        <a:font script="Laoo" typeface="DokChampa"/>
+        <a:font script="Sinh" typeface="Iskoola Pota"/>
+        <a:font script="Mong" typeface="Mongolian Baiti"/>
+        <a:font script="Viet" typeface="Times New Roman"/>
+        <a:font script="Uigh" typeface="Microsoft Uighur"/>
+        <a:font script="Geor" typeface="Sylfaen"/>
+      </a:majorFont>
+      <a:minorFont>
+        <a:latin typeface="DengXian" panose="020F0502020204030204"/>
+        <a:ea typeface=""/>
+        <a:cs typeface=""/>
+        <a:font script="Jpan" typeface="Yu Gothic"/>
+        <a:font script="Hang" typeface="맑은 고딕"/>
+        <a:font script="Hans" typeface="DengXian"/>
+        <a:font script="Hant" typeface="新細明體"/>
+        <a:font script="Arab" typeface="Arial"/>
+        <a:font script="Hebr" typeface="Arial"/>
+        <a:font script="Thai" typeface="Cordia New"/>
+        <a:font script="Ethi" typeface="Nyala"/>
+        <a:font script="Beng" typeface="Vrinda"/>
+        <a:font script="Gujr" typeface="Shruti"/>
+        <a:font script="Khmr" typeface="DaunPenh"/>
+        <a:font script="Knda" typeface="Tunga"/>
+        <a:font script="Guru" typeface="Raavi"/>
+        <a:font script="Cans" typeface="Euphemia"/>
+        <a:font script="Cher" typeface="Plantagenet Cherokee"/>
+        <a:font script="Yiii" typeface="Microsoft Yi Baiti"/>
+        <a:font script="Tibt" typeface="Microsoft Himalaya"/>
+        <a:font script="Thaa" typeface="MV Boli"/>
+        <a:font script="Deva" typeface="Mangal"/>
+        <a:font script="Telu" typeface="Gautami"/>
+        <a:font script="Taml" typeface="Latha"/>
+        <a:font script="Syrc" typeface="Estrangelo Edessa"/>
+        <a:font script="Orya" typeface="Kalinga"/>
+        <a:font script="Mlym" typeface="Kartika"/>
+        <a:font script="Laoo" typeface="DokChampa"/>
+        <a:font script="Sinh" typeface="Iskoola Pota"/>
+        <a:font script="Mong" typeface="Mongolian Baiti"/>
+        <a:font script="Viet" typeface="Arial"/>
+        <a:font script="Uigh" typeface="Microsoft Uighur"/>
+        <a:font script="Geor" typeface="Sylfaen"/>
+      </a:minorFont>
+    </a:fontScheme>
+    <a:fmtScheme name="Office">
+      <a:fillStyleLst>
+        <a:solidFill>
+          <a:schemeClr val="phClr"/>
+        </a:solidFill>
+        <a:gradFill rotWithShape="1">
+          <a:gsLst>
+            <a:gs pos="0">
+              <a:schemeClr val="phClr">
+                <a:lumMod val="110000"/>
+                <a:satMod val="105000"/>
+                <a:tint val="67000"/>
+              </a:schemeClr>
+            </a:gs>
+            <a:gs pos="50000">
+              <a:schemeClr val="phClr">
+                <a:lumMod val="105000"/>
+                <a:satMod val="103000"/>
+                <a:tint val="73000"/>
+              </a:schemeClr>
+            </a:gs>
+            <a:gs pos="100000">
+              <a:schemeClr val="phClr">
+                <a:lumMod val="105000"/>
+                <a:satMod val="109000"/>
+                <a:tint val="81000"/>
+              </a:schemeClr>
+            </a:gs>
+          </a:gsLst>
+          <a:lin ang="5400000" scaled="0"/>
+        </a:gradFill>
+        <a:gradFill rotWithShape="1">
+          <a:gsLst>
+            <a:gs pos="0">
+              <a:schemeClr val="phClr">
+                <a:satMod val="103000"/>
+                <a:lumMod val="102000"/>
+                <a:tint val="94000"/>
+              </a:schemeClr>
+            </a:gs>
+            <a:gs pos="50000">
+              <a:schemeClr val="phClr">
+                <a:satMod val="110000"/>
+                <a:lumMod val="100000"/>
+                <a:shade val="100000"/>
+              </a:schemeClr>
+            </a:gs>
+            <a:gs pos="100000">
+              <a:schemeClr val="phClr">
+                <a:lumMod val="99000"/>
+                <a:satMod val="120000"/>
+                <a:shade val="78000"/>
+              </a:schemeClr>
+            </a:gs>
+          </a:gsLst>
+          <a:lin ang="5400000" scaled="0"/>
+        </a:gradFill>
+      </a:fillStyleLst>
+      <a:lnStyleLst>
+        <a:ln w="6350" cap="flat" cmpd="sng" algn="ctr">
+          <a:solidFill>
+            <a:schemeClr val="phClr"/>
+          </a:solidFill>
+          <a:prstDash val="solid"/>
+          <a:miter lim="800000"/>
+        </a:ln>
+        <a:ln w="12700" cap="flat" cmpd="sng" algn="ctr">
+          <a:solidFill>
+            <a:schemeClr val="phClr"/>
+          </a:solidFill>
+          <a:prstDash val="solid"/>
+          <a:miter lim="800000"/>
+        </a:ln>
+        <a:ln w="19050" cap="flat" cmpd="sng" algn="ctr">
+          <a:solidFill>
+            <a:schemeClr val="phClr"/>
+          </a:solidFill>
+          <a:prstDash val="solid"/>
+          <a:miter lim="800000"/>
+        </a:ln>
+      </a:lnStyleLst>
+      <a:effectStyleLst>
+        <a:effectStyle>
+          <a:effectLst/>
+        </a:effectStyle>
+        <a:effectStyle>
+          <a:effectLst/>
+        </a:effectStyle>
+        <a:effectStyle>
+          <a:effectLst>
+            <a:outerShdw blurRad="57150" dist="19050" dir="5400000" algn="ctr" rotWithShape="0">
+              <a:srgbClr val="000000">
+                <a:alpha val="63000"/>
+              </a:srgbClr>
+            </a:outerShdw>
+          </a:effectLst>
+        </a:effectStyle>
+      </a:effectStyleLst>
+      <a:bgFillStyleLst>
+        <a:solidFill>
+          <a:schemeClr val="phClr"/>
+        </a:solidFill>
+        <a:solidFill>
+          <a:schemeClr val="phClr">
+            <a:tint val="95000"/>
+            <a:satMod val="170000"/>
+          </a:schemeClr>
+        </a:solidFill>
+        <a:gradFill rotWithShape="1">
+          <a:gsLst>
+            <a:gs pos="0">
+              <a:schemeClr val="phClr">
+                <a:tint val="93000"/>
+                <a:satMod val="150000"/>
+                <a:shade val="98000"/>
+                <a:lumMod val="102000"/>
+              </a:schemeClr>
+            </a:gs>
+            <a:gs pos="50000">
+              <a:schemeClr val="phClr">
+                <a:tint val="98000"/>
+                <a:satMod val="130000"/>
+                <a:shade val="90000"/>
+                <a:lumMod val="103000"/>
+              </a:schemeClr>
+            </a:gs>
+            <a:gs pos="100000">
+              <a:schemeClr val="phClr">
+                <a:shade val="63000"/>
+                <a:satMod val="120000"/>
+              </a:schemeClr>
+            </a:gs>
+          </a:gsLst>
+          <a:lin ang="5400000" scaled="0"/>
+        </a:gradFill>
+      </a:bgFillStyleLst>
+    </a:fmtScheme>
+  </a:themeElements>
+  <a:objectDefaults/>
+  <a:extraClrSchemeLst/>
+  <a:extLst>
+    <a:ext uri="{05A4C25C-085E-4340-85A3-A5531E510DB2}">
+      <thm15:themeFamily xmlns:thm15="http://schemas.microsoft.com/office/thememl/2012/main" name="Office Theme" id="{62F939B6-93AF-4DB8-9C6B-D6C7DFDC589F}" vid="{4A3C46E8-61CC-4603-A589-7422A47A8E4A}"/>
+    </a:ext>
+  </a:extLst>
+</a:theme>
 </file>